--- a/Apresentação Final.pptx
+++ b/Apresentação Final.pptx
@@ -6,9 +6,19 @@
   </p:sldMasterIdLst>
   <p:sldIdLst>
     <p:sldId id="256" r:id="rId2"/>
-    <p:sldId id="257" r:id="rId3"/>
-    <p:sldId id="258" r:id="rId4"/>
-    <p:sldId id="259" r:id="rId5"/>
+    <p:sldId id="260" r:id="rId3"/>
+    <p:sldId id="257" r:id="rId4"/>
+    <p:sldId id="258" r:id="rId5"/>
+    <p:sldId id="261" r:id="rId6"/>
+    <p:sldId id="262" r:id="rId7"/>
+    <p:sldId id="259" r:id="rId8"/>
+    <p:sldId id="263" r:id="rId9"/>
+    <p:sldId id="264" r:id="rId10"/>
+    <p:sldId id="265" r:id="rId11"/>
+    <p:sldId id="266" r:id="rId12"/>
+    <p:sldId id="269" r:id="rId13"/>
+    <p:sldId id="267" r:id="rId14"/>
+    <p:sldId id="268" r:id="rId15"/>
   </p:sldIdLst>
   <p:sldSz cx="9144000" cy="6858000" type="screen4x3"/>
   <p:notesSz cx="6858000" cy="9144000"/>
@@ -304,7 +314,7 @@
             <a:fld id="{451DEABC-D766-4322-8E78-B830FAE35C72}" type="datetime4">
               <a:rPr lang="en-US" smtClean="0"/>
               <a:pPr/>
-              <a:t>June 21, 2015</a:t>
+              <a:t>June 23, 2015</a:t>
             </a:fld>
             <a:endParaRPr lang="en-US" dirty="0"/>
           </a:p>
@@ -571,7 +581,7 @@
             <a:fld id="{F3131F9E-604E-4343-9F29-EF72E8231CAD}" type="datetime4">
               <a:rPr lang="en-US" smtClean="0"/>
               <a:pPr/>
-              <a:t>June 21, 2015</a:t>
+              <a:t>June 23, 2015</a:t>
             </a:fld>
             <a:endParaRPr lang="en-US"/>
           </a:p>
@@ -748,7 +758,7 @@
             <a:fld id="{34A8E1CE-37F8-4102-8DF9-852A0A51F293}" type="datetime4">
               <a:rPr lang="en-US" smtClean="0"/>
               <a:pPr/>
-              <a:t>June 21, 2015</a:t>
+              <a:t>June 23, 2015</a:t>
             </a:fld>
             <a:endParaRPr lang="en-US"/>
           </a:p>
@@ -915,7 +925,7 @@
             <a:fld id="{93333F43-3E86-47E4-BFBB-2476D384E1C6}" type="datetime4">
               <a:rPr lang="en-US" smtClean="0"/>
               <a:pPr/>
-              <a:t>June 21, 2015</a:t>
+              <a:t>June 23, 2015</a:t>
             </a:fld>
             <a:endParaRPr lang="en-US"/>
           </a:p>
@@ -1166,7 +1176,7 @@
             <a:fld id="{751663BA-01FC-4367-B6F3-ABB2645D55F1}" type="datetime4">
               <a:rPr lang="en-US" smtClean="0"/>
               <a:pPr/>
-              <a:t>June 21, 2015</a:t>
+              <a:t>June 23, 2015</a:t>
             </a:fld>
             <a:endParaRPr lang="en-US" dirty="0"/>
           </a:p>
@@ -1451,7 +1461,7 @@
             <a:fld id="{79B19C71-EC74-44AF-B27E-FC7DC3C3A61D}" type="datetime4">
               <a:rPr lang="en-US" smtClean="0"/>
               <a:pPr/>
-              <a:t>June 21, 2015</a:t>
+              <a:t>June 23, 2015</a:t>
             </a:fld>
             <a:endParaRPr lang="en-US"/>
           </a:p>
@@ -1892,7 +1902,7 @@
             <a:fld id="{6A5CDA29-3CBE-48EA-92AE-A996835462BA}" type="datetime4">
               <a:rPr lang="en-US" smtClean="0"/>
               <a:pPr/>
-              <a:t>June 21, 2015</a:t>
+              <a:t>June 23, 2015</a:t>
             </a:fld>
             <a:endParaRPr lang="en-US"/>
           </a:p>
@@ -2007,7 +2017,7 @@
             <a:fld id="{E29EC054-3869-4501-B163-1BBFDE8DCE04}" type="datetime4">
               <a:rPr lang="en-US" smtClean="0"/>
               <a:pPr/>
-              <a:t>June 21, 2015</a:t>
+              <a:t>June 23, 2015</a:t>
             </a:fld>
             <a:endParaRPr lang="en-US"/>
           </a:p>
@@ -2099,7 +2109,7 @@
             <a:fld id="{0A63D831-56C1-49CF-8EF7-8B9A98402BCD}" type="datetime4">
               <a:rPr lang="en-US" smtClean="0"/>
               <a:pPr/>
-              <a:t>June 21, 2015</a:t>
+              <a:t>June 23, 2015</a:t>
             </a:fld>
             <a:endParaRPr lang="en-US"/>
           </a:p>
@@ -2343,7 +2353,7 @@
             <a:fld id="{6EAD5615-7F4F-4584-84D5-CC95918C321F}" type="datetime4">
               <a:rPr lang="en-US" smtClean="0"/>
               <a:pPr/>
-              <a:t>June 21, 2015</a:t>
+              <a:t>June 23, 2015</a:t>
             </a:fld>
             <a:endParaRPr lang="en-US"/>
           </a:p>
@@ -2639,7 +2649,7 @@
             <a:fld id="{76EEA923-9BEE-48CE-9F28-5B525F399BAD}" type="datetime4">
               <a:rPr lang="en-US" smtClean="0"/>
               <a:pPr/>
-              <a:t>June 21, 2015</a:t>
+              <a:t>June 23, 2015</a:t>
             </a:fld>
             <a:endParaRPr lang="en-US"/>
           </a:p>
@@ -2935,7 +2945,7 @@
             <a:fld id="{17D0EFEE-2756-4A20-BF2A-63F0A94F99AC}" type="datetime4">
               <a:rPr lang="en-US" smtClean="0"/>
               <a:pPr/>
-              <a:t>June 21, 2015</a:t>
+              <a:t>June 23, 2015</a:t>
             </a:fld>
             <a:endParaRPr lang="en-US" dirty="0"/>
           </a:p>
@@ -3439,11 +3449,7 @@
           <a:p>
             <a:r>
               <a:rPr lang="pt-BR" dirty="0" smtClean="0"/>
-              <a:t>P</a:t>
-            </a:r>
-            <a:r>
-              <a:rPr lang="pt-BR" dirty="0" smtClean="0"/>
-              <a:t>ÊNDULO DE NEWTON</a:t>
+              <a:t>PÊNDULO DE NEWTON</a:t>
             </a:r>
             <a:endParaRPr lang="pt-BR" dirty="0"/>
           </a:p>
@@ -3466,15 +3472,7 @@
           <a:p>
             <a:r>
               <a:rPr lang="pt-BR" dirty="0" smtClean="0"/>
-              <a:t>Nicolas GENTIL &amp; N</a:t>
-            </a:r>
-            <a:r>
-              <a:rPr lang="pt-BR" dirty="0" smtClean="0"/>
-              <a:t>Í</a:t>
-            </a:r>
-            <a:r>
-              <a:rPr lang="pt-BR" dirty="0" smtClean="0"/>
-              <a:t>COLAS FONTEYNE </a:t>
+              <a:t>Nicolas GENTIL &amp; NÍCOLAS FONTEYNE </a:t>
             </a:r>
             <a:endParaRPr lang="pt-BR" dirty="0"/>
           </a:p>
@@ -3500,7 +3498,495 @@
 </p:sld>
 </file>
 
+<file path=ppt/slides/slide10.xml><?xml version="1.0" encoding="utf-8"?>
+<p:sld xmlns:a="http://schemas.openxmlformats.org/drawingml/2006/main" xmlns:r="http://schemas.openxmlformats.org/officeDocument/2006/relationships" xmlns:p="http://schemas.openxmlformats.org/presentationml/2006/main">
+  <p:cSld>
+    <p:spTree>
+      <p:nvGrpSpPr>
+        <p:cNvPr id="1" name=""/>
+        <p:cNvGrpSpPr/>
+        <p:nvPr/>
+      </p:nvGrpSpPr>
+      <p:grpSpPr>
+        <a:xfrm>
+          <a:off x="0" y="0"/>
+          <a:ext cx="0" cy="0"/>
+          <a:chOff x="0" y="0"/>
+          <a:chExt cx="0" cy="0"/>
+        </a:xfrm>
+      </p:grpSpPr>
+      <p:sp>
+        <p:nvSpPr>
+          <p:cNvPr id="2" name="Title 1"/>
+          <p:cNvSpPr>
+            <a:spLocks noGrp="1"/>
+          </p:cNvSpPr>
+          <p:nvPr>
+            <p:ph type="title"/>
+          </p:nvPr>
+        </p:nvSpPr>
+        <p:spPr/>
+        <p:txBody>
+          <a:bodyPr/>
+          <a:lstStyle/>
+          <a:p>
+            <a:r>
+              <a:rPr lang="pt-BR" dirty="0" err="1" smtClean="0"/>
+              <a:t>Gr</a:t>
+            </a:r>
+            <a:r>
+              <a:rPr lang="pt-BR" dirty="0" err="1" smtClean="0"/>
+              <a:t>áf</a:t>
+            </a:r>
+            <a:r>
+              <a:rPr lang="pt-BR" dirty="0" smtClean="0"/>
+              <a:t> 2</a:t>
+            </a:r>
+            <a:endParaRPr lang="pt-BR" dirty="0"/>
+          </a:p>
+        </p:txBody>
+      </p:sp>
+      <p:sp>
+        <p:nvSpPr>
+          <p:cNvPr id="3" name="Content Placeholder 2"/>
+          <p:cNvSpPr>
+            <a:spLocks noGrp="1"/>
+          </p:cNvSpPr>
+          <p:nvPr>
+            <p:ph idx="1"/>
+          </p:nvPr>
+        </p:nvSpPr>
+        <p:spPr/>
+        <p:txBody>
+          <a:bodyPr/>
+          <a:lstStyle/>
+          <a:p>
+            <a:endParaRPr lang="pt-BR"/>
+          </a:p>
+        </p:txBody>
+      </p:sp>
+    </p:spTree>
+    <p:extLst>
+      <p:ext uri="{BB962C8B-B14F-4D97-AF65-F5344CB8AC3E}">
+        <p14:creationId xmlns:p14="http://schemas.microsoft.com/office/powerpoint/2010/main" val="1564480565"/>
+      </p:ext>
+    </p:extLst>
+  </p:cSld>
+  <p:clrMapOvr>
+    <a:masterClrMapping/>
+  </p:clrMapOvr>
+</p:sld>
+</file>
+
+<file path=ppt/slides/slide11.xml><?xml version="1.0" encoding="utf-8"?>
+<p:sld xmlns:a="http://schemas.openxmlformats.org/drawingml/2006/main" xmlns:r="http://schemas.openxmlformats.org/officeDocument/2006/relationships" xmlns:p="http://schemas.openxmlformats.org/presentationml/2006/main">
+  <p:cSld>
+    <p:spTree>
+      <p:nvGrpSpPr>
+        <p:cNvPr id="1" name=""/>
+        <p:cNvGrpSpPr/>
+        <p:nvPr/>
+      </p:nvGrpSpPr>
+      <p:grpSpPr>
+        <a:xfrm>
+          <a:off x="0" y="0"/>
+          <a:ext cx="0" cy="0"/>
+          <a:chOff x="0" y="0"/>
+          <a:chExt cx="0" cy="0"/>
+        </a:xfrm>
+      </p:grpSpPr>
+      <p:sp>
+        <p:nvSpPr>
+          <p:cNvPr id="2" name="Title 1"/>
+          <p:cNvSpPr>
+            <a:spLocks noGrp="1"/>
+          </p:cNvSpPr>
+          <p:nvPr>
+            <p:ph type="title"/>
+          </p:nvPr>
+        </p:nvSpPr>
+        <p:spPr/>
+        <p:txBody>
+          <a:bodyPr/>
+          <a:lstStyle/>
+          <a:p>
+            <a:r>
+              <a:rPr lang="pt-BR" dirty="0" err="1" smtClean="0"/>
+              <a:t>Gr</a:t>
+            </a:r>
+            <a:r>
+              <a:rPr lang="pt-BR" dirty="0" err="1" smtClean="0"/>
+              <a:t>áf</a:t>
+            </a:r>
+            <a:r>
+              <a:rPr lang="pt-BR" dirty="0" smtClean="0"/>
+              <a:t> 3</a:t>
+            </a:r>
+            <a:endParaRPr lang="pt-BR" dirty="0"/>
+          </a:p>
+        </p:txBody>
+      </p:sp>
+      <p:sp>
+        <p:nvSpPr>
+          <p:cNvPr id="3" name="Content Placeholder 2"/>
+          <p:cNvSpPr>
+            <a:spLocks noGrp="1"/>
+          </p:cNvSpPr>
+          <p:nvPr>
+            <p:ph idx="1"/>
+          </p:nvPr>
+        </p:nvSpPr>
+        <p:spPr/>
+        <p:txBody>
+          <a:bodyPr/>
+          <a:lstStyle/>
+          <a:p>
+            <a:endParaRPr lang="pt-BR"/>
+          </a:p>
+        </p:txBody>
+      </p:sp>
+    </p:spTree>
+    <p:extLst>
+      <p:ext uri="{BB962C8B-B14F-4D97-AF65-F5344CB8AC3E}">
+        <p14:creationId xmlns:p14="http://schemas.microsoft.com/office/powerpoint/2010/main" val="2187999141"/>
+      </p:ext>
+    </p:extLst>
+  </p:cSld>
+  <p:clrMapOvr>
+    <a:masterClrMapping/>
+  </p:clrMapOvr>
+</p:sld>
+</file>
+
+<file path=ppt/slides/slide12.xml><?xml version="1.0" encoding="utf-8"?>
+<p:sld xmlns:a="http://schemas.openxmlformats.org/drawingml/2006/main" xmlns:r="http://schemas.openxmlformats.org/officeDocument/2006/relationships" xmlns:p="http://schemas.openxmlformats.org/presentationml/2006/main">
+  <p:cSld>
+    <p:spTree>
+      <p:nvGrpSpPr>
+        <p:cNvPr id="1" name=""/>
+        <p:cNvGrpSpPr/>
+        <p:nvPr/>
+      </p:nvGrpSpPr>
+      <p:grpSpPr>
+        <a:xfrm>
+          <a:off x="0" y="0"/>
+          <a:ext cx="0" cy="0"/>
+          <a:chOff x="0" y="0"/>
+          <a:chExt cx="0" cy="0"/>
+        </a:xfrm>
+      </p:grpSpPr>
+      <p:sp>
+        <p:nvSpPr>
+          <p:cNvPr id="2" name="Title 1"/>
+          <p:cNvSpPr>
+            <a:spLocks noGrp="1"/>
+          </p:cNvSpPr>
+          <p:nvPr>
+            <p:ph type="title"/>
+          </p:nvPr>
+        </p:nvSpPr>
+        <p:spPr/>
+        <p:txBody>
+          <a:bodyPr/>
+          <a:lstStyle/>
+          <a:p>
+            <a:r>
+              <a:rPr lang="pt-BR" dirty="0" smtClean="0"/>
+              <a:t>Explica</a:t>
+            </a:r>
+            <a:r>
+              <a:rPr lang="pt-BR" dirty="0" smtClean="0"/>
+              <a:t>ções finais</a:t>
+            </a:r>
+            <a:endParaRPr lang="pt-BR" dirty="0"/>
+          </a:p>
+        </p:txBody>
+      </p:sp>
+      <p:sp>
+        <p:nvSpPr>
+          <p:cNvPr id="3" name="Content Placeholder 2"/>
+          <p:cNvSpPr>
+            <a:spLocks noGrp="1"/>
+          </p:cNvSpPr>
+          <p:nvPr>
+            <p:ph idx="1"/>
+          </p:nvPr>
+        </p:nvSpPr>
+        <p:spPr/>
+        <p:txBody>
+          <a:bodyPr/>
+          <a:lstStyle/>
+          <a:p>
+            <a:r>
+              <a:rPr lang="pt-BR" dirty="0" smtClean="0"/>
+              <a:t>Come</a:t>
+            </a:r>
+            <a:r>
+              <a:rPr lang="pt-BR" dirty="0" smtClean="0"/>
+              <a:t>çamos nosso trabalho pensando em implementar o sistema do pêndulo de Newton real e sem nenhuma consideração. Porém, o fato da perda de energia através da colisão ser um processo extremamente complexo fez com que considerássemos apenas a resistência do ar.</a:t>
+            </a:r>
+          </a:p>
+          <a:p>
+            <a:r>
+              <a:rPr lang="pt-BR" dirty="0" smtClean="0"/>
+              <a:t>Como resultado, obtivemos um tempo de parada um pouco maior do que o esperado, algo que apesar de não ser útil para a representação desse processo em situações reais é útil para entender a lógica de todos os outros processos envolvidos nessa maravilhosa engenhoca.</a:t>
+            </a:r>
+            <a:endParaRPr lang="pt-BR" dirty="0"/>
+          </a:p>
+        </p:txBody>
+      </p:sp>
+    </p:spTree>
+    <p:extLst>
+      <p:ext uri="{BB962C8B-B14F-4D97-AF65-F5344CB8AC3E}">
+        <p14:creationId xmlns:p14="http://schemas.microsoft.com/office/powerpoint/2010/main" val="1463302325"/>
+      </p:ext>
+    </p:extLst>
+  </p:cSld>
+  <p:clrMapOvr>
+    <a:masterClrMapping/>
+  </p:clrMapOvr>
+</p:sld>
+</file>
+
+<file path=ppt/slides/slide13.xml><?xml version="1.0" encoding="utf-8"?>
+<p:sld xmlns:a="http://schemas.openxmlformats.org/drawingml/2006/main" xmlns:r="http://schemas.openxmlformats.org/officeDocument/2006/relationships" xmlns:p="http://schemas.openxmlformats.org/presentationml/2006/main">
+  <p:cSld>
+    <p:spTree>
+      <p:nvGrpSpPr>
+        <p:cNvPr id="1" name=""/>
+        <p:cNvGrpSpPr/>
+        <p:nvPr/>
+      </p:nvGrpSpPr>
+      <p:grpSpPr>
+        <a:xfrm>
+          <a:off x="0" y="0"/>
+          <a:ext cx="0" cy="0"/>
+          <a:chOff x="0" y="0"/>
+          <a:chExt cx="0" cy="0"/>
+        </a:xfrm>
+      </p:grpSpPr>
+      <p:sp>
+        <p:nvSpPr>
+          <p:cNvPr id="2" name="Title 1"/>
+          <p:cNvSpPr>
+            <a:spLocks noGrp="1"/>
+          </p:cNvSpPr>
+          <p:nvPr>
+            <p:ph type="title"/>
+          </p:nvPr>
+        </p:nvSpPr>
+        <p:spPr/>
+        <p:txBody>
+          <a:bodyPr/>
+          <a:lstStyle/>
+          <a:p>
+            <a:r>
+              <a:rPr lang="pt-BR" dirty="0" smtClean="0"/>
+              <a:t>Para um futuro</a:t>
+            </a:r>
+            <a:endParaRPr lang="pt-BR" dirty="0"/>
+          </a:p>
+        </p:txBody>
+      </p:sp>
+      <p:sp>
+        <p:nvSpPr>
+          <p:cNvPr id="3" name="Content Placeholder 2"/>
+          <p:cNvSpPr>
+            <a:spLocks noGrp="1"/>
+          </p:cNvSpPr>
+          <p:nvPr>
+            <p:ph idx="1"/>
+          </p:nvPr>
+        </p:nvSpPr>
+        <p:spPr/>
+        <p:txBody>
+          <a:bodyPr/>
+          <a:lstStyle/>
+          <a:p>
+            <a:endParaRPr lang="pt-BR"/>
+          </a:p>
+        </p:txBody>
+      </p:sp>
+    </p:spTree>
+    <p:extLst>
+      <p:ext uri="{BB962C8B-B14F-4D97-AF65-F5344CB8AC3E}">
+        <p14:creationId xmlns:p14="http://schemas.microsoft.com/office/powerpoint/2010/main" val="194838282"/>
+      </p:ext>
+    </p:extLst>
+  </p:cSld>
+  <p:clrMapOvr>
+    <a:masterClrMapping/>
+  </p:clrMapOvr>
+</p:sld>
+</file>
+
+<file path=ppt/slides/slide14.xml><?xml version="1.0" encoding="utf-8"?>
+<p:sld xmlns:a="http://schemas.openxmlformats.org/drawingml/2006/main" xmlns:r="http://schemas.openxmlformats.org/officeDocument/2006/relationships" xmlns:p="http://schemas.openxmlformats.org/presentationml/2006/main">
+  <p:cSld>
+    <p:spTree>
+      <p:nvGrpSpPr>
+        <p:cNvPr id="1" name=""/>
+        <p:cNvGrpSpPr/>
+        <p:nvPr/>
+      </p:nvGrpSpPr>
+      <p:grpSpPr>
+        <a:xfrm>
+          <a:off x="0" y="0"/>
+          <a:ext cx="0" cy="0"/>
+          <a:chOff x="0" y="0"/>
+          <a:chExt cx="0" cy="0"/>
+        </a:xfrm>
+      </p:grpSpPr>
+      <p:sp>
+        <p:nvSpPr>
+          <p:cNvPr id="2" name="Title 1"/>
+          <p:cNvSpPr>
+            <a:spLocks noGrp="1"/>
+          </p:cNvSpPr>
+          <p:nvPr>
+            <p:ph type="title"/>
+          </p:nvPr>
+        </p:nvSpPr>
+        <p:spPr>
+          <a:xfrm>
+            <a:off x="3296708" y="2836334"/>
+            <a:ext cx="2656417" cy="1185650"/>
+          </a:xfrm>
+        </p:spPr>
+        <p:txBody>
+          <a:bodyPr>
+            <a:normAutofit/>
+          </a:bodyPr>
+          <a:lstStyle/>
+          <a:p>
+            <a:pPr algn="ctr"/>
+            <a:r>
+              <a:rPr lang="pt-BR" sz="6600" dirty="0" smtClean="0"/>
+              <a:t>fim</a:t>
+            </a:r>
+            <a:endParaRPr lang="pt-BR" sz="6600" dirty="0"/>
+          </a:p>
+        </p:txBody>
+      </p:sp>
+    </p:spTree>
+    <p:extLst>
+      <p:ext uri="{BB962C8B-B14F-4D97-AF65-F5344CB8AC3E}">
+        <p14:creationId xmlns:p14="http://schemas.microsoft.com/office/powerpoint/2010/main" val="2926089282"/>
+      </p:ext>
+    </p:extLst>
+  </p:cSld>
+  <p:clrMapOvr>
+    <a:masterClrMapping/>
+  </p:clrMapOvr>
+</p:sld>
+</file>
+
 <file path=ppt/slides/slide2.xml><?xml version="1.0" encoding="utf-8"?>
+<p:sld xmlns:a="http://schemas.openxmlformats.org/drawingml/2006/main" xmlns:r="http://schemas.openxmlformats.org/officeDocument/2006/relationships" xmlns:p="http://schemas.openxmlformats.org/presentationml/2006/main">
+  <p:cSld>
+    <p:spTree>
+      <p:nvGrpSpPr>
+        <p:cNvPr id="1" name=""/>
+        <p:cNvGrpSpPr/>
+        <p:nvPr/>
+      </p:nvGrpSpPr>
+      <p:grpSpPr>
+        <a:xfrm>
+          <a:off x="0" y="0"/>
+          <a:ext cx="0" cy="0"/>
+          <a:chOff x="0" y="0"/>
+          <a:chExt cx="0" cy="0"/>
+        </a:xfrm>
+      </p:grpSpPr>
+      <p:sp>
+        <p:nvSpPr>
+          <p:cNvPr id="2" name="Title 1"/>
+          <p:cNvSpPr>
+            <a:spLocks noGrp="1"/>
+          </p:cNvSpPr>
+          <p:nvPr>
+            <p:ph type="title"/>
+          </p:nvPr>
+        </p:nvSpPr>
+        <p:spPr/>
+        <p:txBody>
+          <a:bodyPr/>
+          <a:lstStyle/>
+          <a:p>
+            <a:r>
+              <a:rPr lang="pt-BR" dirty="0" smtClean="0"/>
+              <a:t>Por que o p</a:t>
+            </a:r>
+            <a:r>
+              <a:rPr lang="pt-BR" dirty="0" smtClean="0"/>
+              <a:t>êndulo?</a:t>
+            </a:r>
+            <a:endParaRPr lang="pt-BR" dirty="0"/>
+          </a:p>
+        </p:txBody>
+      </p:sp>
+      <p:sp>
+        <p:nvSpPr>
+          <p:cNvPr id="3" name="Content Placeholder 2"/>
+          <p:cNvSpPr>
+            <a:spLocks noGrp="1"/>
+          </p:cNvSpPr>
+          <p:nvPr>
+            <p:ph idx="1"/>
+          </p:nvPr>
+        </p:nvSpPr>
+        <p:spPr/>
+        <p:txBody>
+          <a:bodyPr/>
+          <a:lstStyle/>
+          <a:p>
+            <a:r>
+              <a:rPr lang="pt-BR" dirty="0" smtClean="0"/>
+              <a:t>Inventado em 1967 pelo ingl</a:t>
+            </a:r>
+            <a:r>
+              <a:rPr lang="pt-BR" dirty="0" smtClean="0"/>
+              <a:t>ês Simon </a:t>
+            </a:r>
+            <a:r>
+              <a:rPr lang="pt-BR" dirty="0" err="1" smtClean="0"/>
+              <a:t>Prebble</a:t>
+            </a:r>
+            <a:r>
+              <a:rPr lang="pt-BR" dirty="0" smtClean="0"/>
+              <a:t>, o pêndulo de Newton tem como principal função demonstrar as diferentes leis do movimento, também conhecidas como leis de Newton.</a:t>
+            </a:r>
+          </a:p>
+          <a:p>
+            <a:r>
+              <a:rPr lang="pt-BR" dirty="0" smtClean="0"/>
+              <a:t>Tendo em vista a modelagem de um sistema mecânico, tivemos a ideia de utilizar as diferentes leis demonstradas por esse mecanismo como base de nosso modelo, algo que melhorará nosso entendimento dessas leis e nos permitirá estudar mais profundamente o que cada umas delas tem a contribuir para a nossa vida cotidiana.</a:t>
+            </a:r>
+            <a:endParaRPr lang="pt-BR" dirty="0"/>
+          </a:p>
+        </p:txBody>
+      </p:sp>
+    </p:spTree>
+    <p:extLst>
+      <p:ext uri="{BB962C8B-B14F-4D97-AF65-F5344CB8AC3E}">
+        <p14:creationId xmlns:p14="http://schemas.microsoft.com/office/powerpoint/2010/main" val="3922307719"/>
+      </p:ext>
+    </p:extLst>
+  </p:cSld>
+  <p:clrMapOvr>
+    <a:masterClrMapping/>
+  </p:clrMapOvr>
+  <p:timing>
+    <p:tnLst>
+      <p:par>
+        <p:cTn xmlns:p14="http://schemas.microsoft.com/office/powerpoint/2010/main" id="1" dur="indefinite" restart="never" nodeType="tmRoot"/>
+      </p:par>
+    </p:tnLst>
+  </p:timing>
+</p:sld>
+</file>
+
+<file path=ppt/slides/slide3.xml><?xml version="1.0" encoding="utf-8"?>
 <p:sld xmlns:a="http://schemas.openxmlformats.org/drawingml/2006/main" xmlns:r="http://schemas.openxmlformats.org/officeDocument/2006/relationships" xmlns:p="http://schemas.openxmlformats.org/presentationml/2006/main">
   <p:cSld>
     <p:spTree>
@@ -3723,190 +4209,6 @@
 </p:sld>
 </file>
 
-<file path=ppt/slides/slide3.xml><?xml version="1.0" encoding="utf-8"?>
-<p:sld xmlns:a="http://schemas.openxmlformats.org/drawingml/2006/main" xmlns:r="http://schemas.openxmlformats.org/officeDocument/2006/relationships" xmlns:p="http://schemas.openxmlformats.org/presentationml/2006/main">
-  <p:cSld>
-    <p:spTree>
-      <p:nvGrpSpPr>
-        <p:cNvPr id="1" name=""/>
-        <p:cNvGrpSpPr/>
-        <p:nvPr/>
-      </p:nvGrpSpPr>
-      <p:grpSpPr>
-        <a:xfrm>
-          <a:off x="0" y="0"/>
-          <a:ext cx="0" cy="0"/>
-          <a:chOff x="0" y="0"/>
-          <a:chExt cx="0" cy="0"/>
-        </a:xfrm>
-      </p:grpSpPr>
-      <p:sp>
-        <p:nvSpPr>
-          <p:cNvPr id="2" name="Title 1"/>
-          <p:cNvSpPr>
-            <a:spLocks noGrp="1"/>
-          </p:cNvSpPr>
-          <p:nvPr>
-            <p:ph type="title"/>
-          </p:nvPr>
-        </p:nvSpPr>
-        <p:spPr/>
-        <p:txBody>
-          <a:bodyPr/>
-          <a:lstStyle/>
-          <a:p>
-            <a:r>
-              <a:rPr lang="pt-BR" dirty="0" smtClean="0"/>
-              <a:t>considera</a:t>
-            </a:r>
-            <a:r>
-              <a:rPr lang="pt-BR" dirty="0" smtClean="0"/>
-              <a:t>ções</a:t>
-            </a:r>
-            <a:endParaRPr lang="pt-BR" dirty="0"/>
-          </a:p>
-        </p:txBody>
-      </p:sp>
-      <p:sp>
-        <p:nvSpPr>
-          <p:cNvPr id="3" name="Content Placeholder 2"/>
-          <p:cNvSpPr>
-            <a:spLocks noGrp="1"/>
-          </p:cNvSpPr>
-          <p:nvPr>
-            <p:ph idx="1"/>
-          </p:nvPr>
-        </p:nvSpPr>
-        <p:spPr/>
-        <p:txBody>
-          <a:bodyPr/>
-          <a:lstStyle/>
-          <a:p>
-            <a:pPr marL="342900" indent="-342900">
-              <a:buFont typeface="Arial"/>
-              <a:buChar char="•"/>
-            </a:pPr>
-            <a:r>
-              <a:rPr lang="pt-BR" dirty="0" smtClean="0"/>
-              <a:t>O fio que segura a bolinha não tem massa.</a:t>
-            </a:r>
-          </a:p>
-          <a:p>
-            <a:pPr marL="342900" indent="-342900">
-              <a:buFont typeface="Arial"/>
-              <a:buChar char="•"/>
-            </a:pPr>
-            <a:r>
-              <a:rPr lang="pt-BR" dirty="0" smtClean="0"/>
-              <a:t>A bolinha só se desloca nos eixos </a:t>
-            </a:r>
-            <a:r>
-              <a:rPr lang="pt-BR" dirty="0" err="1" smtClean="0"/>
-              <a:t>x</a:t>
-            </a:r>
-            <a:r>
-              <a:rPr lang="pt-BR" dirty="0" smtClean="0"/>
-              <a:t> e </a:t>
-            </a:r>
-            <a:r>
-              <a:rPr lang="pt-BR" dirty="0" err="1" smtClean="0"/>
-              <a:t>y</a:t>
-            </a:r>
-            <a:r>
-              <a:rPr lang="pt-BR" dirty="0" smtClean="0"/>
-              <a:t> do plano cartesiano.</a:t>
-            </a:r>
-          </a:p>
-          <a:p>
-            <a:pPr marL="342900" indent="-342900">
-              <a:buFont typeface="Arial"/>
-              <a:buChar char="•"/>
-            </a:pPr>
-            <a:r>
-              <a:rPr lang="pt-BR" dirty="0" smtClean="0"/>
-              <a:t>A bolinha é considerada como um ponto no espaço, este ponto é seu centro de massa.</a:t>
-            </a:r>
-          </a:p>
-          <a:p>
-            <a:pPr marL="342900" indent="-342900">
-              <a:buFont typeface="Arial"/>
-              <a:buChar char="•"/>
-            </a:pPr>
-            <a:r>
-              <a:rPr lang="pt-BR" dirty="0" smtClean="0"/>
-              <a:t>Temperatura ambiente </a:t>
-            </a:r>
-            <a:r>
-              <a:rPr lang="pt-BR" dirty="0" smtClean="0"/>
-              <a:t>é de </a:t>
-            </a:r>
-            <a:r>
-              <a:rPr lang="pt-BR" dirty="0" smtClean="0"/>
-              <a:t>25˚C.</a:t>
-            </a:r>
-          </a:p>
-          <a:p>
-            <a:pPr marL="342900" indent="-342900">
-              <a:buFont typeface="Arial"/>
-              <a:buChar char="•"/>
-            </a:pPr>
-            <a:r>
-              <a:rPr lang="pt-BR" dirty="0" smtClean="0"/>
-              <a:t>O choque entre as bolinhas foi considerado como perfeitamente el</a:t>
-            </a:r>
-            <a:r>
-              <a:rPr lang="pt-BR" dirty="0" smtClean="0"/>
-              <a:t>á</a:t>
-            </a:r>
-            <a:r>
-              <a:rPr lang="pt-BR" dirty="0" smtClean="0"/>
-              <a:t>stico (n</a:t>
-            </a:r>
-            <a:r>
-              <a:rPr lang="pt-BR" dirty="0" smtClean="0"/>
-              <a:t>ão há perda de energia).</a:t>
-            </a:r>
-          </a:p>
-          <a:p>
-            <a:pPr marL="342900" indent="-342900">
-              <a:buFont typeface="Arial"/>
-              <a:buChar char="•"/>
-            </a:pPr>
-            <a:r>
-              <a:rPr lang="pt-BR" dirty="0" smtClean="0"/>
-              <a:t>O Coeficiente de atrito com o ar da esfera foi considerado 0.47.</a:t>
-            </a:r>
-            <a:endParaRPr lang="pt-BR" dirty="0" smtClean="0"/>
-          </a:p>
-          <a:p>
-            <a:pPr marL="342900" indent="-342900">
-              <a:buFont typeface="Arial"/>
-              <a:buChar char="•"/>
-            </a:pPr>
-            <a:endParaRPr lang="en-US" dirty="0"/>
-          </a:p>
-          <a:p>
-            <a:pPr marL="342900" indent="-342900">
-              <a:buFont typeface="Arial"/>
-              <a:buChar char="•"/>
-            </a:pPr>
-            <a:endParaRPr lang="pt-BR" dirty="0"/>
-          </a:p>
-        </p:txBody>
-      </p:sp>
-    </p:spTree>
-    <p:extLst>
-      <p:ext uri="{BB962C8B-B14F-4D97-AF65-F5344CB8AC3E}">
-        <p14:creationId xmlns:p14="http://schemas.microsoft.com/office/powerpoint/2010/main" val="1832223161"/>
-      </p:ext>
-    </p:extLst>
-  </p:cSld>
-  <p:clrMapOvr>
-    <a:masterClrMapping/>
-  </p:clrMapOvr>
-</p:sld>
-</file>
-
 <file path=ppt/slides/slide4.xml><?xml version="1.0" encoding="utf-8"?>
 <p:sld xmlns:a="http://schemas.openxmlformats.org/drawingml/2006/main" xmlns:r="http://schemas.openxmlformats.org/officeDocument/2006/relationships" xmlns:p="http://schemas.openxmlformats.org/presentationml/2006/main">
   <p:cSld>
@@ -3941,11 +4243,7 @@
           <a:p>
             <a:r>
               <a:rPr lang="pt-BR" dirty="0" smtClean="0"/>
-              <a:t>equa</a:t>
-            </a:r>
-            <a:r>
-              <a:rPr lang="pt-BR" dirty="0" smtClean="0"/>
-              <a:t>ções</a:t>
+              <a:t>considerações</a:t>
             </a:r>
             <a:endParaRPr lang="pt-BR" dirty="0"/>
           </a:p>
@@ -3971,38 +4269,81 @@
               <a:buChar char="•"/>
             </a:pPr>
             <a:r>
-              <a:rPr lang="pt-BR" dirty="0" err="1"/>
-              <a:t>F</a:t>
-            </a:r>
+              <a:rPr lang="pt-BR" dirty="0" smtClean="0"/>
+              <a:t>O fio que segura a bolinha não tem massa.</a:t>
+            </a:r>
+          </a:p>
+          <a:p>
+            <a:pPr marL="342900" indent="-342900">
+              <a:buFont typeface="Arial"/>
+              <a:buChar char="•"/>
+            </a:pPr>
+            <a:r>
+              <a:rPr lang="pt-BR" dirty="0" smtClean="0"/>
+              <a:t>A bolinha só se desloca nos eixos </a:t>
+            </a:r>
+            <a:r>
+              <a:rPr lang="pt-BR" dirty="0" err="1" smtClean="0"/>
+              <a:t>x</a:t>
+            </a:r>
+            <a:r>
+              <a:rPr lang="pt-BR" dirty="0" smtClean="0"/>
+              <a:t> e </a:t>
+            </a:r>
+            <a:r>
+              <a:rPr lang="pt-BR" dirty="0" err="1" smtClean="0"/>
+              <a:t>y</a:t>
+            </a:r>
+            <a:r>
+              <a:rPr lang="pt-BR" dirty="0" smtClean="0"/>
+              <a:t> do plano cartesiano.</a:t>
+            </a:r>
+          </a:p>
+          <a:p>
+            <a:pPr marL="342900" indent="-342900">
+              <a:buFont typeface="Arial"/>
+              <a:buChar char="•"/>
+            </a:pPr>
+            <a:r>
+              <a:rPr lang="pt-BR" dirty="0" smtClean="0"/>
+              <a:t>A bolinha é considerada como um ponto no espaço, este ponto é seu centro de massa.</a:t>
+            </a:r>
+          </a:p>
+          <a:p>
+            <a:pPr marL="342900" indent="-342900">
+              <a:buFont typeface="Arial"/>
+              <a:buChar char="•"/>
+            </a:pPr>
             <a:r>
               <a:rPr lang="pt-BR" dirty="0"/>
-              <a:t> = </a:t>
-            </a:r>
-            <a:r>
-              <a:rPr lang="pt-BR" dirty="0" err="1"/>
-              <a:t>P</a:t>
-            </a:r>
-            <a:r>
-              <a:rPr lang="pt-BR" baseline="-25000" dirty="0" err="1"/>
-              <a:t>x</a:t>
-            </a:r>
-            <a:r>
-              <a:rPr lang="pt-BR" dirty="0"/>
-              <a:t> </a:t>
-            </a:r>
-            <a:r>
-              <a:rPr lang="pt-BR" dirty="0" smtClean="0"/>
-              <a:t>– </a:t>
-            </a:r>
-            <a:r>
-              <a:rPr lang="pt-BR" dirty="0" err="1" smtClean="0"/>
-              <a:t>R</a:t>
-            </a:r>
-            <a:r>
-              <a:rPr lang="pt-BR" baseline="-25000" dirty="0" err="1" smtClean="0"/>
-              <a:t>ar</a:t>
-            </a:r>
-            <a:endParaRPr lang="pt-BR" baseline="-25000" dirty="0" smtClean="0"/>
+              <a:t>O choque entre as bolinhas foi considerado como perfeitamente elástico (não há perda de energia)</a:t>
+            </a:r>
+            <a:r>
+              <a:rPr lang="pt-BR" dirty="0" smtClean="0"/>
+              <a:t>.</a:t>
+            </a:r>
+          </a:p>
+          <a:p>
+            <a:pPr marL="342900" indent="-342900">
+              <a:buFont typeface="Arial"/>
+              <a:buChar char="•"/>
+            </a:pPr>
+            <a:r>
+              <a:rPr lang="pt-BR" dirty="0" smtClean="0"/>
+              <a:t>Utilizamos apenas o movimento de um p</a:t>
+            </a:r>
+            <a:r>
+              <a:rPr lang="pt-BR" dirty="0" smtClean="0"/>
+              <a:t>êndulo, pois se não ocorre perda nos choques, o movimento é o mesmo.</a:t>
+            </a:r>
+            <a:endParaRPr lang="pt-BR" dirty="0"/>
+          </a:p>
+          <a:p>
+            <a:pPr marL="342900" indent="-342900">
+              <a:buFont typeface="Arial"/>
+              <a:buChar char="•"/>
+            </a:pPr>
+            <a:endParaRPr lang="en-US" dirty="0"/>
           </a:p>
           <a:p>
             <a:pPr marL="342900" indent="-342900">
@@ -4011,50 +4352,96 @@
             </a:pPr>
             <a:endParaRPr lang="pt-BR" dirty="0"/>
           </a:p>
+        </p:txBody>
+      </p:sp>
+    </p:spTree>
+    <p:extLst>
+      <p:ext uri="{BB962C8B-B14F-4D97-AF65-F5344CB8AC3E}">
+        <p14:creationId xmlns:p14="http://schemas.microsoft.com/office/powerpoint/2010/main" val="1832223161"/>
+      </p:ext>
+    </p:extLst>
+  </p:cSld>
+  <p:clrMapOvr>
+    <a:masterClrMapping/>
+  </p:clrMapOvr>
+  <p:timing>
+    <p:tnLst>
+      <p:par>
+        <p:cTn xmlns:p14="http://schemas.microsoft.com/office/powerpoint/2010/main" id="1" dur="indefinite" restart="never" nodeType="tmRoot"/>
+      </p:par>
+    </p:tnLst>
+  </p:timing>
+</p:sld>
+</file>
+
+<file path=ppt/slides/slide5.xml><?xml version="1.0" encoding="utf-8"?>
+<p:sld xmlns:a="http://schemas.openxmlformats.org/drawingml/2006/main" xmlns:r="http://schemas.openxmlformats.org/officeDocument/2006/relationships" xmlns:p="http://schemas.openxmlformats.org/presentationml/2006/main">
+  <p:cSld>
+    <p:spTree>
+      <p:nvGrpSpPr>
+        <p:cNvPr id="1" name=""/>
+        <p:cNvGrpSpPr/>
+        <p:nvPr/>
+      </p:nvGrpSpPr>
+      <p:grpSpPr>
+        <a:xfrm>
+          <a:off x="0" y="0"/>
+          <a:ext cx="0" cy="0"/>
+          <a:chOff x="0" y="0"/>
+          <a:chExt cx="0" cy="0"/>
+        </a:xfrm>
+      </p:grpSpPr>
+      <p:sp>
+        <p:nvSpPr>
+          <p:cNvPr id="2" name="Title 1"/>
+          <p:cNvSpPr>
+            <a:spLocks noGrp="1"/>
+          </p:cNvSpPr>
+          <p:nvPr>
+            <p:ph type="title"/>
+          </p:nvPr>
+        </p:nvSpPr>
+        <p:spPr/>
+        <p:txBody>
+          <a:bodyPr>
+            <a:normAutofit fontScale="90000"/>
+          </a:bodyPr>
+          <a:lstStyle/>
+          <a:p>
+            <a:r>
+              <a:rPr lang="pt-BR" dirty="0" smtClean="0"/>
+              <a:t>Outras informa</a:t>
+            </a:r>
+            <a:r>
+              <a:rPr lang="pt-BR" dirty="0" smtClean="0"/>
+              <a:t>ções relevantes</a:t>
+            </a:r>
+            <a:endParaRPr lang="pt-BR" dirty="0"/>
+          </a:p>
+        </p:txBody>
+      </p:sp>
+      <p:sp>
+        <p:nvSpPr>
+          <p:cNvPr id="3" name="Content Placeholder 2"/>
+          <p:cNvSpPr>
+            <a:spLocks noGrp="1"/>
+          </p:cNvSpPr>
+          <p:nvPr>
+            <p:ph idx="1"/>
+          </p:nvPr>
+        </p:nvSpPr>
+        <p:spPr/>
+        <p:txBody>
+          <a:bodyPr/>
+          <a:lstStyle/>
           <a:p>
             <a:pPr marL="342900" indent="-342900">
               <a:buFont typeface="Arial"/>
               <a:buChar char="•"/>
             </a:pPr>
             <a:r>
-              <a:rPr lang="pt-BR" dirty="0" err="1" smtClean="0"/>
-              <a:t>R</a:t>
-            </a:r>
-            <a:r>
-              <a:rPr lang="pt-BR" baseline="-25000" dirty="0" err="1" smtClean="0"/>
-              <a:t>ar</a:t>
-            </a:r>
-            <a:r>
-              <a:rPr lang="pt-BR" dirty="0" smtClean="0"/>
-              <a:t> = 0.5 * </a:t>
-            </a:r>
-            <a:r>
-              <a:rPr lang="pt-BR" dirty="0" err="1" smtClean="0"/>
-              <a:t>C</a:t>
-            </a:r>
-            <a:r>
-              <a:rPr lang="pt-BR" baseline="-25000" dirty="0" err="1" smtClean="0"/>
-              <a:t>x</a:t>
-            </a:r>
-            <a:r>
-              <a:rPr lang="pt-BR" dirty="0" smtClean="0"/>
-              <a:t> * d</a:t>
-            </a:r>
-            <a:r>
-              <a:rPr lang="pt-BR" baseline="-25000" dirty="0" smtClean="0"/>
-              <a:t>ar</a:t>
-            </a:r>
-            <a:r>
-              <a:rPr lang="pt-BR" dirty="0" smtClean="0"/>
-              <a:t> * A * V</a:t>
-            </a:r>
-            <a:r>
-              <a:rPr lang="pt-BR" baseline="30000" dirty="0" smtClean="0"/>
-              <a:t>2</a:t>
-            </a:r>
-            <a:r>
-              <a:rPr lang="pt-BR" dirty="0" smtClean="0"/>
-              <a:t> </a:t>
+              <a:rPr lang="pt-BR" dirty="0"/>
+              <a:t>Temperatura ambiente é de 25˚C.</a:t>
             </a:r>
           </a:p>
           <a:p>
@@ -4062,7 +4449,14 @@
               <a:buFont typeface="Arial"/>
               <a:buChar char="•"/>
             </a:pPr>
-            <a:endParaRPr lang="pt-BR" dirty="0"/>
+            <a:r>
+              <a:rPr lang="pt-BR" dirty="0"/>
+              <a:t>O Coeficiente de atrito com o ar da esfera foi considerado 0.47</a:t>
+            </a:r>
+            <a:r>
+              <a:rPr lang="pt-BR" dirty="0" smtClean="0"/>
+              <a:t>.</a:t>
+            </a:r>
           </a:p>
           <a:p>
             <a:pPr marL="342900" indent="-342900">
@@ -4070,70 +4464,429 @@
               <a:buChar char="•"/>
             </a:pPr>
             <a:r>
-              <a:rPr lang="pt-BR" dirty="0" err="1" smtClean="0"/>
-              <a:t>P</a:t>
-            </a:r>
-            <a:r>
-              <a:rPr lang="pt-BR" baseline="-25000" dirty="0" err="1" smtClean="0"/>
-              <a:t>x</a:t>
-            </a:r>
-            <a:r>
-              <a:rPr lang="pt-BR" dirty="0" smtClean="0"/>
-              <a:t> = </a:t>
-            </a:r>
-            <a:r>
-              <a:rPr lang="pt-BR" dirty="0" err="1" smtClean="0"/>
-              <a:t>P</a:t>
-            </a:r>
-            <a:r>
-              <a:rPr lang="pt-BR" dirty="0" smtClean="0"/>
-              <a:t> * </a:t>
-            </a:r>
-            <a:r>
-              <a:rPr lang="pt-BR" dirty="0" err="1" smtClean="0"/>
-              <a:t>Sen</a:t>
-            </a:r>
-            <a:r>
-              <a:rPr lang="pt-BR" dirty="0" smtClean="0"/>
-              <a:t> </a:t>
-            </a:r>
-            <a:r>
-              <a:rPr lang="pt-BR" dirty="0" err="1" smtClean="0"/>
-              <a:t>Θ</a:t>
-            </a:r>
-            <a:endParaRPr lang="pt-BR" dirty="0" smtClean="0"/>
+              <a:rPr lang="pt-BR" dirty="0" smtClean="0"/>
+              <a:t>A gravidade foi considerada como </a:t>
+            </a:r>
+            <a:r>
+              <a:rPr lang="pt-BR" dirty="0"/>
+              <a:t>10 m/s</a:t>
+            </a:r>
+            <a:r>
+              <a:rPr lang="pt-BR" baseline="30000" dirty="0"/>
+              <a:t>2</a:t>
+            </a:r>
           </a:p>
           <a:p>
             <a:pPr marL="342900" indent="-342900">
               <a:buFont typeface="Arial"/>
               <a:buChar char="•"/>
             </a:pPr>
+            <a:r>
+              <a:rPr lang="pt-BR" dirty="0" smtClean="0"/>
+              <a:t> </a:t>
+            </a:r>
             <a:endParaRPr lang="pt-BR" dirty="0"/>
           </a:p>
+          <a:p>
+            <a:endParaRPr lang="pt-BR" dirty="0"/>
+          </a:p>
+        </p:txBody>
+      </p:sp>
+    </p:spTree>
+    <p:extLst>
+      <p:ext uri="{BB962C8B-B14F-4D97-AF65-F5344CB8AC3E}">
+        <p14:creationId xmlns:p14="http://schemas.microsoft.com/office/powerpoint/2010/main" val="2733729709"/>
+      </p:ext>
+    </p:extLst>
+  </p:cSld>
+  <p:clrMapOvr>
+    <a:masterClrMapping/>
+  </p:clrMapOvr>
+  <p:timing>
+    <p:tnLst>
+      <p:par>
+        <p:cTn xmlns:p14="http://schemas.microsoft.com/office/powerpoint/2010/main" id="1" dur="indefinite" restart="never" nodeType="tmRoot"/>
+      </p:par>
+    </p:tnLst>
+  </p:timing>
+</p:sld>
+</file>
+
+<file path=ppt/slides/slide6.xml><?xml version="1.0" encoding="utf-8"?>
+<p:sld xmlns:a="http://schemas.openxmlformats.org/drawingml/2006/main" xmlns:r="http://schemas.openxmlformats.org/officeDocument/2006/relationships" xmlns:p="http://schemas.openxmlformats.org/presentationml/2006/main">
+  <p:cSld>
+    <p:spTree>
+      <p:nvGrpSpPr>
+        <p:cNvPr id="1" name=""/>
+        <p:cNvGrpSpPr/>
+        <p:nvPr/>
+      </p:nvGrpSpPr>
+      <p:grpSpPr>
+        <a:xfrm>
+          <a:off x="0" y="0"/>
+          <a:ext cx="0" cy="0"/>
+          <a:chOff x="0" y="0"/>
+          <a:chExt cx="0" cy="0"/>
+        </a:xfrm>
+      </p:grpSpPr>
+      <p:sp>
+        <p:nvSpPr>
+          <p:cNvPr id="2" name="Title 1"/>
+          <p:cNvSpPr>
+            <a:spLocks noGrp="1"/>
+          </p:cNvSpPr>
+          <p:nvPr>
+            <p:ph type="title"/>
+          </p:nvPr>
+        </p:nvSpPr>
+        <p:spPr>
+          <a:xfrm>
+            <a:off x="1684866" y="2112751"/>
+            <a:ext cx="5791200" cy="1371600"/>
+          </a:xfrm>
+        </p:spPr>
+        <p:txBody>
+          <a:bodyPr>
+            <a:normAutofit/>
+          </a:bodyPr>
+          <a:lstStyle/>
+          <a:p>
+            <a:pPr algn="ctr"/>
+            <a:r>
+              <a:rPr lang="pt-BR" sz="6600" dirty="0" smtClean="0"/>
+              <a:t>valida</a:t>
+            </a:r>
+            <a:r>
+              <a:rPr lang="pt-BR" sz="6600" dirty="0" smtClean="0"/>
+              <a:t>ção</a:t>
+            </a:r>
+            <a:endParaRPr lang="pt-BR" sz="6600" dirty="0"/>
+          </a:p>
+        </p:txBody>
+      </p:sp>
+    </p:spTree>
+    <p:extLst>
+      <p:ext uri="{BB962C8B-B14F-4D97-AF65-F5344CB8AC3E}">
+        <p14:creationId xmlns:p14="http://schemas.microsoft.com/office/powerpoint/2010/main" val="1519222816"/>
+      </p:ext>
+    </p:extLst>
+  </p:cSld>
+  <p:clrMapOvr>
+    <a:masterClrMapping/>
+  </p:clrMapOvr>
+  <p:timing>
+    <p:tnLst>
+      <p:par>
+        <p:cTn xmlns:p14="http://schemas.microsoft.com/office/powerpoint/2010/main" id="1" dur="indefinite" restart="never" nodeType="tmRoot"/>
+      </p:par>
+    </p:tnLst>
+  </p:timing>
+</p:sld>
+</file>
+
+<file path=ppt/slides/slide7.xml><?xml version="1.0" encoding="utf-8"?>
+<p:sld xmlns:a="http://schemas.openxmlformats.org/drawingml/2006/main" xmlns:r="http://schemas.openxmlformats.org/officeDocument/2006/relationships" xmlns:p="http://schemas.openxmlformats.org/presentationml/2006/main">
+  <p:cSld>
+    <p:spTree>
+      <p:nvGrpSpPr>
+        <p:cNvPr id="1" name=""/>
+        <p:cNvGrpSpPr/>
+        <p:nvPr/>
+      </p:nvGrpSpPr>
+      <p:grpSpPr>
+        <a:xfrm>
+          <a:off x="0" y="0"/>
+          <a:ext cx="0" cy="0"/>
+          <a:chOff x="0" y="0"/>
+          <a:chExt cx="0" cy="0"/>
+        </a:xfrm>
+      </p:grpSpPr>
+      <p:sp>
+        <p:nvSpPr>
+          <p:cNvPr id="2" name="Title 1"/>
+          <p:cNvSpPr>
+            <a:spLocks noGrp="1"/>
+          </p:cNvSpPr>
+          <p:nvPr>
+            <p:ph type="title"/>
+          </p:nvPr>
+        </p:nvSpPr>
+        <p:spPr/>
+        <p:txBody>
+          <a:bodyPr/>
+          <a:lstStyle/>
+          <a:p>
+            <a:r>
+              <a:rPr lang="pt-BR" dirty="0" smtClean="0"/>
+              <a:t>equações</a:t>
+            </a:r>
+            <a:endParaRPr lang="pt-BR" dirty="0"/>
+          </a:p>
+        </p:txBody>
+      </p:sp>
+      <p:sp>
+        <p:nvSpPr>
+          <p:cNvPr id="3" name="Content Placeholder 2"/>
+          <p:cNvSpPr>
+            <a:spLocks noGrp="1"/>
+          </p:cNvSpPr>
+          <p:nvPr>
+            <p:ph idx="1"/>
+          </p:nvPr>
+        </p:nvSpPr>
+        <p:spPr/>
+        <p:txBody>
+          <a:bodyPr>
+            <a:normAutofit/>
+          </a:bodyPr>
+          <a:lstStyle/>
           <a:p>
             <a:pPr marL="342900" indent="-342900">
               <a:buFont typeface="Arial"/>
               <a:buChar char="•"/>
             </a:pPr>
             <a:r>
+              <a:rPr lang="pt-BR" dirty="0"/>
+              <a:t>d</a:t>
+            </a:r>
+            <a:r>
+              <a:rPr lang="pt-BR" baseline="30000" dirty="0" smtClean="0"/>
+              <a:t>2 </a:t>
+            </a:r>
+            <a:r>
               <a:rPr lang="pt-BR" dirty="0" err="1" smtClean="0"/>
-              <a:t>P</a:t>
-            </a:r>
-            <a:r>
-              <a:rPr lang="pt-BR" dirty="0" smtClean="0"/>
-              <a:t> = m * </a:t>
+              <a:t>Θ</a:t>
+            </a:r>
+            <a:r>
+              <a:rPr lang="pt-BR" dirty="0" smtClean="0"/>
+              <a:t>/dt</a:t>
+            </a:r>
+            <a:r>
+              <a:rPr lang="pt-BR" baseline="30000" dirty="0" smtClean="0"/>
+              <a:t>2</a:t>
+            </a:r>
+            <a:r>
+              <a:rPr lang="pt-BR" dirty="0" smtClean="0"/>
+              <a:t> = ((m * </a:t>
             </a:r>
             <a:r>
               <a:rPr lang="pt-BR" dirty="0" err="1" smtClean="0"/>
               <a:t>g</a:t>
             </a:r>
-            <a:endParaRPr lang="pt-BR" dirty="0" smtClean="0"/>
+            <a:r>
+              <a:rPr lang="pt-BR" dirty="0" smtClean="0"/>
+              <a:t> * </a:t>
+            </a:r>
+            <a:r>
+              <a:rPr lang="pt-BR" dirty="0" err="1" smtClean="0"/>
+              <a:t>sen</a:t>
+            </a:r>
+            <a:r>
+              <a:rPr lang="pt-BR" dirty="0" smtClean="0"/>
+              <a:t> </a:t>
+            </a:r>
+            <a:r>
+              <a:rPr lang="pt-BR" dirty="0" err="1" smtClean="0"/>
+              <a:t>Θ</a:t>
+            </a:r>
+            <a:r>
+              <a:rPr lang="pt-BR" dirty="0" smtClean="0"/>
+              <a:t>) – (</a:t>
+            </a:r>
+            <a:r>
+              <a:rPr lang="pt-BR" dirty="0" err="1" smtClean="0"/>
+              <a:t>k</a:t>
+            </a:r>
+            <a:r>
+              <a:rPr lang="pt-BR" dirty="0" smtClean="0"/>
+              <a:t> * l</a:t>
+            </a:r>
+            <a:r>
+              <a:rPr lang="pt-BR" baseline="30000" dirty="0" smtClean="0"/>
+              <a:t>2</a:t>
+            </a:r>
+            <a:r>
+              <a:rPr lang="pt-BR" dirty="0" smtClean="0"/>
+              <a:t> * </a:t>
+            </a:r>
+            <a:r>
+              <a:rPr lang="pt-BR" dirty="0" err="1" smtClean="0"/>
+              <a:t>dΘ</a:t>
+            </a:r>
+            <a:r>
+              <a:rPr lang="pt-BR" dirty="0" smtClean="0"/>
+              <a:t>/</a:t>
+            </a:r>
+            <a:r>
+              <a:rPr lang="pt-BR" dirty="0" err="1" smtClean="0"/>
+              <a:t>dt</a:t>
+            </a:r>
+            <a:r>
+              <a:rPr lang="pt-BR" dirty="0" smtClean="0"/>
+              <a:t> * |</a:t>
+            </a:r>
+            <a:r>
+              <a:rPr lang="pt-BR" dirty="0" err="1" smtClean="0"/>
+              <a:t>dΘ</a:t>
+            </a:r>
+            <a:r>
+              <a:rPr lang="pt-BR" dirty="0" smtClean="0"/>
+              <a:t>/</a:t>
+            </a:r>
+            <a:r>
+              <a:rPr lang="pt-BR" dirty="0" err="1" smtClean="0"/>
+              <a:t>dt</a:t>
+            </a:r>
+            <a:r>
+              <a:rPr lang="pt-BR" dirty="0" smtClean="0"/>
+              <a:t>|)) / m * l</a:t>
+            </a:r>
+            <a:endParaRPr lang="pt-BR" dirty="0"/>
           </a:p>
           <a:p>
             <a:pPr marL="342900" indent="-342900">
               <a:buFont typeface="Arial"/>
               <a:buChar char="•"/>
             </a:pPr>
+            <a:r>
+              <a:rPr lang="pt-BR" dirty="0" err="1"/>
+              <a:t>k</a:t>
+            </a:r>
+            <a:r>
+              <a:rPr lang="pt-BR" dirty="0" smtClean="0"/>
+              <a:t> = </a:t>
+            </a:r>
+            <a:r>
+              <a:rPr lang="pt-BR" dirty="0" err="1" smtClean="0"/>
+              <a:t>R</a:t>
+            </a:r>
+            <a:r>
+              <a:rPr lang="pt-BR" baseline="-25000" dirty="0" err="1" smtClean="0"/>
+              <a:t>ar</a:t>
+            </a:r>
+            <a:r>
+              <a:rPr lang="pt-BR" dirty="0" smtClean="0"/>
+              <a:t> = 0.5 * </a:t>
+            </a:r>
+            <a:r>
+              <a:rPr lang="pt-BR" dirty="0" err="1" smtClean="0"/>
+              <a:t>C</a:t>
+            </a:r>
+            <a:r>
+              <a:rPr lang="pt-BR" baseline="-25000" dirty="0" err="1" smtClean="0"/>
+              <a:t>x</a:t>
+            </a:r>
+            <a:r>
+              <a:rPr lang="pt-BR" dirty="0" smtClean="0"/>
+              <a:t> * d</a:t>
+            </a:r>
+            <a:r>
+              <a:rPr lang="pt-BR" baseline="-25000" dirty="0" smtClean="0"/>
+              <a:t>ar</a:t>
+            </a:r>
+            <a:r>
+              <a:rPr lang="pt-BR" dirty="0" smtClean="0"/>
+              <a:t> * A * V</a:t>
+            </a:r>
+            <a:r>
+              <a:rPr lang="pt-BR" baseline="30000" dirty="0" smtClean="0"/>
+              <a:t>2</a:t>
+            </a:r>
+            <a:r>
+              <a:rPr lang="pt-BR" dirty="0" smtClean="0"/>
+              <a:t> </a:t>
+            </a:r>
+            <a:endParaRPr lang="pt-BR" dirty="0"/>
+          </a:p>
+          <a:p>
+            <a:pPr marL="342900" indent="-342900">
+              <a:buFont typeface="Arial"/>
+              <a:buChar char="•"/>
+            </a:pPr>
+            <a:r>
+              <a:rPr lang="pt-BR" dirty="0" err="1" smtClean="0"/>
+              <a:t>P</a:t>
+            </a:r>
+            <a:r>
+              <a:rPr lang="pt-BR" baseline="-25000" dirty="0" err="1" smtClean="0"/>
+              <a:t>x</a:t>
+            </a:r>
+            <a:r>
+              <a:rPr lang="pt-BR" dirty="0" smtClean="0"/>
+              <a:t> = </a:t>
+            </a:r>
+            <a:r>
+              <a:rPr lang="pt-BR" dirty="0" err="1" smtClean="0"/>
+              <a:t>P</a:t>
+            </a:r>
+            <a:r>
+              <a:rPr lang="pt-BR" dirty="0" smtClean="0"/>
+              <a:t> * </a:t>
+            </a:r>
+            <a:r>
+              <a:rPr lang="pt-BR" dirty="0" err="1" smtClean="0"/>
+              <a:t>Sen</a:t>
+            </a:r>
+            <a:r>
+              <a:rPr lang="pt-BR" dirty="0" smtClean="0"/>
+              <a:t> </a:t>
+            </a:r>
+            <a:r>
+              <a:rPr lang="pt-BR" dirty="0" err="1" smtClean="0"/>
+              <a:t>Θ</a:t>
+            </a:r>
+            <a:endParaRPr lang="pt-BR" dirty="0" smtClean="0"/>
+          </a:p>
+          <a:p>
+            <a:pPr marL="342900" indent="-342900">
+              <a:buFont typeface="Arial"/>
+              <a:buChar char="•"/>
+            </a:pPr>
+            <a:r>
+              <a:rPr lang="pt-BR" dirty="0" err="1" smtClean="0"/>
+              <a:t>F</a:t>
+            </a:r>
+            <a:r>
+              <a:rPr lang="pt-BR" dirty="0" smtClean="0"/>
+              <a:t> = m * a</a:t>
+            </a:r>
+          </a:p>
+          <a:p>
+            <a:pPr marL="342900" indent="-342900">
+              <a:buFont typeface="Arial"/>
+              <a:buChar char="•"/>
+            </a:pPr>
+            <a:r>
+              <a:rPr lang="pt-BR" dirty="0"/>
+              <a:t>V = </a:t>
+            </a:r>
+            <a:r>
+              <a:rPr lang="pt-BR" dirty="0" err="1" smtClean="0"/>
+              <a:t>Θ</a:t>
+            </a:r>
+            <a:r>
+              <a:rPr lang="pt-BR" dirty="0" smtClean="0"/>
+              <a:t> * l</a:t>
+            </a:r>
+            <a:endParaRPr lang="pt-BR" dirty="0"/>
+          </a:p>
+          <a:p>
+            <a:pPr marL="342900" indent="-342900">
+              <a:buFont typeface="Arial"/>
+              <a:buChar char="•"/>
+            </a:pPr>
+            <a:r>
+              <a:rPr lang="pt-BR" dirty="0" err="1" smtClean="0"/>
+              <a:t>P</a:t>
+            </a:r>
+            <a:r>
+              <a:rPr lang="pt-BR" dirty="0" smtClean="0"/>
+              <a:t> = m * </a:t>
+            </a:r>
+            <a:r>
+              <a:rPr lang="pt-BR" dirty="0" err="1" smtClean="0"/>
+              <a:t>g</a:t>
+            </a:r>
             <a:endParaRPr lang="pt-BR" dirty="0"/>
           </a:p>
           <a:p>
@@ -4167,6 +4920,184 @@
     <p:extLst>
       <p:ext uri="{BB962C8B-B14F-4D97-AF65-F5344CB8AC3E}">
         <p14:creationId xmlns:p14="http://schemas.microsoft.com/office/powerpoint/2010/main" val="448396127"/>
+      </p:ext>
+    </p:extLst>
+  </p:cSld>
+  <p:clrMapOvr>
+    <a:masterClrMapping/>
+  </p:clrMapOvr>
+  <p:timing>
+    <p:tnLst>
+      <p:par>
+        <p:cTn xmlns:p14="http://schemas.microsoft.com/office/powerpoint/2010/main" id="1" dur="indefinite" restart="never" nodeType="tmRoot"/>
+      </p:par>
+    </p:tnLst>
+  </p:timing>
+</p:sld>
+</file>
+
+<file path=ppt/slides/slide8.xml><?xml version="1.0" encoding="utf-8"?>
+<p:sld xmlns:a="http://schemas.openxmlformats.org/drawingml/2006/main" xmlns:r="http://schemas.openxmlformats.org/officeDocument/2006/relationships" xmlns:p="http://schemas.openxmlformats.org/presentationml/2006/main">
+  <p:cSld>
+    <p:spTree>
+      <p:nvGrpSpPr>
+        <p:cNvPr id="1" name=""/>
+        <p:cNvGrpSpPr/>
+        <p:nvPr/>
+      </p:nvGrpSpPr>
+      <p:grpSpPr>
+        <a:xfrm>
+          <a:off x="0" y="0"/>
+          <a:ext cx="0" cy="0"/>
+          <a:chOff x="0" y="0"/>
+          <a:chExt cx="0" cy="0"/>
+        </a:xfrm>
+      </p:grpSpPr>
+      <p:sp>
+        <p:nvSpPr>
+          <p:cNvPr id="2" name="Title 1"/>
+          <p:cNvSpPr>
+            <a:spLocks noGrp="1"/>
+          </p:cNvSpPr>
+          <p:nvPr>
+            <p:ph type="title"/>
+          </p:nvPr>
+        </p:nvSpPr>
+        <p:spPr/>
+        <p:txBody>
+          <a:bodyPr/>
+          <a:lstStyle/>
+          <a:p>
+            <a:r>
+              <a:rPr lang="pt-BR" dirty="0" smtClean="0"/>
+              <a:t>gr</a:t>
+            </a:r>
+            <a:r>
+              <a:rPr lang="pt-BR" dirty="0" smtClean="0"/>
+              <a:t>áficos</a:t>
+            </a:r>
+            <a:endParaRPr lang="pt-BR" dirty="0"/>
+          </a:p>
+        </p:txBody>
+      </p:sp>
+      <p:sp>
+        <p:nvSpPr>
+          <p:cNvPr id="3" name="Content Placeholder 2"/>
+          <p:cNvSpPr>
+            <a:spLocks noGrp="1"/>
+          </p:cNvSpPr>
+          <p:nvPr>
+            <p:ph idx="1"/>
+          </p:nvPr>
+        </p:nvSpPr>
+        <p:spPr/>
+        <p:txBody>
+          <a:bodyPr/>
+          <a:lstStyle/>
+          <a:p>
+            <a:r>
+              <a:rPr lang="pt-BR" dirty="0" smtClean="0"/>
+              <a:t>Todos os gr</a:t>
+            </a:r>
+            <a:r>
+              <a:rPr lang="pt-BR" dirty="0" smtClean="0"/>
+              <a:t>áficos</a:t>
+            </a:r>
+            <a:endParaRPr lang="pt-BR" dirty="0"/>
+          </a:p>
+        </p:txBody>
+      </p:sp>
+    </p:spTree>
+    <p:extLst>
+      <p:ext uri="{BB962C8B-B14F-4D97-AF65-F5344CB8AC3E}">
+        <p14:creationId xmlns:p14="http://schemas.microsoft.com/office/powerpoint/2010/main" val="1157036281"/>
+      </p:ext>
+    </p:extLst>
+  </p:cSld>
+  <p:clrMapOvr>
+    <a:masterClrMapping/>
+  </p:clrMapOvr>
+  <p:timing>
+    <p:tnLst>
+      <p:par>
+        <p:cTn xmlns:p14="http://schemas.microsoft.com/office/powerpoint/2010/main" id="1" dur="indefinite" restart="never" nodeType="tmRoot"/>
+      </p:par>
+    </p:tnLst>
+  </p:timing>
+</p:sld>
+</file>
+
+<file path=ppt/slides/slide9.xml><?xml version="1.0" encoding="utf-8"?>
+<p:sld xmlns:a="http://schemas.openxmlformats.org/drawingml/2006/main" xmlns:r="http://schemas.openxmlformats.org/officeDocument/2006/relationships" xmlns:p="http://schemas.openxmlformats.org/presentationml/2006/main">
+  <p:cSld>
+    <p:spTree>
+      <p:nvGrpSpPr>
+        <p:cNvPr id="1" name=""/>
+        <p:cNvGrpSpPr/>
+        <p:nvPr/>
+      </p:nvGrpSpPr>
+      <p:grpSpPr>
+        <a:xfrm>
+          <a:off x="0" y="0"/>
+          <a:ext cx="0" cy="0"/>
+          <a:chOff x="0" y="0"/>
+          <a:chExt cx="0" cy="0"/>
+        </a:xfrm>
+      </p:grpSpPr>
+      <p:sp>
+        <p:nvSpPr>
+          <p:cNvPr id="2" name="Title 1"/>
+          <p:cNvSpPr>
+            <a:spLocks noGrp="1"/>
+          </p:cNvSpPr>
+          <p:nvPr>
+            <p:ph type="title"/>
+          </p:nvPr>
+        </p:nvSpPr>
+        <p:spPr/>
+        <p:txBody>
+          <a:bodyPr/>
+          <a:lstStyle/>
+          <a:p>
+            <a:r>
+              <a:rPr lang="pt-BR" dirty="0" err="1" smtClean="0"/>
+              <a:t>Gr</a:t>
+            </a:r>
+            <a:r>
+              <a:rPr lang="pt-BR" dirty="0" err="1" smtClean="0"/>
+              <a:t>áf</a:t>
+            </a:r>
+            <a:r>
+              <a:rPr lang="pt-BR" dirty="0" smtClean="0"/>
+              <a:t> 1</a:t>
+            </a:r>
+            <a:endParaRPr lang="pt-BR" dirty="0"/>
+          </a:p>
+        </p:txBody>
+      </p:sp>
+      <p:sp>
+        <p:nvSpPr>
+          <p:cNvPr id="3" name="Content Placeholder 2"/>
+          <p:cNvSpPr>
+            <a:spLocks noGrp="1"/>
+          </p:cNvSpPr>
+          <p:nvPr>
+            <p:ph idx="1"/>
+          </p:nvPr>
+        </p:nvSpPr>
+        <p:spPr/>
+        <p:txBody>
+          <a:bodyPr/>
+          <a:lstStyle/>
+          <a:p>
+            <a:endParaRPr lang="pt-BR" dirty="0"/>
+          </a:p>
+        </p:txBody>
+      </p:sp>
+    </p:spTree>
+    <p:extLst>
+      <p:ext uri="{BB962C8B-B14F-4D97-AF65-F5344CB8AC3E}">
+        <p14:creationId xmlns:p14="http://schemas.microsoft.com/office/powerpoint/2010/main" val="4108111729"/>
       </p:ext>
     </p:extLst>
   </p:cSld>

--- a/Apresentação Final.pptx
+++ b/Apresentação Final.pptx
@@ -314,7 +314,7 @@
             <a:fld id="{451DEABC-D766-4322-8E78-B830FAE35C72}" type="datetime4">
               <a:rPr lang="en-US" smtClean="0"/>
               <a:pPr/>
-              <a:t>June 23, 2015</a:t>
+              <a:t>June 24, 2015</a:t>
             </a:fld>
             <a:endParaRPr lang="en-US" dirty="0"/>
           </a:p>
@@ -581,7 +581,7 @@
             <a:fld id="{F3131F9E-604E-4343-9F29-EF72E8231CAD}" type="datetime4">
               <a:rPr lang="en-US" smtClean="0"/>
               <a:pPr/>
-              <a:t>June 23, 2015</a:t>
+              <a:t>June 24, 2015</a:t>
             </a:fld>
             <a:endParaRPr lang="en-US"/>
           </a:p>
@@ -758,7 +758,7 @@
             <a:fld id="{34A8E1CE-37F8-4102-8DF9-852A0A51F293}" type="datetime4">
               <a:rPr lang="en-US" smtClean="0"/>
               <a:pPr/>
-              <a:t>June 23, 2015</a:t>
+              <a:t>June 24, 2015</a:t>
             </a:fld>
             <a:endParaRPr lang="en-US"/>
           </a:p>
@@ -925,7 +925,7 @@
             <a:fld id="{93333F43-3E86-47E4-BFBB-2476D384E1C6}" type="datetime4">
               <a:rPr lang="en-US" smtClean="0"/>
               <a:pPr/>
-              <a:t>June 23, 2015</a:t>
+              <a:t>June 24, 2015</a:t>
             </a:fld>
             <a:endParaRPr lang="en-US"/>
           </a:p>
@@ -1176,7 +1176,7 @@
             <a:fld id="{751663BA-01FC-4367-B6F3-ABB2645D55F1}" type="datetime4">
               <a:rPr lang="en-US" smtClean="0"/>
               <a:pPr/>
-              <a:t>June 23, 2015</a:t>
+              <a:t>June 24, 2015</a:t>
             </a:fld>
             <a:endParaRPr lang="en-US" dirty="0"/>
           </a:p>
@@ -1461,7 +1461,7 @@
             <a:fld id="{79B19C71-EC74-44AF-B27E-FC7DC3C3A61D}" type="datetime4">
               <a:rPr lang="en-US" smtClean="0"/>
               <a:pPr/>
-              <a:t>June 23, 2015</a:t>
+              <a:t>June 24, 2015</a:t>
             </a:fld>
             <a:endParaRPr lang="en-US"/>
           </a:p>
@@ -1902,7 +1902,7 @@
             <a:fld id="{6A5CDA29-3CBE-48EA-92AE-A996835462BA}" type="datetime4">
               <a:rPr lang="en-US" smtClean="0"/>
               <a:pPr/>
-              <a:t>June 23, 2015</a:t>
+              <a:t>June 24, 2015</a:t>
             </a:fld>
             <a:endParaRPr lang="en-US"/>
           </a:p>
@@ -2017,7 +2017,7 @@
             <a:fld id="{E29EC054-3869-4501-B163-1BBFDE8DCE04}" type="datetime4">
               <a:rPr lang="en-US" smtClean="0"/>
               <a:pPr/>
-              <a:t>June 23, 2015</a:t>
+              <a:t>June 24, 2015</a:t>
             </a:fld>
             <a:endParaRPr lang="en-US"/>
           </a:p>
@@ -2109,7 +2109,7 @@
             <a:fld id="{0A63D831-56C1-49CF-8EF7-8B9A98402BCD}" type="datetime4">
               <a:rPr lang="en-US" smtClean="0"/>
               <a:pPr/>
-              <a:t>June 23, 2015</a:t>
+              <a:t>June 24, 2015</a:t>
             </a:fld>
             <a:endParaRPr lang="en-US"/>
           </a:p>
@@ -2353,7 +2353,7 @@
             <a:fld id="{6EAD5615-7F4F-4584-84D5-CC95918C321F}" type="datetime4">
               <a:rPr lang="en-US" smtClean="0"/>
               <a:pPr/>
-              <a:t>June 23, 2015</a:t>
+              <a:t>June 24, 2015</a:t>
             </a:fld>
             <a:endParaRPr lang="en-US"/>
           </a:p>
@@ -2649,7 +2649,7 @@
             <a:fld id="{76EEA923-9BEE-48CE-9F28-5B525F399BAD}" type="datetime4">
               <a:rPr lang="en-US" smtClean="0"/>
               <a:pPr/>
-              <a:t>June 23, 2015</a:t>
+              <a:t>June 24, 2015</a:t>
             </a:fld>
             <a:endParaRPr lang="en-US"/>
           </a:p>
@@ -2945,7 +2945,7 @@
             <a:fld id="{17D0EFEE-2756-4A20-BF2A-63F0A94F99AC}" type="datetime4">
               <a:rPr lang="en-US" smtClean="0"/>
               <a:pPr/>
-              <a:t>June 23, 2015</a:t>
+              <a:t>June 24, 2015</a:t>
             </a:fld>
             <a:endParaRPr lang="en-US" dirty="0"/>
           </a:p>
@@ -3532,11 +3532,7 @@
           <a:p>
             <a:r>
               <a:rPr lang="pt-BR" dirty="0" err="1" smtClean="0"/>
-              <a:t>Gr</a:t>
-            </a:r>
-            <a:r>
-              <a:rPr lang="pt-BR" dirty="0" err="1" smtClean="0"/>
-              <a:t>áf</a:t>
+              <a:t>Gráf</a:t>
             </a:r>
             <a:r>
               <a:rPr lang="pt-BR" dirty="0" smtClean="0"/>
@@ -3612,11 +3608,7 @@
           <a:p>
             <a:r>
               <a:rPr lang="pt-BR" dirty="0" err="1" smtClean="0"/>
-              <a:t>Gr</a:t>
-            </a:r>
-            <a:r>
-              <a:rPr lang="pt-BR" dirty="0" err="1" smtClean="0"/>
-              <a:t>áf</a:t>
+              <a:t>Gráf</a:t>
             </a:r>
             <a:r>
               <a:rPr lang="pt-BR" dirty="0" smtClean="0"/>
@@ -3692,38 +3684,30 @@
           <a:p>
             <a:r>
               <a:rPr lang="pt-BR" dirty="0" smtClean="0"/>
-              <a:t>Explica</a:t>
-            </a:r>
+              <a:t>Explicações finais</a:t>
+            </a:r>
+            <a:endParaRPr lang="pt-BR" dirty="0"/>
+          </a:p>
+        </p:txBody>
+      </p:sp>
+      <p:sp>
+        <p:nvSpPr>
+          <p:cNvPr id="3" name="Content Placeholder 2"/>
+          <p:cNvSpPr>
+            <a:spLocks noGrp="1"/>
+          </p:cNvSpPr>
+          <p:nvPr>
+            <p:ph idx="1"/>
+          </p:nvPr>
+        </p:nvSpPr>
+        <p:spPr/>
+        <p:txBody>
+          <a:bodyPr/>
+          <a:lstStyle/>
+          <a:p>
             <a:r>
               <a:rPr lang="pt-BR" dirty="0" smtClean="0"/>
-              <a:t>ções finais</a:t>
-            </a:r>
-            <a:endParaRPr lang="pt-BR" dirty="0"/>
-          </a:p>
-        </p:txBody>
-      </p:sp>
-      <p:sp>
-        <p:nvSpPr>
-          <p:cNvPr id="3" name="Content Placeholder 2"/>
-          <p:cNvSpPr>
-            <a:spLocks noGrp="1"/>
-          </p:cNvSpPr>
-          <p:nvPr>
-            <p:ph idx="1"/>
-          </p:nvPr>
-        </p:nvSpPr>
-        <p:spPr/>
-        <p:txBody>
-          <a:bodyPr/>
-          <a:lstStyle/>
-          <a:p>
-            <a:r>
-              <a:rPr lang="pt-BR" dirty="0" smtClean="0"/>
-              <a:t>Come</a:t>
-            </a:r>
-            <a:r>
-              <a:rPr lang="pt-BR" dirty="0" smtClean="0"/>
-              <a:t>çamos nosso trabalho pensando em implementar o sistema do pêndulo de Newton real e sem nenhuma consideração. Porém, o fato da perda de energia através da colisão ser um processo extremamente complexo fez com que considerássemos apenas a resistência do ar.</a:t>
+              <a:t>Começamos nosso trabalho pensando em implementar o sistema do pêndulo de Newton real e sem nenhuma consideração. Porém, o fato da perda de energia através da colisão ser um processo extremamente complexo fez com que considerássemos apenas a resistência do ar.</a:t>
             </a:r>
           </a:p>
           <a:p>
@@ -3915,38 +3899,30 @@
           <a:p>
             <a:r>
               <a:rPr lang="pt-BR" dirty="0" smtClean="0"/>
-              <a:t>Por que o p</a:t>
-            </a:r>
+              <a:t>Por que o pêndulo?</a:t>
+            </a:r>
+            <a:endParaRPr lang="pt-BR" dirty="0"/>
+          </a:p>
+        </p:txBody>
+      </p:sp>
+      <p:sp>
+        <p:nvSpPr>
+          <p:cNvPr id="3" name="Content Placeholder 2"/>
+          <p:cNvSpPr>
+            <a:spLocks noGrp="1"/>
+          </p:cNvSpPr>
+          <p:nvPr>
+            <p:ph idx="1"/>
+          </p:nvPr>
+        </p:nvSpPr>
+        <p:spPr/>
+        <p:txBody>
+          <a:bodyPr/>
+          <a:lstStyle/>
+          <a:p>
             <a:r>
               <a:rPr lang="pt-BR" dirty="0" smtClean="0"/>
-              <a:t>êndulo?</a:t>
-            </a:r>
-            <a:endParaRPr lang="pt-BR" dirty="0"/>
-          </a:p>
-        </p:txBody>
-      </p:sp>
-      <p:sp>
-        <p:nvSpPr>
-          <p:cNvPr id="3" name="Content Placeholder 2"/>
-          <p:cNvSpPr>
-            <a:spLocks noGrp="1"/>
-          </p:cNvSpPr>
-          <p:nvPr>
-            <p:ph idx="1"/>
-          </p:nvPr>
-        </p:nvSpPr>
-        <p:spPr/>
-        <p:txBody>
-          <a:bodyPr/>
-          <a:lstStyle/>
-          <a:p>
-            <a:r>
-              <a:rPr lang="pt-BR" dirty="0" smtClean="0"/>
-              <a:t>Inventado em 1967 pelo ingl</a:t>
-            </a:r>
-            <a:r>
-              <a:rPr lang="pt-BR" dirty="0" smtClean="0"/>
-              <a:t>ês Simon </a:t>
+              <a:t>Inventado em 1967 pelo inglês Simon </a:t>
             </a:r>
             <a:r>
               <a:rPr lang="pt-BR" dirty="0" err="1" smtClean="0"/>
@@ -4330,11 +4306,7 @@
             </a:pPr>
             <a:r>
               <a:rPr lang="pt-BR" dirty="0" smtClean="0"/>
-              <a:t>Utilizamos apenas o movimento de um p</a:t>
-            </a:r>
-            <a:r>
-              <a:rPr lang="pt-BR" dirty="0" smtClean="0"/>
-              <a:t>êndulo, pois se não ocorre perda nos choques, o movimento é o mesmo.</a:t>
+              <a:t>Utilizamos apenas o movimento de um pêndulo, pois se não ocorre perda nos choques, o movimento é o mesmo.</a:t>
             </a:r>
             <a:endParaRPr lang="pt-BR" dirty="0"/>
           </a:p>
@@ -4410,11 +4382,7 @@
           <a:p>
             <a:r>
               <a:rPr lang="pt-BR" dirty="0" smtClean="0"/>
-              <a:t>Outras informa</a:t>
-            </a:r>
-            <a:r>
-              <a:rPr lang="pt-BR" dirty="0" smtClean="0"/>
-              <a:t>ções relevantes</a:t>
+              <a:t>Outras informações relevantes</a:t>
             </a:r>
             <a:endParaRPr lang="pt-BR" dirty="0"/>
           </a:p>
@@ -4485,9 +4453,115 @@
               <a:rPr lang="pt-BR" dirty="0" smtClean="0"/>
               <a:t> </a:t>
             </a:r>
+            <a:r>
+              <a:rPr lang="pt-BR" dirty="0" smtClean="0"/>
+              <a:t>O comprimento do fio </a:t>
+            </a:r>
+            <a:r>
+              <a:rPr lang="pt-BR" dirty="0" smtClean="0"/>
+              <a:t>é 0,1 m</a:t>
+            </a:r>
+          </a:p>
+          <a:p>
+            <a:pPr marL="342900" indent="-342900">
+              <a:buFont typeface="Arial"/>
+              <a:buChar char="•"/>
+            </a:pPr>
+            <a:r>
+              <a:rPr lang="pt-BR" dirty="0" smtClean="0"/>
+              <a:t>O raio da esfera é de 0,01 m</a:t>
+            </a:r>
             <a:endParaRPr lang="pt-BR" dirty="0"/>
           </a:p>
           <a:p>
+            <a:pPr marL="342900" indent="-342900">
+              <a:buFont typeface="Arial"/>
+              <a:buChar char="•"/>
+            </a:pPr>
+            <a:r>
+              <a:rPr lang="pt-BR" dirty="0" smtClean="0"/>
+              <a:t>A d</a:t>
+            </a:r>
+            <a:r>
+              <a:rPr lang="pt-BR" dirty="0" smtClean="0"/>
+              <a:t>ensidade do ar é 1,184 kg/m</a:t>
+            </a:r>
+            <a:r>
+              <a:rPr lang="pt-BR" baseline="30000" dirty="0" smtClean="0"/>
+              <a:t>3</a:t>
+            </a:r>
+            <a:endParaRPr lang="pt-BR" dirty="0"/>
+          </a:p>
+        </p:txBody>
+      </p:sp>
+      <p:sp>
+        <p:nvSpPr>
+          <p:cNvPr id="4" name="Right Brace 3"/>
+          <p:cNvSpPr/>
+          <p:nvPr/>
+        </p:nvSpPr>
+        <p:spPr>
+          <a:xfrm>
+            <a:off x="4679257" y="3489786"/>
+            <a:ext cx="171611" cy="652190"/>
+          </a:xfrm>
+          <a:prstGeom prst="rightBrace">
+            <a:avLst/>
+          </a:prstGeom>
+        </p:spPr>
+        <p:style>
+          <a:lnRef idx="2">
+            <a:schemeClr val="accent1"/>
+          </a:lnRef>
+          <a:fillRef idx="0">
+            <a:schemeClr val="accent1"/>
+          </a:fillRef>
+          <a:effectRef idx="1">
+            <a:schemeClr val="accent1"/>
+          </a:effectRef>
+          <a:fontRef idx="minor">
+            <a:schemeClr val="tx1"/>
+          </a:fontRef>
+        </p:style>
+        <p:txBody>
+          <a:bodyPr rtlCol="0" anchor="ctr"/>
+          <a:lstStyle/>
+          <a:p>
+            <a:pPr algn="ctr"/>
+            <a:endParaRPr lang="pt-BR"/>
+          </a:p>
+        </p:txBody>
+      </p:sp>
+      <p:sp>
+        <p:nvSpPr>
+          <p:cNvPr id="6" name="TextBox 5"/>
+          <p:cNvSpPr txBox="1"/>
+          <p:nvPr/>
+        </p:nvSpPr>
+        <p:spPr>
+          <a:xfrm>
+            <a:off x="4989920" y="3664605"/>
+            <a:ext cx="2311026" cy="369332"/>
+          </a:xfrm>
+          <a:prstGeom prst="rect">
+            <a:avLst/>
+          </a:prstGeom>
+          <a:noFill/>
+        </p:spPr>
+        <p:txBody>
+          <a:bodyPr wrap="square" rtlCol="0">
+            <a:spAutoFit/>
+          </a:bodyPr>
+          <a:lstStyle/>
+          <a:p>
+            <a:r>
+              <a:rPr lang="pt-BR" b="1" dirty="0" smtClean="0"/>
+              <a:t>L</a:t>
+            </a:r>
+            <a:r>
+              <a:rPr lang="pt-BR" dirty="0" smtClean="0"/>
+              <a:t> </a:t>
+            </a:r>
             <a:endParaRPr lang="pt-BR" dirty="0"/>
           </a:p>
         </p:txBody>
@@ -4541,8 +4615,8 @@
         </p:nvSpPr>
         <p:spPr>
           <a:xfrm>
-            <a:off x="1684866" y="2112751"/>
-            <a:ext cx="5791200" cy="1371600"/>
+            <a:off x="91527" y="2112751"/>
+            <a:ext cx="8820798" cy="1371600"/>
           </a:xfrm>
         </p:spPr>
         <p:txBody>
@@ -4553,14 +4627,14 @@
           <a:p>
             <a:pPr algn="ctr"/>
             <a:r>
-              <a:rPr lang="pt-BR" sz="6600" dirty="0" smtClean="0"/>
-              <a:t>valida</a:t>
-            </a:r>
-            <a:r>
-              <a:rPr lang="pt-BR" sz="6600" dirty="0" smtClean="0"/>
-              <a:t>ção</a:t>
-            </a:r>
-            <a:endParaRPr lang="pt-BR" sz="6600" dirty="0"/>
+              <a:rPr lang="pt-BR" sz="5400" dirty="0" smtClean="0"/>
+              <a:t>IMPLEMENTA</a:t>
+            </a:r>
+            <a:r>
+              <a:rPr lang="pt-BR" sz="5400" dirty="0" smtClean="0"/>
+              <a:t>ÇÃO</a:t>
+            </a:r>
+            <a:endParaRPr lang="pt-BR" sz="5400" dirty="0"/>
           </a:p>
         </p:txBody>
       </p:sp>
@@ -4634,10 +4708,15 @@
             <p:ph idx="1"/>
           </p:nvPr>
         </p:nvSpPr>
-        <p:spPr/>
+        <p:spPr>
+          <a:xfrm>
+            <a:off x="457200" y="2095858"/>
+            <a:ext cx="7620000" cy="4373563"/>
+          </a:xfrm>
+        </p:spPr>
         <p:txBody>
           <a:bodyPr>
-            <a:normAutofit/>
+            <a:normAutofit lnSpcReduction="10000"/>
           </a:bodyPr>
           <a:lstStyle/>
           <a:p>
@@ -4646,157 +4725,233 @@
               <a:buChar char="•"/>
             </a:pPr>
             <a:r>
-              <a:rPr lang="pt-BR" dirty="0"/>
+              <a:rPr lang="pt-BR" dirty="0">
+                <a:solidFill>
+                  <a:srgbClr val="FF0000"/>
+                </a:solidFill>
+              </a:rPr>
               <a:t>d</a:t>
             </a:r>
             <a:r>
-              <a:rPr lang="pt-BR" baseline="30000" dirty="0" smtClean="0"/>
+              <a:rPr lang="pt-BR" baseline="30000" dirty="0" smtClean="0">
+                <a:solidFill>
+                  <a:srgbClr val="FF0000"/>
+                </a:solidFill>
+              </a:rPr>
               <a:t>2 </a:t>
             </a:r>
             <a:r>
-              <a:rPr lang="pt-BR" dirty="0" err="1" smtClean="0"/>
+              <a:rPr lang="pt-BR" dirty="0" err="1" smtClean="0">
+                <a:solidFill>
+                  <a:srgbClr val="FF0000"/>
+                </a:solidFill>
+              </a:rPr>
               <a:t>Θ</a:t>
             </a:r>
             <a:r>
-              <a:rPr lang="pt-BR" dirty="0" smtClean="0"/>
+              <a:rPr lang="pt-BR" dirty="0" smtClean="0">
+                <a:solidFill>
+                  <a:srgbClr val="FF0000"/>
+                </a:solidFill>
+              </a:rPr>
               <a:t>/dt</a:t>
             </a:r>
             <a:r>
-              <a:rPr lang="pt-BR" baseline="30000" dirty="0" smtClean="0"/>
+              <a:rPr lang="pt-BR" baseline="30000" dirty="0" smtClean="0">
+                <a:solidFill>
+                  <a:srgbClr val="FF0000"/>
+                </a:solidFill>
+              </a:rPr>
               <a:t>2</a:t>
             </a:r>
             <a:r>
-              <a:rPr lang="pt-BR" dirty="0" smtClean="0"/>
+              <a:rPr lang="pt-BR" dirty="0" smtClean="0">
+                <a:solidFill>
+                  <a:srgbClr val="FF0000"/>
+                </a:solidFill>
+              </a:rPr>
               <a:t> = ((m * </a:t>
             </a:r>
             <a:r>
-              <a:rPr lang="pt-BR" dirty="0" err="1" smtClean="0"/>
+              <a:rPr lang="pt-BR" dirty="0" err="1" smtClean="0">
+                <a:solidFill>
+                  <a:srgbClr val="FF0000"/>
+                </a:solidFill>
+              </a:rPr>
               <a:t>g</a:t>
             </a:r>
             <a:r>
-              <a:rPr lang="pt-BR" dirty="0" smtClean="0"/>
+              <a:rPr lang="pt-BR" dirty="0" smtClean="0">
+                <a:solidFill>
+                  <a:srgbClr val="FF0000"/>
+                </a:solidFill>
+              </a:rPr>
               <a:t> * </a:t>
             </a:r>
             <a:r>
-              <a:rPr lang="pt-BR" dirty="0" err="1" smtClean="0"/>
+              <a:rPr lang="pt-BR" dirty="0" err="1" smtClean="0">
+                <a:solidFill>
+                  <a:srgbClr val="FF0000"/>
+                </a:solidFill>
+              </a:rPr>
               <a:t>sen</a:t>
             </a:r>
             <a:r>
-              <a:rPr lang="pt-BR" dirty="0" smtClean="0"/>
+              <a:rPr lang="pt-BR" dirty="0" smtClean="0">
+                <a:solidFill>
+                  <a:srgbClr val="FF0000"/>
+                </a:solidFill>
+              </a:rPr>
               <a:t> </a:t>
             </a:r>
             <a:r>
-              <a:rPr lang="pt-BR" dirty="0" err="1" smtClean="0"/>
+              <a:rPr lang="pt-BR" dirty="0" err="1" smtClean="0">
+                <a:solidFill>
+                  <a:srgbClr val="FF0000"/>
+                </a:solidFill>
+              </a:rPr>
               <a:t>Θ</a:t>
             </a:r>
             <a:r>
-              <a:rPr lang="pt-BR" dirty="0" smtClean="0"/>
+              <a:rPr lang="pt-BR" dirty="0" smtClean="0">
+                <a:solidFill>
+                  <a:srgbClr val="FF0000"/>
+                </a:solidFill>
+              </a:rPr>
               <a:t>) – (</a:t>
             </a:r>
             <a:r>
-              <a:rPr lang="pt-BR" dirty="0" err="1" smtClean="0"/>
+              <a:rPr lang="pt-BR" dirty="0" err="1" smtClean="0">
+                <a:solidFill>
+                  <a:srgbClr val="FF0000"/>
+                </a:solidFill>
+              </a:rPr>
               <a:t>k</a:t>
             </a:r>
             <a:r>
-              <a:rPr lang="pt-BR" dirty="0" smtClean="0"/>
-              <a:t> * l</a:t>
-            </a:r>
-            <a:r>
-              <a:rPr lang="pt-BR" baseline="30000" dirty="0" smtClean="0"/>
+              <a:rPr lang="pt-BR" dirty="0" smtClean="0">
+                <a:solidFill>
+                  <a:srgbClr val="FF0000"/>
+                </a:solidFill>
+              </a:rPr>
+              <a:t> * </a:t>
+            </a:r>
+            <a:r>
+              <a:rPr lang="pt-BR" dirty="0" smtClean="0">
+                <a:solidFill>
+                  <a:srgbClr val="FF0000"/>
+                </a:solidFill>
+              </a:rPr>
+              <a:t>L</a:t>
+            </a:r>
+            <a:r>
+              <a:rPr lang="pt-BR" baseline="30000" dirty="0" smtClean="0">
+                <a:solidFill>
+                  <a:srgbClr val="FF0000"/>
+                </a:solidFill>
+              </a:rPr>
               <a:t>2</a:t>
             </a:r>
             <a:r>
-              <a:rPr lang="pt-BR" dirty="0" smtClean="0"/>
-              <a:t> * </a:t>
-            </a:r>
-            <a:r>
-              <a:rPr lang="pt-BR" dirty="0" err="1" smtClean="0"/>
+              <a:rPr lang="pt-BR" dirty="0" smtClean="0">
+                <a:solidFill>
+                  <a:srgbClr val="FF0000"/>
+                </a:solidFill>
+              </a:rPr>
+              <a:t> </a:t>
+            </a:r>
+            <a:r>
+              <a:rPr lang="pt-BR" dirty="0" smtClean="0">
+                <a:solidFill>
+                  <a:srgbClr val="FF0000"/>
+                </a:solidFill>
+              </a:rPr>
+              <a:t>* </a:t>
+            </a:r>
+            <a:r>
+              <a:rPr lang="pt-BR" dirty="0" err="1" smtClean="0">
+                <a:solidFill>
+                  <a:srgbClr val="FF0000"/>
+                </a:solidFill>
+              </a:rPr>
               <a:t>dΘ</a:t>
             </a:r>
             <a:r>
-              <a:rPr lang="pt-BR" dirty="0" smtClean="0"/>
+              <a:rPr lang="pt-BR" dirty="0" smtClean="0">
+                <a:solidFill>
+                  <a:srgbClr val="FF0000"/>
+                </a:solidFill>
+              </a:rPr>
               <a:t>/</a:t>
             </a:r>
             <a:r>
-              <a:rPr lang="pt-BR" dirty="0" err="1" smtClean="0"/>
+              <a:rPr lang="pt-BR" dirty="0" err="1" smtClean="0">
+                <a:solidFill>
+                  <a:srgbClr val="FF0000"/>
+                </a:solidFill>
+              </a:rPr>
               <a:t>dt</a:t>
             </a:r>
             <a:r>
-              <a:rPr lang="pt-BR" dirty="0" smtClean="0"/>
+              <a:rPr lang="pt-BR" dirty="0" smtClean="0">
+                <a:solidFill>
+                  <a:srgbClr val="FF0000"/>
+                </a:solidFill>
+              </a:rPr>
               <a:t> * |</a:t>
             </a:r>
             <a:r>
-              <a:rPr lang="pt-BR" dirty="0" err="1" smtClean="0"/>
+              <a:rPr lang="pt-BR" dirty="0" err="1" smtClean="0">
+                <a:solidFill>
+                  <a:srgbClr val="FF0000"/>
+                </a:solidFill>
+              </a:rPr>
               <a:t>dΘ</a:t>
             </a:r>
             <a:r>
-              <a:rPr lang="pt-BR" dirty="0" smtClean="0"/>
+              <a:rPr lang="pt-BR" dirty="0" smtClean="0">
+                <a:solidFill>
+                  <a:srgbClr val="FF0000"/>
+                </a:solidFill>
+              </a:rPr>
               <a:t>/</a:t>
             </a:r>
             <a:r>
-              <a:rPr lang="pt-BR" dirty="0" err="1" smtClean="0"/>
+              <a:rPr lang="pt-BR" dirty="0" err="1" smtClean="0">
+                <a:solidFill>
+                  <a:srgbClr val="FF0000"/>
+                </a:solidFill>
+              </a:rPr>
               <a:t>dt</a:t>
             </a:r>
             <a:r>
-              <a:rPr lang="pt-BR" dirty="0" smtClean="0"/>
-              <a:t>|)) / m * l</a:t>
-            </a:r>
-            <a:endParaRPr lang="pt-BR" dirty="0"/>
+              <a:rPr lang="pt-BR" dirty="0" smtClean="0">
+                <a:solidFill>
+                  <a:srgbClr val="FF0000"/>
+                </a:solidFill>
+              </a:rPr>
+              <a:t>|)) / m * </a:t>
+            </a:r>
+            <a:r>
+              <a:rPr lang="pt-BR" dirty="0">
+                <a:solidFill>
+                  <a:srgbClr val="FF0000"/>
+                </a:solidFill>
+              </a:rPr>
+              <a:t>L</a:t>
+            </a:r>
+            <a:endParaRPr lang="pt-BR" dirty="0" smtClean="0">
+              <a:solidFill>
+                <a:srgbClr val="FF0000"/>
+              </a:solidFill>
+            </a:endParaRPr>
           </a:p>
           <a:p>
             <a:pPr marL="342900" indent="-342900">
               <a:buFont typeface="Arial"/>
               <a:buChar char="•"/>
             </a:pPr>
-            <a:r>
-              <a:rPr lang="pt-BR" dirty="0" err="1"/>
-              <a:t>k</a:t>
-            </a:r>
-            <a:r>
-              <a:rPr lang="pt-BR" dirty="0" smtClean="0"/>
-              <a:t> = </a:t>
-            </a:r>
-            <a:r>
-              <a:rPr lang="pt-BR" dirty="0" err="1" smtClean="0"/>
-              <a:t>R</a:t>
-            </a:r>
-            <a:r>
-              <a:rPr lang="pt-BR" baseline="-25000" dirty="0" err="1" smtClean="0"/>
-              <a:t>ar</a:t>
-            </a:r>
-            <a:r>
-              <a:rPr lang="pt-BR" dirty="0" smtClean="0"/>
-              <a:t> = 0.5 * </a:t>
-            </a:r>
-            <a:r>
-              <a:rPr lang="pt-BR" dirty="0" err="1" smtClean="0"/>
-              <a:t>C</a:t>
-            </a:r>
-            <a:r>
-              <a:rPr lang="pt-BR" baseline="-25000" dirty="0" err="1" smtClean="0"/>
-              <a:t>x</a:t>
-            </a:r>
-            <a:r>
-              <a:rPr lang="pt-BR" dirty="0" smtClean="0"/>
-              <a:t> * d</a:t>
-            </a:r>
-            <a:r>
-              <a:rPr lang="pt-BR" baseline="-25000" dirty="0" smtClean="0"/>
-              <a:t>ar</a:t>
-            </a:r>
-            <a:r>
-              <a:rPr lang="pt-BR" dirty="0" smtClean="0"/>
-              <a:t> * A * V</a:t>
-            </a:r>
-            <a:r>
-              <a:rPr lang="pt-BR" baseline="30000" dirty="0" smtClean="0"/>
-              <a:t>2</a:t>
-            </a:r>
-            <a:r>
-              <a:rPr lang="pt-BR" dirty="0" smtClean="0"/>
-              <a:t> </a:t>
-            </a:r>
-            <a:endParaRPr lang="pt-BR" dirty="0"/>
+            <a:endParaRPr lang="pt-BR" dirty="0" smtClean="0"/>
           </a:p>
           <a:p>
             <a:pPr marL="342900" indent="-342900">
@@ -4804,38 +4959,74 @@
               <a:buChar char="•"/>
             </a:pPr>
             <a:r>
-              <a:rPr lang="pt-BR" dirty="0" err="1" smtClean="0"/>
+              <a:rPr lang="pt-BR" dirty="0" err="1" smtClean="0">
+                <a:solidFill>
+                  <a:srgbClr val="0000FF"/>
+                </a:solidFill>
+              </a:rPr>
+              <a:t>R</a:t>
+            </a:r>
+            <a:r>
+              <a:rPr lang="pt-BR" dirty="0" smtClean="0">
+                <a:solidFill>
+                  <a:srgbClr val="0000FF"/>
+                </a:solidFill>
+              </a:rPr>
+              <a:t> = </a:t>
+            </a:r>
+            <a:r>
+              <a:rPr lang="pt-BR" dirty="0" err="1" smtClean="0">
+                <a:solidFill>
+                  <a:srgbClr val="0000FF"/>
+                </a:solidFill>
+              </a:rPr>
               <a:t>P</a:t>
             </a:r>
             <a:r>
-              <a:rPr lang="pt-BR" baseline="-25000" dirty="0" err="1" smtClean="0"/>
+              <a:rPr lang="pt-BR" baseline="-25000" dirty="0" err="1" smtClean="0">
+                <a:solidFill>
+                  <a:srgbClr val="0000FF"/>
+                </a:solidFill>
+              </a:rPr>
               <a:t>x</a:t>
             </a:r>
             <a:r>
-              <a:rPr lang="pt-BR" dirty="0" smtClean="0"/>
-              <a:t> = </a:t>
-            </a:r>
-            <a:r>
-              <a:rPr lang="pt-BR" dirty="0" err="1" smtClean="0"/>
-              <a:t>P</a:t>
-            </a:r>
-            <a:r>
-              <a:rPr lang="pt-BR" dirty="0" smtClean="0"/>
-              <a:t> * </a:t>
-            </a:r>
-            <a:r>
-              <a:rPr lang="pt-BR" dirty="0" err="1" smtClean="0"/>
-              <a:t>Sen</a:t>
-            </a:r>
-            <a:r>
-              <a:rPr lang="pt-BR" dirty="0" smtClean="0"/>
+              <a:rPr lang="pt-BR" dirty="0" smtClean="0">
+                <a:solidFill>
+                  <a:srgbClr val="0000FF"/>
+                </a:solidFill>
+              </a:rPr>
+              <a:t> – </a:t>
+            </a:r>
+            <a:r>
+              <a:rPr lang="pt-BR" dirty="0" err="1" smtClean="0">
+                <a:solidFill>
+                  <a:srgbClr val="0000FF"/>
+                </a:solidFill>
+              </a:rPr>
+              <a:t>R</a:t>
+            </a:r>
+            <a:r>
+              <a:rPr lang="pt-BR" baseline="-25000" dirty="0" err="1" smtClean="0">
+                <a:solidFill>
+                  <a:srgbClr val="0000FF"/>
+                </a:solidFill>
+              </a:rPr>
+              <a:t>ar</a:t>
+            </a:r>
+            <a:r>
+              <a:rPr lang="pt-BR" dirty="0" smtClean="0">
+                <a:solidFill>
+                  <a:srgbClr val="0000FF"/>
+                </a:solidFill>
+              </a:rPr>
               <a:t> </a:t>
             </a:r>
-            <a:r>
-              <a:rPr lang="pt-BR" dirty="0" err="1" smtClean="0"/>
-              <a:t>Θ</a:t>
-            </a:r>
-            <a:endParaRPr lang="pt-BR" dirty="0" smtClean="0"/>
+            <a:endParaRPr lang="pt-BR" dirty="0">
+              <a:solidFill>
+                <a:srgbClr val="0000FF"/>
+              </a:solidFill>
+            </a:endParaRPr>
           </a:p>
           <a:p>
             <a:pPr marL="342900" indent="-342900">
@@ -4843,12 +5034,28 @@
               <a:buChar char="•"/>
             </a:pPr>
             <a:r>
-              <a:rPr lang="pt-BR" dirty="0" err="1" smtClean="0"/>
+              <a:rPr lang="pt-BR" dirty="0" err="1">
+                <a:solidFill>
+                  <a:srgbClr val="0000FF"/>
+                </a:solidFill>
+              </a:rPr>
               <a:t>F</a:t>
             </a:r>
             <a:r>
-              <a:rPr lang="pt-BR" dirty="0" smtClean="0"/>
-              <a:t> = m * a</a:t>
+              <a:rPr lang="pt-BR" dirty="0">
+                <a:solidFill>
+                  <a:srgbClr val="0000FF"/>
+                </a:solidFill>
+              </a:rPr>
+              <a:t> = m * </a:t>
+            </a:r>
+            <a:r>
+              <a:rPr lang="pt-BR" dirty="0" smtClean="0">
+                <a:solidFill>
+                  <a:srgbClr val="0000FF"/>
+                </a:solidFill>
+              </a:rPr>
+              <a:t>a</a:t>
             </a:r>
           </a:p>
           <a:p>
@@ -4856,18 +5063,6 @@
               <a:buFont typeface="Arial"/>
               <a:buChar char="•"/>
             </a:pPr>
-            <a:r>
-              <a:rPr lang="pt-BR" dirty="0"/>
-              <a:t>V = </a:t>
-            </a:r>
-            <a:r>
-              <a:rPr lang="pt-BR" dirty="0" err="1" smtClean="0"/>
-              <a:t>Θ</a:t>
-            </a:r>
-            <a:r>
-              <a:rPr lang="pt-BR" dirty="0" smtClean="0"/>
-              <a:t> * l</a:t>
-            </a:r>
             <a:endParaRPr lang="pt-BR" dirty="0"/>
           </a:p>
           <a:p>
@@ -4876,18 +5071,101 @@
               <a:buChar char="•"/>
             </a:pPr>
             <a:r>
-              <a:rPr lang="pt-BR" dirty="0" err="1" smtClean="0"/>
-              <a:t>P</a:t>
-            </a:r>
-            <a:r>
-              <a:rPr lang="pt-BR" dirty="0" smtClean="0"/>
-              <a:t> = m * </a:t>
-            </a:r>
-            <a:r>
-              <a:rPr lang="pt-BR" dirty="0" err="1" smtClean="0"/>
-              <a:t>g</a:t>
-            </a:r>
-            <a:endParaRPr lang="pt-BR" dirty="0"/>
+              <a:rPr lang="pt-BR" dirty="0" err="1" smtClean="0">
+                <a:solidFill>
+                  <a:srgbClr val="008000"/>
+                </a:solidFill>
+              </a:rPr>
+              <a:t>R</a:t>
+            </a:r>
+            <a:r>
+              <a:rPr lang="pt-BR" baseline="-25000" dirty="0" err="1" smtClean="0">
+                <a:solidFill>
+                  <a:srgbClr val="008000"/>
+                </a:solidFill>
+              </a:rPr>
+              <a:t>ar</a:t>
+            </a:r>
+            <a:r>
+              <a:rPr lang="pt-BR" dirty="0" smtClean="0">
+                <a:solidFill>
+                  <a:srgbClr val="008000"/>
+                </a:solidFill>
+              </a:rPr>
+              <a:t> </a:t>
+            </a:r>
+            <a:r>
+              <a:rPr lang="pt-BR" dirty="0" smtClean="0">
+                <a:solidFill>
+                  <a:srgbClr val="008000"/>
+                </a:solidFill>
+              </a:rPr>
+              <a:t>= 0.5 * </a:t>
+            </a:r>
+            <a:r>
+              <a:rPr lang="pt-BR" dirty="0" err="1" smtClean="0">
+                <a:solidFill>
+                  <a:srgbClr val="008000"/>
+                </a:solidFill>
+              </a:rPr>
+              <a:t>C</a:t>
+            </a:r>
+            <a:r>
+              <a:rPr lang="pt-BR" baseline="-25000" dirty="0" err="1" smtClean="0">
+                <a:solidFill>
+                  <a:srgbClr val="008000"/>
+                </a:solidFill>
+              </a:rPr>
+              <a:t>x</a:t>
+            </a:r>
+            <a:r>
+              <a:rPr lang="pt-BR" dirty="0" smtClean="0">
+                <a:solidFill>
+                  <a:srgbClr val="008000"/>
+                </a:solidFill>
+              </a:rPr>
+              <a:t> * d</a:t>
+            </a:r>
+            <a:r>
+              <a:rPr lang="pt-BR" baseline="-25000" dirty="0" smtClean="0">
+                <a:solidFill>
+                  <a:srgbClr val="008000"/>
+                </a:solidFill>
+              </a:rPr>
+              <a:t>ar</a:t>
+            </a:r>
+            <a:r>
+              <a:rPr lang="pt-BR" dirty="0" smtClean="0">
+                <a:solidFill>
+                  <a:srgbClr val="008000"/>
+                </a:solidFill>
+              </a:rPr>
+              <a:t> * A </a:t>
+            </a:r>
+            <a:r>
+              <a:rPr lang="pt-BR" dirty="0" smtClean="0">
+                <a:solidFill>
+                  <a:srgbClr val="008000"/>
+                </a:solidFill>
+              </a:rPr>
+              <a:t>* V</a:t>
+            </a:r>
+            <a:r>
+              <a:rPr lang="pt-BR" baseline="30000" dirty="0" smtClean="0">
+                <a:solidFill>
+                  <a:srgbClr val="008000"/>
+                </a:solidFill>
+              </a:rPr>
+              <a:t>2</a:t>
+            </a:r>
+            <a:r>
+              <a:rPr lang="pt-BR" dirty="0" smtClean="0">
+                <a:solidFill>
+                  <a:srgbClr val="008000"/>
+                </a:solidFill>
+              </a:rPr>
+              <a:t> </a:t>
+            </a:r>
           </a:p>
           <a:p>
             <a:pPr marL="342900" indent="-342900">
@@ -4895,17 +5173,154 @@
               <a:buChar char="•"/>
             </a:pPr>
             <a:r>
+              <a:rPr lang="pt-BR" dirty="0" err="1">
+                <a:solidFill>
+                  <a:srgbClr val="008000"/>
+                </a:solidFill>
+              </a:rPr>
+              <a:t>P</a:t>
+            </a:r>
+            <a:r>
+              <a:rPr lang="pt-BR" baseline="-25000" dirty="0" err="1">
+                <a:solidFill>
+                  <a:srgbClr val="008000"/>
+                </a:solidFill>
+              </a:rPr>
+              <a:t>x</a:t>
+            </a:r>
+            <a:r>
+              <a:rPr lang="pt-BR" dirty="0">
+                <a:solidFill>
+                  <a:srgbClr val="008000"/>
+                </a:solidFill>
+              </a:rPr>
+              <a:t> = </a:t>
+            </a:r>
+            <a:r>
+              <a:rPr lang="pt-BR" dirty="0" err="1">
+                <a:solidFill>
+                  <a:srgbClr val="008000"/>
+                </a:solidFill>
+              </a:rPr>
+              <a:t>P</a:t>
+            </a:r>
+            <a:r>
+              <a:rPr lang="pt-BR" dirty="0">
+                <a:solidFill>
+                  <a:srgbClr val="008000"/>
+                </a:solidFill>
+              </a:rPr>
+              <a:t> * </a:t>
+            </a:r>
+            <a:r>
+              <a:rPr lang="pt-BR" dirty="0" err="1">
+                <a:solidFill>
+                  <a:srgbClr val="008000"/>
+                </a:solidFill>
+              </a:rPr>
+              <a:t>Sen</a:t>
+            </a:r>
+            <a:r>
+              <a:rPr lang="pt-BR" dirty="0">
+                <a:solidFill>
+                  <a:srgbClr val="008000"/>
+                </a:solidFill>
+              </a:rPr>
+              <a:t> </a:t>
+            </a:r>
+            <a:r>
+              <a:rPr lang="pt-BR" dirty="0" err="1" smtClean="0">
+                <a:solidFill>
+                  <a:srgbClr val="008000"/>
+                </a:solidFill>
+              </a:rPr>
+              <a:t>Θ</a:t>
+            </a:r>
+            <a:endParaRPr lang="pt-BR" dirty="0" smtClean="0">
+              <a:solidFill>
+                <a:srgbClr val="008000"/>
+              </a:solidFill>
+            </a:endParaRPr>
+          </a:p>
+          <a:p>
+            <a:pPr marL="342900" indent="-342900">
+              <a:buFont typeface="Arial"/>
+              <a:buChar char="•"/>
+            </a:pPr>
+            <a:endParaRPr lang="pt-BR" dirty="0"/>
+          </a:p>
+          <a:p>
+            <a:pPr marL="342900" indent="-342900">
+              <a:buFont typeface="Arial"/>
+              <a:buChar char="•"/>
+            </a:pPr>
+            <a:r>
+              <a:rPr lang="pt-BR" dirty="0" err="1" smtClean="0"/>
+              <a:t>k</a:t>
+            </a:r>
+            <a:r>
+              <a:rPr lang="pt-BR" dirty="0" smtClean="0"/>
+              <a:t> = </a:t>
+            </a:r>
+            <a:r>
+              <a:rPr lang="pt-BR" dirty="0"/>
+              <a:t>0.5 * </a:t>
+            </a:r>
+            <a:r>
               <a:rPr lang="pt-BR" dirty="0" err="1"/>
-              <a:t>g</a:t>
-            </a:r>
+              <a:t>C</a:t>
+            </a:r>
+            <a:r>
+              <a:rPr lang="pt-BR" baseline="-25000" dirty="0" err="1"/>
+              <a:t>x</a:t>
+            </a:r>
+            <a:r>
+              <a:rPr lang="pt-BR" dirty="0"/>
+              <a:t> * d</a:t>
+            </a:r>
+            <a:r>
+              <a:rPr lang="pt-BR" baseline="-25000" dirty="0"/>
+              <a:t>ar</a:t>
+            </a:r>
+            <a:r>
+              <a:rPr lang="pt-BR" dirty="0"/>
+              <a:t> * A </a:t>
+            </a:r>
+            <a:endParaRPr lang="pt-BR" dirty="0"/>
+          </a:p>
+          <a:p>
+            <a:pPr marL="342900" indent="-342900">
+              <a:buFont typeface="Arial"/>
+              <a:buChar char="•"/>
+            </a:pPr>
             <a:r>
               <a:rPr lang="pt-BR" dirty="0" smtClean="0"/>
-              <a:t> = 10 m/s</a:t>
-            </a:r>
-            <a:r>
-              <a:rPr lang="pt-BR" baseline="30000" dirty="0" smtClean="0"/>
-              <a:t>2</a:t>
-            </a:r>
+              <a:t>V </a:t>
+            </a:r>
+            <a:r>
+              <a:rPr lang="pt-BR" dirty="0"/>
+              <a:t>= </a:t>
+            </a:r>
+            <a:r>
+              <a:rPr lang="pt-BR" dirty="0" err="1" smtClean="0"/>
+              <a:t>ω</a:t>
+            </a:r>
+            <a:r>
+              <a:rPr lang="pt-BR" dirty="0" smtClean="0"/>
+              <a:t> </a:t>
+            </a:r>
+            <a:r>
+              <a:rPr lang="pt-BR" dirty="0" smtClean="0"/>
+              <a:t>* </a:t>
+            </a:r>
+            <a:r>
+              <a:rPr lang="pt-BR" dirty="0" smtClean="0"/>
+              <a:t>L</a:t>
+            </a:r>
+            <a:endParaRPr lang="pt-BR" dirty="0"/>
+          </a:p>
+          <a:p>
+            <a:endParaRPr lang="pt-BR" baseline="30000" dirty="0" smtClean="0"/>
           </a:p>
           <a:p>
             <a:pPr marL="342900" indent="-342900">
@@ -4970,38 +5385,30 @@
           <a:p>
             <a:r>
               <a:rPr lang="pt-BR" dirty="0" smtClean="0"/>
-              <a:t>gr</a:t>
-            </a:r>
+              <a:t>gráficos</a:t>
+            </a:r>
+            <a:endParaRPr lang="pt-BR" dirty="0"/>
+          </a:p>
+        </p:txBody>
+      </p:sp>
+      <p:sp>
+        <p:nvSpPr>
+          <p:cNvPr id="3" name="Content Placeholder 2"/>
+          <p:cNvSpPr>
+            <a:spLocks noGrp="1"/>
+          </p:cNvSpPr>
+          <p:nvPr>
+            <p:ph idx="1"/>
+          </p:nvPr>
+        </p:nvSpPr>
+        <p:spPr/>
+        <p:txBody>
+          <a:bodyPr/>
+          <a:lstStyle/>
+          <a:p>
             <a:r>
               <a:rPr lang="pt-BR" dirty="0" smtClean="0"/>
-              <a:t>áficos</a:t>
-            </a:r>
-            <a:endParaRPr lang="pt-BR" dirty="0"/>
-          </a:p>
-        </p:txBody>
-      </p:sp>
-      <p:sp>
-        <p:nvSpPr>
-          <p:cNvPr id="3" name="Content Placeholder 2"/>
-          <p:cNvSpPr>
-            <a:spLocks noGrp="1"/>
-          </p:cNvSpPr>
-          <p:nvPr>
-            <p:ph idx="1"/>
-          </p:nvPr>
-        </p:nvSpPr>
-        <p:spPr/>
-        <p:txBody>
-          <a:bodyPr/>
-          <a:lstStyle/>
-          <a:p>
-            <a:r>
-              <a:rPr lang="pt-BR" dirty="0" smtClean="0"/>
-              <a:t>Todos os gr</a:t>
-            </a:r>
-            <a:r>
-              <a:rPr lang="pt-BR" dirty="0" smtClean="0"/>
-              <a:t>áficos</a:t>
+              <a:t>Todos os gráficos</a:t>
             </a:r>
             <a:endParaRPr lang="pt-BR" dirty="0"/>
           </a:p>
@@ -5061,11 +5468,7 @@
           <a:p>
             <a:r>
               <a:rPr lang="pt-BR" dirty="0" err="1" smtClean="0"/>
-              <a:t>Gr</a:t>
-            </a:r>
-            <a:r>
-              <a:rPr lang="pt-BR" dirty="0" err="1" smtClean="0"/>
-              <a:t>áf</a:t>
+              <a:t>Gráf</a:t>
             </a:r>
             <a:r>
               <a:rPr lang="pt-BR" dirty="0" smtClean="0"/>

--- a/Apresentação Final.pptx
+++ b/Apresentação Final.pptx
@@ -3915,7 +3915,12 @@
             <p:ph idx="1"/>
           </p:nvPr>
         </p:nvSpPr>
-        <p:spPr/>
+        <p:spPr>
+          <a:xfrm>
+            <a:off x="457200" y="1752600"/>
+            <a:ext cx="7620000" cy="1623483"/>
+          </a:xfrm>
+        </p:spPr>
         <p:txBody>
           <a:bodyPr/>
           <a:lstStyle/>
@@ -3930,18 +3935,76 @@
             </a:r>
             <a:r>
               <a:rPr lang="pt-BR" dirty="0" smtClean="0"/>
-              <a:t>, o pêndulo de Newton tem como principal função demonstrar as diferentes leis do movimento, também conhecidas como leis de Newton.</a:t>
-            </a:r>
-          </a:p>
-          <a:p>
+              <a:t>, o pêndulo de Newton tem como principal função demonstrar as diferentes leis do movimento, também conhecidas como leis de Newton</a:t>
+            </a:r>
             <a:r>
               <a:rPr lang="pt-BR" dirty="0" smtClean="0"/>
-              <a:t>Tendo em vista a modelagem de um sistema mecânico, tivemos a ideia de utilizar as diferentes leis demonstradas por esse mecanismo como base de nosso modelo, algo que melhorará nosso entendimento dessas leis e nos permitirá estudar mais profundamente o que cada umas delas tem a contribuir para a nossa vida cotidiana.</a:t>
-            </a:r>
-            <a:endParaRPr lang="pt-BR" dirty="0"/>
-          </a:p>
-        </p:txBody>
-      </p:sp>
+              <a:t>.</a:t>
+            </a:r>
+            <a:endParaRPr lang="pt-BR" dirty="0" smtClean="0"/>
+          </a:p>
+        </p:txBody>
+      </p:sp>
+      <p:pic>
+        <p:nvPicPr>
+          <p:cNvPr id="4" name="Picture 3" descr="Newton - bp.jpg"/>
+          <p:cNvPicPr>
+            <a:picLocks noChangeAspect="1"/>
+          </p:cNvPicPr>
+          <p:nvPr/>
+        </p:nvPicPr>
+        <p:blipFill>
+          <a:blip r:embed="rId2" cstate="print">
+            <a:extLst>
+              <a:ext uri="{28A0092B-C50C-407E-A947-70E740481C1C}">
+                <a14:useLocalDpi xmlns:a14="http://schemas.microsoft.com/office/drawing/2010/main" val="0"/>
+              </a:ext>
+            </a:extLst>
+          </a:blip>
+          <a:stretch>
+            <a:fillRect/>
+          </a:stretch>
+        </p:blipFill>
+        <p:spPr>
+          <a:xfrm>
+            <a:off x="457200" y="3127814"/>
+            <a:ext cx="3003550" cy="3326833"/>
+          </a:xfrm>
+          <a:prstGeom prst="rect">
+            <a:avLst/>
+          </a:prstGeom>
+        </p:spPr>
+      </p:pic>
+      <p:pic>
+        <p:nvPicPr>
+          <p:cNvPr id="5" name="Picture 4" descr="Pêndulo 1.jpg"/>
+          <p:cNvPicPr>
+            <a:picLocks noChangeAspect="1"/>
+          </p:cNvPicPr>
+          <p:nvPr/>
+        </p:nvPicPr>
+        <p:blipFill>
+          <a:blip r:embed="rId3">
+            <a:extLst>
+              <a:ext uri="{28A0092B-C50C-407E-A947-70E740481C1C}">
+                <a14:useLocalDpi xmlns:a14="http://schemas.microsoft.com/office/drawing/2010/main" val="0"/>
+              </a:ext>
+            </a:extLst>
+          </a:blip>
+          <a:stretch>
+            <a:fillRect/>
+          </a:stretch>
+        </p:blipFill>
+        <p:spPr>
+          <a:xfrm>
+            <a:off x="4728015" y="3127814"/>
+            <a:ext cx="3349185" cy="3349185"/>
+          </a:xfrm>
+          <a:prstGeom prst="rect">
+            <a:avLst/>
+          </a:prstGeom>
+        </p:spPr>
+      </p:pic>
     </p:spTree>
     <p:extLst>
       <p:ext uri="{BB962C8B-B14F-4D97-AF65-F5344CB8AC3E}">
@@ -4451,15 +4514,7 @@
             </a:pPr>
             <a:r>
               <a:rPr lang="pt-BR" dirty="0" smtClean="0"/>
-              <a:t> </a:t>
-            </a:r>
-            <a:r>
-              <a:rPr lang="pt-BR" dirty="0" smtClean="0"/>
-              <a:t>O comprimento do fio </a:t>
-            </a:r>
-            <a:r>
-              <a:rPr lang="pt-BR" dirty="0" smtClean="0"/>
-              <a:t>é 0,1 m</a:t>
+              <a:t> O comprimento do fio é 0,1 m</a:t>
             </a:r>
           </a:p>
           <a:p>
@@ -4480,11 +4535,7 @@
             </a:pPr>
             <a:r>
               <a:rPr lang="pt-BR" dirty="0" smtClean="0"/>
-              <a:t>A d</a:t>
-            </a:r>
-            <a:r>
-              <a:rPr lang="pt-BR" dirty="0" smtClean="0"/>
-              <a:t>ensidade do ar é 1,184 kg/m</a:t>
+              <a:t>A densidade do ar é 1,184 kg/m</a:t>
             </a:r>
             <a:r>
               <a:rPr lang="pt-BR" baseline="30000" dirty="0" smtClean="0"/>
@@ -4628,11 +4679,7 @@
             <a:pPr algn="ctr"/>
             <a:r>
               <a:rPr lang="pt-BR" sz="5400" dirty="0" smtClean="0"/>
-              <a:t>IMPLEMENTA</a:t>
-            </a:r>
-            <a:r>
-              <a:rPr lang="pt-BR" sz="5400" dirty="0" smtClean="0"/>
-              <a:t>ÇÃO</a:t>
+              <a:t>IMPLEMENTAÇÃO</a:t>
             </a:r>
             <a:endParaRPr lang="pt-BR" sz="5400" dirty="0"/>
           </a:p>
@@ -4834,15 +4881,7 @@
                   <a:srgbClr val="FF0000"/>
                 </a:solidFill>
               </a:rPr>
-              <a:t> * </a:t>
-            </a:r>
-            <a:r>
-              <a:rPr lang="pt-BR" dirty="0" smtClean="0">
-                <a:solidFill>
-                  <a:srgbClr val="FF0000"/>
-                </a:solidFill>
-              </a:rPr>
-              <a:t>L</a:t>
+              <a:t> * L</a:t>
             </a:r>
             <a:r>
               <a:rPr lang="pt-BR" baseline="30000" dirty="0" smtClean="0">
@@ -4858,15 +4897,7 @@
                   <a:srgbClr val="FF0000"/>
                 </a:solidFill>
               </a:rPr>
-              <a:t> </a:t>
-            </a:r>
-            <a:r>
-              <a:rPr lang="pt-BR" dirty="0" smtClean="0">
-                <a:solidFill>
-                  <a:srgbClr val="FF0000"/>
-                </a:solidFill>
-              </a:rPr>
-              <a:t>* </a:t>
+              <a:t> * </a:t>
             </a:r>
             <a:r>
               <a:rPr lang="pt-BR" dirty="0" err="1" smtClean="0">
@@ -5092,15 +5123,7 @@
                   <a:srgbClr val="008000"/>
                 </a:solidFill>
               </a:rPr>
-              <a:t> </a:t>
-            </a:r>
-            <a:r>
-              <a:rPr lang="pt-BR" dirty="0" smtClean="0">
-                <a:solidFill>
-                  <a:srgbClr val="008000"/>
-                </a:solidFill>
-              </a:rPr>
-              <a:t>= 0.5 * </a:t>
+              <a:t> = 0.5 * </a:t>
             </a:r>
             <a:r>
               <a:rPr lang="pt-BR" dirty="0" err="1" smtClean="0">
@@ -5140,15 +5163,7 @@
                   <a:srgbClr val="008000"/>
                 </a:solidFill>
               </a:rPr>
-              <a:t> * A </a:t>
-            </a:r>
-            <a:r>
-              <a:rPr lang="pt-BR" dirty="0" smtClean="0">
-                <a:solidFill>
-                  <a:srgbClr val="008000"/>
-                </a:solidFill>
-              </a:rPr>
-              <a:t>* V</a:t>
+              <a:t> * A * V</a:t>
             </a:r>
             <a:r>
               <a:rPr lang="pt-BR" baseline="30000" dirty="0" smtClean="0">
@@ -5286,7 +5301,6 @@
               <a:rPr lang="pt-BR" dirty="0"/>
               <a:t> * A </a:t>
             </a:r>
-            <a:endParaRPr lang="pt-BR" dirty="0"/>
           </a:p>
           <a:p>
             <a:pPr marL="342900" indent="-342900">
@@ -5307,15 +5321,7 @@
             </a:r>
             <a:r>
               <a:rPr lang="pt-BR" dirty="0" smtClean="0"/>
-              <a:t> </a:t>
-            </a:r>
-            <a:r>
-              <a:rPr lang="pt-BR" dirty="0" smtClean="0"/>
-              <a:t>* </a:t>
-            </a:r>
-            <a:r>
-              <a:rPr lang="pt-BR" dirty="0" smtClean="0"/>
-              <a:t>L</a:t>
+              <a:t> * L</a:t>
             </a:r>
             <a:endParaRPr lang="pt-BR" dirty="0"/>
           </a:p>

--- a/Apresentação Final.pptx
+++ b/Apresentação Final.pptx
@@ -16,9 +16,10 @@
     <p:sldId id="264" r:id="rId10"/>
     <p:sldId id="265" r:id="rId11"/>
     <p:sldId id="266" r:id="rId12"/>
-    <p:sldId id="269" r:id="rId13"/>
-    <p:sldId id="267" r:id="rId14"/>
-    <p:sldId id="268" r:id="rId15"/>
+    <p:sldId id="270" r:id="rId13"/>
+    <p:sldId id="269" r:id="rId14"/>
+    <p:sldId id="267" r:id="rId15"/>
+    <p:sldId id="268" r:id="rId16"/>
   </p:sldIdLst>
   <p:sldSz cx="9144000" cy="6858000" type="screen4x3"/>
   <p:notesSz cx="6858000" cy="9144000"/>
@@ -3531,36 +3532,47 @@
           <a:lstStyle/>
           <a:p>
             <a:r>
-              <a:rPr lang="pt-BR" dirty="0" err="1" smtClean="0"/>
-              <a:t>Gráf</a:t>
-            </a:r>
-            <a:r>
               <a:rPr lang="pt-BR" dirty="0" smtClean="0"/>
-              <a:t> 2</a:t>
+              <a:t>Itera</a:t>
+            </a:r>
+            <a:r>
+              <a:rPr lang="pt-BR" dirty="0" smtClean="0"/>
+              <a:t>ção 1.2</a:t>
             </a:r>
             <a:endParaRPr lang="pt-BR" dirty="0"/>
           </a:p>
         </p:txBody>
       </p:sp>
-      <p:sp>
-        <p:nvSpPr>
-          <p:cNvPr id="3" name="Content Placeholder 2"/>
-          <p:cNvSpPr>
-            <a:spLocks noGrp="1"/>
-          </p:cNvSpPr>
-          <p:nvPr>
-            <p:ph idx="1"/>
-          </p:nvPr>
-        </p:nvSpPr>
-        <p:spPr/>
-        <p:txBody>
-          <a:bodyPr/>
-          <a:lstStyle/>
-          <a:p>
-            <a:endParaRPr lang="pt-BR"/>
-          </a:p>
-        </p:txBody>
-      </p:sp>
+      <p:pic>
+        <p:nvPicPr>
+          <p:cNvPr id="4" name="Picture 3" descr="I1_2.png"/>
+          <p:cNvPicPr>
+            <a:picLocks noChangeAspect="1"/>
+          </p:cNvPicPr>
+          <p:nvPr/>
+        </p:nvPicPr>
+        <p:blipFill>
+          <a:blip r:embed="rId2">
+            <a:extLst>
+              <a:ext uri="{28A0092B-C50C-407E-A947-70E740481C1C}">
+                <a14:useLocalDpi xmlns:a14="http://schemas.microsoft.com/office/drawing/2010/main" val="0"/>
+              </a:ext>
+            </a:extLst>
+          </a:blip>
+          <a:stretch>
+            <a:fillRect/>
+          </a:stretch>
+        </p:blipFill>
+        <p:spPr>
+          <a:xfrm>
+            <a:off x="1189567" y="1683068"/>
+            <a:ext cx="6767999" cy="5050619"/>
+          </a:xfrm>
+          <a:prstGeom prst="rect">
+            <a:avLst/>
+          </a:prstGeom>
+        </p:spPr>
+      </p:pic>
     </p:spTree>
     <p:extLst>
       <p:ext uri="{BB962C8B-B14F-4D97-AF65-F5344CB8AC3E}">
@@ -3607,36 +3619,47 @@
           <a:lstStyle/>
           <a:p>
             <a:r>
-              <a:rPr lang="pt-BR" dirty="0" err="1" smtClean="0"/>
-              <a:t>Gráf</a:t>
-            </a:r>
-            <a:r>
               <a:rPr lang="pt-BR" dirty="0" smtClean="0"/>
-              <a:t> 3</a:t>
+              <a:t>Itera</a:t>
+            </a:r>
+            <a:r>
+              <a:rPr lang="pt-BR" dirty="0" smtClean="0"/>
+              <a:t>ção 2</a:t>
             </a:r>
             <a:endParaRPr lang="pt-BR" dirty="0"/>
           </a:p>
         </p:txBody>
       </p:sp>
-      <p:sp>
-        <p:nvSpPr>
-          <p:cNvPr id="3" name="Content Placeholder 2"/>
-          <p:cNvSpPr>
-            <a:spLocks noGrp="1"/>
-          </p:cNvSpPr>
-          <p:nvPr>
-            <p:ph idx="1"/>
-          </p:nvPr>
-        </p:nvSpPr>
-        <p:spPr/>
-        <p:txBody>
-          <a:bodyPr/>
-          <a:lstStyle/>
-          <a:p>
-            <a:endParaRPr lang="pt-BR"/>
-          </a:p>
-        </p:txBody>
-      </p:sp>
+      <p:pic>
+        <p:nvPicPr>
+          <p:cNvPr id="4" name="Picture 3" descr="I2_1.png"/>
+          <p:cNvPicPr>
+            <a:picLocks noChangeAspect="1"/>
+          </p:cNvPicPr>
+          <p:nvPr/>
+        </p:nvPicPr>
+        <p:blipFill>
+          <a:blip r:embed="rId2">
+            <a:extLst>
+              <a:ext uri="{28A0092B-C50C-407E-A947-70E740481C1C}">
+                <a14:useLocalDpi xmlns:a14="http://schemas.microsoft.com/office/drawing/2010/main" val="0"/>
+              </a:ext>
+            </a:extLst>
+          </a:blip>
+          <a:stretch>
+            <a:fillRect/>
+          </a:stretch>
+        </p:blipFill>
+        <p:spPr>
+          <a:xfrm>
+            <a:off x="914401" y="1638047"/>
+            <a:ext cx="6767999" cy="5050619"/>
+          </a:xfrm>
+          <a:prstGeom prst="rect">
+            <a:avLst/>
+          </a:prstGeom>
+        </p:spPr>
+      </p:pic>
     </p:spTree>
     <p:extLst>
       <p:ext uri="{BB962C8B-B14F-4D97-AF65-F5344CB8AC3E}">
@@ -3684,36 +3707,11 @@
           <a:p>
             <a:r>
               <a:rPr lang="pt-BR" dirty="0" smtClean="0"/>
-              <a:t>Explicações finais</a:t>
-            </a:r>
-            <a:endParaRPr lang="pt-BR" dirty="0"/>
-          </a:p>
-        </p:txBody>
-      </p:sp>
-      <p:sp>
-        <p:nvSpPr>
-          <p:cNvPr id="3" name="Content Placeholder 2"/>
-          <p:cNvSpPr>
-            <a:spLocks noGrp="1"/>
-          </p:cNvSpPr>
-          <p:nvPr>
-            <p:ph idx="1"/>
-          </p:nvPr>
-        </p:nvSpPr>
-        <p:spPr/>
-        <p:txBody>
-          <a:bodyPr/>
-          <a:lstStyle/>
-          <a:p>
+              <a:t>Itera</a:t>
+            </a:r>
             <a:r>
               <a:rPr lang="pt-BR" dirty="0" smtClean="0"/>
-              <a:t>Começamos nosso trabalho pensando em implementar o sistema do pêndulo de Newton real e sem nenhuma consideração. Porém, o fato da perda de energia através da colisão ser um processo extremamente complexo fez com que considerássemos apenas a resistência do ar.</a:t>
-            </a:r>
-          </a:p>
-          <a:p>
-            <a:r>
-              <a:rPr lang="pt-BR" dirty="0" smtClean="0"/>
-              <a:t>Como resultado, obtivemos um tempo de parada um pouco maior do que o esperado, algo que apesar de não ser útil para a representação desse processo em situações reais é útil para entender a lógica de todos os outros processos envolvidos nessa maravilhosa engenhoca.</a:t>
+              <a:t>ção 3</a:t>
             </a:r>
             <a:endParaRPr lang="pt-BR" dirty="0"/>
           </a:p>
@@ -3722,7 +3720,7 @@
     </p:spTree>
     <p:extLst>
       <p:ext uri="{BB962C8B-B14F-4D97-AF65-F5344CB8AC3E}">
-        <p14:creationId xmlns:p14="http://schemas.microsoft.com/office/powerpoint/2010/main" val="1463302325"/>
+        <p14:creationId xmlns:p14="http://schemas.microsoft.com/office/powerpoint/2010/main" val="1560983905"/>
       </p:ext>
     </p:extLst>
   </p:cSld>
@@ -3766,6 +3764,88 @@
           <a:p>
             <a:r>
               <a:rPr lang="pt-BR" dirty="0" smtClean="0"/>
+              <a:t>Explicações finais</a:t>
+            </a:r>
+            <a:endParaRPr lang="pt-BR" dirty="0"/>
+          </a:p>
+        </p:txBody>
+      </p:sp>
+      <p:sp>
+        <p:nvSpPr>
+          <p:cNvPr id="3" name="Content Placeholder 2"/>
+          <p:cNvSpPr>
+            <a:spLocks noGrp="1"/>
+          </p:cNvSpPr>
+          <p:nvPr>
+            <p:ph idx="1"/>
+          </p:nvPr>
+        </p:nvSpPr>
+        <p:spPr/>
+        <p:txBody>
+          <a:bodyPr/>
+          <a:lstStyle/>
+          <a:p>
+            <a:r>
+              <a:rPr lang="pt-BR" dirty="0" smtClean="0"/>
+              <a:t>Começamos nosso trabalho pensando em implementar o sistema do pêndulo de Newton real e sem nenhuma consideração. Porém, o fato da perda de energia através da colisão ser um processo extremamente complexo fez com que considerássemos apenas a resistência do ar.</a:t>
+            </a:r>
+          </a:p>
+          <a:p>
+            <a:r>
+              <a:rPr lang="pt-BR" dirty="0" smtClean="0"/>
+              <a:t>Como resultado, obtivemos um tempo de parada um pouco maior do que o esperado, algo que apesar de não ser útil para a representação desse processo em situações reais é útil para entender a lógica de todos os outros processos envolvidos nessa maravilhosa engenhoca.</a:t>
+            </a:r>
+            <a:endParaRPr lang="pt-BR" dirty="0"/>
+          </a:p>
+        </p:txBody>
+      </p:sp>
+    </p:spTree>
+    <p:extLst>
+      <p:ext uri="{BB962C8B-B14F-4D97-AF65-F5344CB8AC3E}">
+        <p14:creationId xmlns:p14="http://schemas.microsoft.com/office/powerpoint/2010/main" val="1463302325"/>
+      </p:ext>
+    </p:extLst>
+  </p:cSld>
+  <p:clrMapOvr>
+    <a:masterClrMapping/>
+  </p:clrMapOvr>
+</p:sld>
+</file>
+
+<file path=ppt/slides/slide14.xml><?xml version="1.0" encoding="utf-8"?>
+<p:sld xmlns:a="http://schemas.openxmlformats.org/drawingml/2006/main" xmlns:r="http://schemas.openxmlformats.org/officeDocument/2006/relationships" xmlns:p="http://schemas.openxmlformats.org/presentationml/2006/main">
+  <p:cSld>
+    <p:spTree>
+      <p:nvGrpSpPr>
+        <p:cNvPr id="1" name=""/>
+        <p:cNvGrpSpPr/>
+        <p:nvPr/>
+      </p:nvGrpSpPr>
+      <p:grpSpPr>
+        <a:xfrm>
+          <a:off x="0" y="0"/>
+          <a:ext cx="0" cy="0"/>
+          <a:chOff x="0" y="0"/>
+          <a:chExt cx="0" cy="0"/>
+        </a:xfrm>
+      </p:grpSpPr>
+      <p:sp>
+        <p:nvSpPr>
+          <p:cNvPr id="2" name="Title 1"/>
+          <p:cNvSpPr>
+            <a:spLocks noGrp="1"/>
+          </p:cNvSpPr>
+          <p:nvPr>
+            <p:ph type="title"/>
+          </p:nvPr>
+        </p:nvSpPr>
+        <p:spPr/>
+        <p:txBody>
+          <a:bodyPr/>
+          <a:lstStyle/>
+          <a:p>
+            <a:r>
+              <a:rPr lang="pt-BR" dirty="0" smtClean="0"/>
               <a:t>Para um futuro</a:t>
             </a:r>
             <a:endParaRPr lang="pt-BR" dirty="0"/>
@@ -3804,7 +3884,7 @@
 </p:sld>
 </file>
 
-<file path=ppt/slides/slide14.xml><?xml version="1.0" encoding="utf-8"?>
+<file path=ppt/slides/slide15.xml><?xml version="1.0" encoding="utf-8"?>
 <p:sld xmlns:a="http://schemas.openxmlformats.org/drawingml/2006/main" xmlns:r="http://schemas.openxmlformats.org/officeDocument/2006/relationships" xmlns:p="http://schemas.openxmlformats.org/presentationml/2006/main">
   <p:cSld>
     <p:spTree>
@@ -5397,29 +5477,96 @@
           </a:p>
         </p:txBody>
       </p:sp>
-      <p:sp>
-        <p:nvSpPr>
-          <p:cNvPr id="3" name="Content Placeholder 2"/>
-          <p:cNvSpPr>
-            <a:spLocks noGrp="1"/>
-          </p:cNvSpPr>
-          <p:nvPr>
-            <p:ph idx="1"/>
-          </p:nvPr>
-        </p:nvSpPr>
-        <p:spPr/>
-        <p:txBody>
-          <a:bodyPr/>
-          <a:lstStyle/>
-          <a:p>
-            <a:r>
-              <a:rPr lang="pt-BR" dirty="0" smtClean="0"/>
-              <a:t>Todos os gráficos</a:t>
-            </a:r>
-            <a:endParaRPr lang="pt-BR" dirty="0"/>
-          </a:p>
-        </p:txBody>
-      </p:sp>
+      <p:pic>
+        <p:nvPicPr>
+          <p:cNvPr id="8" name="Picture 7" descr="I2_1.png"/>
+          <p:cNvPicPr>
+            <a:picLocks noChangeAspect="1"/>
+          </p:cNvPicPr>
+          <p:nvPr/>
+        </p:nvPicPr>
+        <p:blipFill>
+          <a:blip r:embed="rId2">
+            <a:extLst>
+              <a:ext uri="{28A0092B-C50C-407E-A947-70E740481C1C}">
+                <a14:useLocalDpi xmlns:a14="http://schemas.microsoft.com/office/drawing/2010/main" val="0"/>
+              </a:ext>
+            </a:extLst>
+          </a:blip>
+          <a:stretch>
+            <a:fillRect/>
+          </a:stretch>
+        </p:blipFill>
+        <p:spPr>
+          <a:xfrm>
+            <a:off x="4699695" y="1667891"/>
+            <a:ext cx="3097410" cy="2311442"/>
+          </a:xfrm>
+          <a:prstGeom prst="rect">
+            <a:avLst/>
+          </a:prstGeom>
+        </p:spPr>
+      </p:pic>
+      <p:pic>
+        <p:nvPicPr>
+          <p:cNvPr id="9" name="Picture 8" descr="I1_1.png"/>
+          <p:cNvPicPr>
+            <a:picLocks noChangeAspect="1"/>
+          </p:cNvPicPr>
+          <p:nvPr/>
+        </p:nvPicPr>
+        <p:blipFill>
+          <a:blip r:embed="rId3">
+            <a:extLst>
+              <a:ext uri="{28A0092B-C50C-407E-A947-70E740481C1C}">
+                <a14:useLocalDpi xmlns:a14="http://schemas.microsoft.com/office/drawing/2010/main" val="0"/>
+              </a:ext>
+            </a:extLst>
+          </a:blip>
+          <a:stretch>
+            <a:fillRect/>
+          </a:stretch>
+        </p:blipFill>
+        <p:spPr>
+          <a:xfrm>
+            <a:off x="457200" y="1522594"/>
+            <a:ext cx="3292112" cy="2456739"/>
+          </a:xfrm>
+          <a:prstGeom prst="rect">
+            <a:avLst/>
+          </a:prstGeom>
+        </p:spPr>
+      </p:pic>
+      <p:pic>
+        <p:nvPicPr>
+          <p:cNvPr id="10" name="Picture 9" descr="I1_2.png"/>
+          <p:cNvPicPr>
+            <a:picLocks noChangeAspect="1"/>
+          </p:cNvPicPr>
+          <p:nvPr/>
+        </p:nvPicPr>
+        <p:blipFill>
+          <a:blip r:embed="rId4">
+            <a:extLst>
+              <a:ext uri="{28A0092B-C50C-407E-A947-70E740481C1C}">
+                <a14:useLocalDpi xmlns:a14="http://schemas.microsoft.com/office/drawing/2010/main" val="0"/>
+              </a:ext>
+            </a:extLst>
+          </a:blip>
+          <a:stretch>
+            <a:fillRect/>
+          </a:stretch>
+        </p:blipFill>
+        <p:spPr>
+          <a:xfrm>
+            <a:off x="457201" y="3979334"/>
+            <a:ext cx="3292112" cy="2456738"/>
+          </a:xfrm>
+          <a:prstGeom prst="rect">
+            <a:avLst/>
+          </a:prstGeom>
+        </p:spPr>
+      </p:pic>
     </p:spTree>
     <p:extLst>
       <p:ext uri="{BB962C8B-B14F-4D97-AF65-F5344CB8AC3E}">
@@ -5473,36 +5620,47 @@
           <a:lstStyle/>
           <a:p>
             <a:r>
-              <a:rPr lang="pt-BR" dirty="0" err="1" smtClean="0"/>
-              <a:t>Gráf</a:t>
-            </a:r>
-            <a:r>
               <a:rPr lang="pt-BR" dirty="0" smtClean="0"/>
-              <a:t> 1</a:t>
+              <a:t>Itera</a:t>
+            </a:r>
+            <a:r>
+              <a:rPr lang="pt-BR" dirty="0" smtClean="0"/>
+              <a:t>ção 1.1</a:t>
             </a:r>
             <a:endParaRPr lang="pt-BR" dirty="0"/>
           </a:p>
         </p:txBody>
       </p:sp>
-      <p:sp>
-        <p:nvSpPr>
-          <p:cNvPr id="3" name="Content Placeholder 2"/>
-          <p:cNvSpPr>
-            <a:spLocks noGrp="1"/>
-          </p:cNvSpPr>
-          <p:nvPr>
-            <p:ph idx="1"/>
-          </p:nvPr>
-        </p:nvSpPr>
-        <p:spPr/>
-        <p:txBody>
-          <a:bodyPr/>
-          <a:lstStyle/>
-          <a:p>
-            <a:endParaRPr lang="pt-BR" dirty="0"/>
-          </a:p>
-        </p:txBody>
-      </p:sp>
+      <p:pic>
+        <p:nvPicPr>
+          <p:cNvPr id="4" name="Picture 3" descr="I1_1.png"/>
+          <p:cNvPicPr>
+            <a:picLocks noChangeAspect="1"/>
+          </p:cNvPicPr>
+          <p:nvPr/>
+        </p:nvPicPr>
+        <p:blipFill>
+          <a:blip r:embed="rId2">
+            <a:extLst>
+              <a:ext uri="{28A0092B-C50C-407E-A947-70E740481C1C}">
+                <a14:useLocalDpi xmlns:a14="http://schemas.microsoft.com/office/drawing/2010/main" val="0"/>
+              </a:ext>
+            </a:extLst>
+          </a:blip>
+          <a:stretch>
+            <a:fillRect/>
+          </a:stretch>
+        </p:blipFill>
+        <p:spPr>
+          <a:xfrm>
+            <a:off x="1206500" y="1619250"/>
+            <a:ext cx="6737350" cy="5027747"/>
+          </a:xfrm>
+          <a:prstGeom prst="rect">
+            <a:avLst/>
+          </a:prstGeom>
+        </p:spPr>
+      </p:pic>
     </p:spTree>
     <p:extLst>
       <p:ext uri="{BB962C8B-B14F-4D97-AF65-F5344CB8AC3E}">
@@ -5513,6 +5671,13 @@
   <p:clrMapOvr>
     <a:masterClrMapping/>
   </p:clrMapOvr>
+  <p:timing>
+    <p:tnLst>
+      <p:par>
+        <p:cTn xmlns:p14="http://schemas.microsoft.com/office/powerpoint/2010/main" id="1" dur="indefinite" restart="never" nodeType="tmRoot"/>
+      </p:par>
+    </p:tnLst>
+  </p:timing>
 </p:sld>
 </file>
 

--- a/Apresentação Final.pptx
+++ b/Apresentação Final.pptx
@@ -3583,6 +3583,13 @@
   <p:clrMapOvr>
     <a:masterClrMapping/>
   </p:clrMapOvr>
+  <p:timing>
+    <p:tnLst>
+      <p:par>
+        <p:cTn xmlns:p14="http://schemas.microsoft.com/office/powerpoint/2010/main" id="1" dur="indefinite" restart="never" nodeType="tmRoot"/>
+      </p:par>
+    </p:tnLst>
+  </p:timing>
 </p:sld>
 </file>
 
@@ -3670,6 +3677,13 @@
   <p:clrMapOvr>
     <a:masterClrMapping/>
   </p:clrMapOvr>
+  <p:timing>
+    <p:tnLst>
+      <p:par>
+        <p:cTn xmlns:p14="http://schemas.microsoft.com/office/powerpoint/2010/main" id="1" dur="indefinite" restart="never" nodeType="tmRoot"/>
+      </p:par>
+    </p:tnLst>
+  </p:timing>
 </p:sld>
 </file>
 
@@ -3727,6 +3741,13 @@
   <p:clrMapOvr>
     <a:masterClrMapping/>
   </p:clrMapOvr>
+  <p:timing>
+    <p:tnLst>
+      <p:par>
+        <p:cTn xmlns:p14="http://schemas.microsoft.com/office/powerpoint/2010/main" id="1" dur="indefinite" restart="never" nodeType="tmRoot"/>
+      </p:par>
+    </p:tnLst>
+  </p:timing>
 </p:sld>
 </file>
 
@@ -3809,6 +3830,13 @@
   <p:clrMapOvr>
     <a:masterClrMapping/>
   </p:clrMapOvr>
+  <p:timing>
+    <p:tnLst>
+      <p:par>
+        <p:cTn xmlns:p14="http://schemas.microsoft.com/office/powerpoint/2010/main" id="1" dur="indefinite" restart="never" nodeType="tmRoot"/>
+      </p:par>
+    </p:tnLst>
+  </p:timing>
 </p:sld>
 </file>
 
@@ -3862,12 +3890,29 @@
             <p:ph idx="1"/>
           </p:nvPr>
         </p:nvSpPr>
-        <p:spPr/>
-        <p:txBody>
-          <a:bodyPr/>
-          <a:lstStyle/>
-          <a:p>
-            <a:endParaRPr lang="pt-BR"/>
+        <p:spPr>
+          <a:xfrm>
+            <a:off x="457200" y="1752600"/>
+            <a:ext cx="7620000" cy="1888067"/>
+          </a:xfrm>
+        </p:spPr>
+        <p:txBody>
+          <a:bodyPr/>
+          <a:lstStyle/>
+          <a:p>
+            <a:r>
+              <a:rPr lang="pt-BR" dirty="0" smtClean="0"/>
+              <a:t>Para um futuro, pensamos em implementar a perda de energia nas colis</a:t>
+            </a:r>
+            <a:r>
+              <a:rPr lang="pt-BR" dirty="0" smtClean="0"/>
+              <a:t>ões entre as bolinhas. Com isso feito, implementaríamos também os outros pontos conflitantes com a realidade, como considerar o peso da corda e melhorar a precisão de nossos </a:t>
+            </a:r>
+            <a:r>
+              <a:rPr lang="pt-BR" dirty="0" smtClean="0"/>
+              <a:t>parâmetros.</a:t>
+            </a:r>
+            <a:endParaRPr lang="pt-BR" dirty="0"/>
           </a:p>
         </p:txBody>
       </p:sp>
@@ -3881,6 +3926,13 @@
   <p:clrMapOvr>
     <a:masterClrMapping/>
   </p:clrMapOvr>
+  <p:timing>
+    <p:tnLst>
+      <p:par>
+        <p:cTn xmlns:p14="http://schemas.microsoft.com/office/powerpoint/2010/main" id="1" dur="indefinite" restart="never" nodeType="tmRoot"/>
+      </p:par>
+    </p:tnLst>
+  </p:timing>
 </p:sld>
 </file>
 
@@ -3942,6 +3994,13 @@
   <p:clrMapOvr>
     <a:masterClrMapping/>
   </p:clrMapOvr>
+  <p:timing>
+    <p:tnLst>
+      <p:par>
+        <p:cTn xmlns:p14="http://schemas.microsoft.com/office/powerpoint/2010/main" id="1" dur="indefinite" restart="never" nodeType="tmRoot"/>
+      </p:par>
+    </p:tnLst>
+  </p:timing>
 </p:sld>
 </file>
 
@@ -4552,8 +4611,13 @@
             </a:pPr>
             <a:r>
               <a:rPr lang="pt-BR" dirty="0"/>
-              <a:t>Temperatura ambiente é de 25˚C.</a:t>
-            </a:r>
+              <a:t>Temperatura ambiente é de 25˚</a:t>
+            </a:r>
+            <a:r>
+              <a:rPr lang="pt-BR" dirty="0" smtClean="0"/>
+              <a:t>C</a:t>
+            </a:r>
+            <a:endParaRPr lang="pt-BR" dirty="0"/>
           </a:p>
           <a:p>
             <a:pPr marL="342900" indent="-342900">
@@ -4562,12 +4626,13 @@
             </a:pPr>
             <a:r>
               <a:rPr lang="pt-BR" dirty="0"/>
-              <a:t>O Coeficiente de atrito com o ar da esfera foi considerado 0.47</a:t>
+              <a:t>O Coeficiente de atrito com o ar da esfera foi considerado </a:t>
             </a:r>
             <a:r>
               <a:rPr lang="pt-BR" dirty="0" smtClean="0"/>
-              <a:t>.</a:t>
-            </a:r>
+              <a:t>0.47</a:t>
+            </a:r>
+            <a:endParaRPr lang="pt-BR" dirty="0" smtClean="0"/>
           </a:p>
           <a:p>
             <a:pPr marL="342900" indent="-342900">

--- a/Apresentação Final.pptx
+++ b/Apresentação Final.pptx
@@ -3801,25 +3801,142 @@
             <p:ph idx="1"/>
           </p:nvPr>
         </p:nvSpPr>
-        <p:spPr/>
+        <p:spPr>
+          <a:xfrm>
+            <a:off x="457200" y="1752601"/>
+            <a:ext cx="7620000" cy="1993900"/>
+          </a:xfrm>
+        </p:spPr>
         <p:txBody>
           <a:bodyPr/>
           <a:lstStyle/>
           <a:p>
             <a:r>
               <a:rPr lang="pt-BR" dirty="0" smtClean="0"/>
-              <a:t>Começamos nosso trabalho pensando em implementar o sistema do pêndulo de Newton real e sem nenhuma consideração. Porém, o fato da perda de energia através da colisão ser um processo extremamente complexo fez com que considerássemos apenas a resistência do ar.</a:t>
-            </a:r>
-          </a:p>
-          <a:p>
+              <a:t>Começamos nosso trabalho pensando em implementar o sistema do pêndulo de Newton real e sem nenhuma consideração. Porém, o fato da perda de energia através da colisão ser um processo extremamente complexo fez com que considerássemos apenas a resistência do </a:t>
+            </a:r>
             <a:r>
               <a:rPr lang="pt-BR" dirty="0" smtClean="0"/>
-              <a:t>Como resultado, obtivemos um tempo de parada um pouco maior do que o esperado, algo que apesar de não ser útil para a representação desse processo em situações reais é útil para entender a lógica de todos os outros processos envolvidos nessa maravilhosa engenhoca.</a:t>
-            </a:r>
-            <a:endParaRPr lang="pt-BR" dirty="0"/>
-          </a:p>
-        </p:txBody>
-      </p:sp>
+              <a:t>ar, o que fez com que esse p</a:t>
+            </a:r>
+            <a:r>
+              <a:rPr lang="pt-BR" dirty="0" smtClean="0"/>
+              <a:t>êndulo se tornasse apenas um pêndulo</a:t>
+            </a:r>
+            <a:r>
+              <a:rPr lang="pt-BR" dirty="0" smtClean="0"/>
+              <a:t>.</a:t>
+            </a:r>
+            <a:endParaRPr lang="pt-BR" dirty="0" smtClean="0"/>
+          </a:p>
+        </p:txBody>
+      </p:sp>
+      <p:pic>
+        <p:nvPicPr>
+          <p:cNvPr id="4" name="Picture 3" descr="pendulo2.gif"/>
+          <p:cNvPicPr>
+            <a:picLocks noChangeAspect="1"/>
+          </p:cNvPicPr>
+          <p:nvPr/>
+        </p:nvPicPr>
+        <p:blipFill>
+          <a:blip r:embed="rId2">
+            <a:extLst>
+              <a:ext uri="{28A0092B-C50C-407E-A947-70E740481C1C}">
+                <a14:useLocalDpi xmlns:a14="http://schemas.microsoft.com/office/drawing/2010/main" val="0"/>
+              </a:ext>
+            </a:extLst>
+          </a:blip>
+          <a:stretch>
+            <a:fillRect/>
+          </a:stretch>
+        </p:blipFill>
+        <p:spPr>
+          <a:xfrm>
+            <a:off x="5293821" y="3746501"/>
+            <a:ext cx="2783379" cy="2662766"/>
+          </a:xfrm>
+          <a:prstGeom prst="rect">
+            <a:avLst/>
+          </a:prstGeom>
+        </p:spPr>
+      </p:pic>
+      <p:sp>
+        <p:nvSpPr>
+          <p:cNvPr id="5" name="Right Arrow 4"/>
+          <p:cNvSpPr/>
+          <p:nvPr/>
+        </p:nvSpPr>
+        <p:spPr>
+          <a:xfrm>
+            <a:off x="3942292" y="4921250"/>
+            <a:ext cx="1047750" cy="285750"/>
+          </a:xfrm>
+          <a:prstGeom prst="rightArrow">
+            <a:avLst/>
+          </a:prstGeom>
+          <a:solidFill>
+            <a:schemeClr val="tx2"/>
+          </a:solidFill>
+          <a:ln>
+            <a:solidFill>
+              <a:schemeClr val="tx1"/>
+            </a:solidFill>
+          </a:ln>
+        </p:spPr>
+        <p:style>
+          <a:lnRef idx="1">
+            <a:schemeClr val="accent1"/>
+          </a:lnRef>
+          <a:fillRef idx="3">
+            <a:schemeClr val="accent1"/>
+          </a:fillRef>
+          <a:effectRef idx="2">
+            <a:schemeClr val="accent1"/>
+          </a:effectRef>
+          <a:fontRef idx="minor">
+            <a:schemeClr val="lt1"/>
+          </a:fontRef>
+        </p:style>
+        <p:txBody>
+          <a:bodyPr rtlCol="0" anchor="ctr"/>
+          <a:lstStyle/>
+          <a:p>
+            <a:pPr algn="ctr"/>
+            <a:endParaRPr lang="pt-BR"/>
+          </a:p>
+        </p:txBody>
+      </p:sp>
+      <p:pic>
+        <p:nvPicPr>
+          <p:cNvPr id="6" name="Picture 5" descr="Pêndulo desenho.png"/>
+          <p:cNvPicPr>
+            <a:picLocks noChangeAspect="1"/>
+          </p:cNvPicPr>
+          <p:nvPr/>
+        </p:nvPicPr>
+        <p:blipFill>
+          <a:blip r:embed="rId3">
+            <a:extLst>
+              <a:ext uri="{28A0092B-C50C-407E-A947-70E740481C1C}">
+                <a14:useLocalDpi xmlns:a14="http://schemas.microsoft.com/office/drawing/2010/main" val="0"/>
+              </a:ext>
+            </a:extLst>
+          </a:blip>
+          <a:stretch>
+            <a:fillRect/>
+          </a:stretch>
+        </p:blipFill>
+        <p:spPr>
+          <a:xfrm>
+            <a:off x="457200" y="4000501"/>
+            <a:ext cx="3305878" cy="2165350"/>
+          </a:xfrm>
+          <a:prstGeom prst="rect">
+            <a:avLst/>
+          </a:prstGeom>
+        </p:spPr>
+      </p:pic>
     </p:spTree>
     <p:extLst>
       <p:ext uri="{BB962C8B-B14F-4D97-AF65-F5344CB8AC3E}">
@@ -3916,6 +4033,65 @@
           </a:p>
         </p:txBody>
       </p:sp>
+      <p:pic>
+        <p:nvPicPr>
+          <p:cNvPr id="4" name="Picture 3" descr="futuro.jpg"/>
+          <p:cNvPicPr>
+            <a:picLocks noChangeAspect="1"/>
+          </p:cNvPicPr>
+          <p:nvPr/>
+        </p:nvPicPr>
+        <p:blipFill rotWithShape="1">
+          <a:blip r:embed="rId2" cstate="print">
+            <a:extLst>
+              <a:ext uri="{28A0092B-C50C-407E-A947-70E740481C1C}">
+                <a14:useLocalDpi xmlns:a14="http://schemas.microsoft.com/office/drawing/2010/main" val="0"/>
+              </a:ext>
+            </a:extLst>
+          </a:blip>
+          <a:srcRect l="5485" t="8601" r="8746"/>
+          <a:stretch/>
+        </p:blipFill>
+        <p:spPr>
+          <a:xfrm>
+            <a:off x="5854700" y="3640667"/>
+            <a:ext cx="2222500" cy="2827284"/>
+          </a:xfrm>
+          <a:prstGeom prst="rect">
+            <a:avLst/>
+          </a:prstGeom>
+        </p:spPr>
+      </p:pic>
+      <p:pic>
+        <p:nvPicPr>
+          <p:cNvPr id="5" name="Picture 4" descr="future.jpg"/>
+          <p:cNvPicPr>
+            <a:picLocks noChangeAspect="1"/>
+          </p:cNvPicPr>
+          <p:nvPr/>
+        </p:nvPicPr>
+        <p:blipFill>
+          <a:blip r:embed="rId3">
+            <a:extLst>
+              <a:ext uri="{28A0092B-C50C-407E-A947-70E740481C1C}">
+                <a14:useLocalDpi xmlns:a14="http://schemas.microsoft.com/office/drawing/2010/main" val="0"/>
+              </a:ext>
+            </a:extLst>
+          </a:blip>
+          <a:stretch>
+            <a:fillRect/>
+          </a:stretch>
+        </p:blipFill>
+        <p:spPr>
+          <a:xfrm>
+            <a:off x="1219200" y="4032250"/>
+            <a:ext cx="3048000" cy="2032000"/>
+          </a:xfrm>
+          <a:prstGeom prst="rect">
+            <a:avLst/>
+          </a:prstGeom>
+        </p:spPr>
+      </p:pic>
     </p:spTree>
     <p:extLst>
       <p:ext uri="{BB962C8B-B14F-4D97-AF65-F5344CB8AC3E}">
@@ -4762,6 +4938,36 @@
           </a:p>
         </p:txBody>
       </p:sp>
+      <p:pic>
+        <p:nvPicPr>
+          <p:cNvPr id="5" name="Picture 4" descr="importante.png"/>
+          <p:cNvPicPr>
+            <a:picLocks noChangeAspect="1"/>
+          </p:cNvPicPr>
+          <p:nvPr/>
+        </p:nvPicPr>
+        <p:blipFill>
+          <a:blip r:embed="rId2">
+            <a:extLst>
+              <a:ext uri="{28A0092B-C50C-407E-A947-70E740481C1C}">
+                <a14:useLocalDpi xmlns:a14="http://schemas.microsoft.com/office/drawing/2010/main" val="0"/>
+              </a:ext>
+            </a:extLst>
+          </a:blip>
+          <a:stretch>
+            <a:fillRect/>
+          </a:stretch>
+        </p:blipFill>
+        <p:spPr>
+          <a:xfrm>
+            <a:off x="6136920" y="4743020"/>
+            <a:ext cx="2328052" cy="1658445"/>
+          </a:xfrm>
+          <a:prstGeom prst="rect">
+            <a:avLst/>
+          </a:prstGeom>
+        </p:spPr>
+      </p:pic>
     </p:spTree>
     <p:extLst>
       <p:ext uri="{BB962C8B-B14F-4D97-AF65-F5344CB8AC3E}">

--- a/Apresentação Final.pptx
+++ b/Apresentação Final.pptx
@@ -315,7 +315,7 @@
             <a:fld id="{451DEABC-D766-4322-8E78-B830FAE35C72}" type="datetime4">
               <a:rPr lang="en-US" smtClean="0"/>
               <a:pPr/>
-              <a:t>June 24, 2015</a:t>
+              <a:t>June 25, 2015</a:t>
             </a:fld>
             <a:endParaRPr lang="en-US" dirty="0"/>
           </a:p>
@@ -582,7 +582,7 @@
             <a:fld id="{F3131F9E-604E-4343-9F29-EF72E8231CAD}" type="datetime4">
               <a:rPr lang="en-US" smtClean="0"/>
               <a:pPr/>
-              <a:t>June 24, 2015</a:t>
+              <a:t>June 25, 2015</a:t>
             </a:fld>
             <a:endParaRPr lang="en-US"/>
           </a:p>
@@ -759,7 +759,7 @@
             <a:fld id="{34A8E1CE-37F8-4102-8DF9-852A0A51F293}" type="datetime4">
               <a:rPr lang="en-US" smtClean="0"/>
               <a:pPr/>
-              <a:t>June 24, 2015</a:t>
+              <a:t>June 25, 2015</a:t>
             </a:fld>
             <a:endParaRPr lang="en-US"/>
           </a:p>
@@ -926,7 +926,7 @@
             <a:fld id="{93333F43-3E86-47E4-BFBB-2476D384E1C6}" type="datetime4">
               <a:rPr lang="en-US" smtClean="0"/>
               <a:pPr/>
-              <a:t>June 24, 2015</a:t>
+              <a:t>June 25, 2015</a:t>
             </a:fld>
             <a:endParaRPr lang="en-US"/>
           </a:p>
@@ -1177,7 +1177,7 @@
             <a:fld id="{751663BA-01FC-4367-B6F3-ABB2645D55F1}" type="datetime4">
               <a:rPr lang="en-US" smtClean="0"/>
               <a:pPr/>
-              <a:t>June 24, 2015</a:t>
+              <a:t>June 25, 2015</a:t>
             </a:fld>
             <a:endParaRPr lang="en-US" dirty="0"/>
           </a:p>
@@ -1462,7 +1462,7 @@
             <a:fld id="{79B19C71-EC74-44AF-B27E-FC7DC3C3A61D}" type="datetime4">
               <a:rPr lang="en-US" smtClean="0"/>
               <a:pPr/>
-              <a:t>June 24, 2015</a:t>
+              <a:t>June 25, 2015</a:t>
             </a:fld>
             <a:endParaRPr lang="en-US"/>
           </a:p>
@@ -1903,7 +1903,7 @@
             <a:fld id="{6A5CDA29-3CBE-48EA-92AE-A996835462BA}" type="datetime4">
               <a:rPr lang="en-US" smtClean="0"/>
               <a:pPr/>
-              <a:t>June 24, 2015</a:t>
+              <a:t>June 25, 2015</a:t>
             </a:fld>
             <a:endParaRPr lang="en-US"/>
           </a:p>
@@ -2018,7 +2018,7 @@
             <a:fld id="{E29EC054-3869-4501-B163-1BBFDE8DCE04}" type="datetime4">
               <a:rPr lang="en-US" smtClean="0"/>
               <a:pPr/>
-              <a:t>June 24, 2015</a:t>
+              <a:t>June 25, 2015</a:t>
             </a:fld>
             <a:endParaRPr lang="en-US"/>
           </a:p>
@@ -2110,7 +2110,7 @@
             <a:fld id="{0A63D831-56C1-49CF-8EF7-8B9A98402BCD}" type="datetime4">
               <a:rPr lang="en-US" smtClean="0"/>
               <a:pPr/>
-              <a:t>June 24, 2015</a:t>
+              <a:t>June 25, 2015</a:t>
             </a:fld>
             <a:endParaRPr lang="en-US"/>
           </a:p>
@@ -2354,7 +2354,7 @@
             <a:fld id="{6EAD5615-7F4F-4584-84D5-CC95918C321F}" type="datetime4">
               <a:rPr lang="en-US" smtClean="0"/>
               <a:pPr/>
-              <a:t>June 24, 2015</a:t>
+              <a:t>June 25, 2015</a:t>
             </a:fld>
             <a:endParaRPr lang="en-US"/>
           </a:p>
@@ -2650,7 +2650,7 @@
             <a:fld id="{76EEA923-9BEE-48CE-9F28-5B525F399BAD}" type="datetime4">
               <a:rPr lang="en-US" smtClean="0"/>
               <a:pPr/>
-              <a:t>June 24, 2015</a:t>
+              <a:t>June 25, 2015</a:t>
             </a:fld>
             <a:endParaRPr lang="en-US"/>
           </a:p>
@@ -2946,7 +2946,7 @@
             <a:fld id="{17D0EFEE-2756-4A20-BF2A-63F0A94F99AC}" type="datetime4">
               <a:rPr lang="en-US" smtClean="0"/>
               <a:pPr/>
-              <a:t>June 24, 2015</a:t>
+              <a:t>June 25, 2015</a:t>
             </a:fld>
             <a:endParaRPr lang="en-US" dirty="0"/>
           </a:p>
@@ -3533,11 +3533,7 @@
           <a:p>
             <a:r>
               <a:rPr lang="pt-BR" dirty="0" smtClean="0"/>
-              <a:t>Itera</a:t>
-            </a:r>
-            <a:r>
-              <a:rPr lang="pt-BR" dirty="0" smtClean="0"/>
-              <a:t>ção 1.2</a:t>
+              <a:t>Iteração 1.2</a:t>
             </a:r>
             <a:endParaRPr lang="pt-BR" dirty="0"/>
           </a:p>
@@ -3627,11 +3623,7 @@
           <a:p>
             <a:r>
               <a:rPr lang="pt-BR" dirty="0" smtClean="0"/>
-              <a:t>Itera</a:t>
-            </a:r>
-            <a:r>
-              <a:rPr lang="pt-BR" dirty="0" smtClean="0"/>
-              <a:t>ção 2</a:t>
+              <a:t>Iteração 2</a:t>
             </a:r>
             <a:endParaRPr lang="pt-BR" dirty="0"/>
           </a:p>
@@ -3721,11 +3713,7 @@
           <a:p>
             <a:r>
               <a:rPr lang="pt-BR" dirty="0" smtClean="0"/>
-              <a:t>Itera</a:t>
-            </a:r>
-            <a:r>
-              <a:rPr lang="pt-BR" dirty="0" smtClean="0"/>
-              <a:t>ção 3</a:t>
+              <a:t>Iteração 3</a:t>
             </a:r>
             <a:endParaRPr lang="pt-BR" dirty="0"/>
           </a:p>
@@ -3813,21 +3801,8 @@
           <a:p>
             <a:r>
               <a:rPr lang="pt-BR" dirty="0" smtClean="0"/>
-              <a:t>Começamos nosso trabalho pensando em implementar o sistema do pêndulo de Newton real e sem nenhuma consideração. Porém, o fato da perda de energia através da colisão ser um processo extremamente complexo fez com que considerássemos apenas a resistência do </a:t>
-            </a:r>
-            <a:r>
-              <a:rPr lang="pt-BR" dirty="0" smtClean="0"/>
-              <a:t>ar, o que fez com que esse p</a:t>
-            </a:r>
-            <a:r>
-              <a:rPr lang="pt-BR" dirty="0" smtClean="0"/>
-              <a:t>êndulo se tornasse apenas um pêndulo</a:t>
-            </a:r>
-            <a:r>
-              <a:rPr lang="pt-BR" dirty="0" smtClean="0"/>
-              <a:t>.</a:t>
-            </a:r>
-            <a:endParaRPr lang="pt-BR" dirty="0" smtClean="0"/>
+              <a:t>Começamos nosso trabalho pensando em implementar o sistema do pêndulo de Newton real e sem nenhuma consideração. Porém, o fato da perda de energia através da colisão ser um processo extremamente complexo fez com que considerássemos apenas a resistência do ar, o que fez com que esse pêndulo se tornasse apenas um pêndulo.</a:t>
+            </a:r>
           </a:p>
         </p:txBody>
       </p:sp>
@@ -4019,15 +3994,7 @@
           <a:p>
             <a:r>
               <a:rPr lang="pt-BR" dirty="0" smtClean="0"/>
-              <a:t>Para um futuro, pensamos em implementar a perda de energia nas colis</a:t>
-            </a:r>
-            <a:r>
-              <a:rPr lang="pt-BR" dirty="0" smtClean="0"/>
-              <a:t>ões entre as bolinhas. Com isso feito, implementaríamos também os outros pontos conflitantes com a realidade, como considerar o peso da corda e melhorar a precisão de nossos </a:t>
-            </a:r>
-            <a:r>
-              <a:rPr lang="pt-BR" dirty="0" smtClean="0"/>
-              <a:t>parâmetros.</a:t>
+              <a:t>Para um futuro, pensamos em implementar a perda de energia nas colisões entre as bolinhas. Com isso feito, implementaríamos também os outros pontos conflitantes com a realidade, como considerar o peso da corda e melhorar a precisão de nossos parâmetros.</a:t>
             </a:r>
             <a:endParaRPr lang="pt-BR" dirty="0"/>
           </a:p>
@@ -4250,13 +4217,8 @@
             </a:r>
             <a:r>
               <a:rPr lang="pt-BR" dirty="0" smtClean="0"/>
-              <a:t>, o pêndulo de Newton tem como principal função demonstrar as diferentes leis do movimento, também conhecidas como leis de Newton</a:t>
-            </a:r>
-            <a:r>
-              <a:rPr lang="pt-BR" dirty="0" smtClean="0"/>
-              <a:t>.</a:t>
-            </a:r>
-            <a:endParaRPr lang="pt-BR" dirty="0" smtClean="0"/>
+              <a:t>, o pêndulo de Newton tem como principal função demonstrar as diferentes leis do movimento, também conhecidas como leis de Newton.</a:t>
+            </a:r>
           </a:p>
         </p:txBody>
       </p:sp>
@@ -4754,13 +4716,17 @@
         <p:spPr/>
         <p:txBody>
           <a:bodyPr>
-            <a:normAutofit fontScale="90000"/>
+            <a:normAutofit/>
           </a:bodyPr>
           <a:lstStyle/>
           <a:p>
             <a:r>
               <a:rPr lang="pt-BR" dirty="0" smtClean="0"/>
-              <a:t>Outras informações relevantes</a:t>
+              <a:t>par</a:t>
+            </a:r>
+            <a:r>
+              <a:rPr lang="pt-BR" dirty="0" smtClean="0"/>
+              <a:t>âmetros</a:t>
             </a:r>
             <a:endParaRPr lang="pt-BR" dirty="0"/>
           </a:p>
@@ -4808,7 +4774,6 @@
               <a:rPr lang="pt-BR" dirty="0" smtClean="0"/>
               <a:t>0.47</a:t>
             </a:r>
-            <a:endParaRPr lang="pt-BR" dirty="0" smtClean="0"/>
           </a:p>
           <a:p>
             <a:pPr marL="342900" indent="-342900">
@@ -5892,11 +5857,7 @@
           <a:p>
             <a:r>
               <a:rPr lang="pt-BR" dirty="0" smtClean="0"/>
-              <a:t>Itera</a:t>
-            </a:r>
-            <a:r>
-              <a:rPr lang="pt-BR" dirty="0" smtClean="0"/>
-              <a:t>ção 1.1</a:t>
+              <a:t>Iteração 1.1</a:t>
             </a:r>
             <a:endParaRPr lang="pt-BR" dirty="0"/>
           </a:p>

--- a/Apresentação Final.pptx
+++ b/Apresentação Final.pptx
@@ -469,6 +469,9 @@
   <p:clrMapOvr>
     <a:masterClrMapping/>
   </p:clrMapOvr>
+  <p:transition xmlns:p14="http://schemas.microsoft.com/office/powerpoint/2010/main" spd="slow">
+    <p:push dir="u"/>
+  </p:transition>
 </p:sldLayout>
 </file>
 
@@ -636,6 +639,9 @@
   <p:clrMapOvr>
     <a:masterClrMapping/>
   </p:clrMapOvr>
+  <p:transition xmlns:p14="http://schemas.microsoft.com/office/powerpoint/2010/main" spd="slow">
+    <p:push dir="u"/>
+  </p:transition>
 </p:sldLayout>
 </file>
 
@@ -813,6 +819,9 @@
   <p:clrMapOvr>
     <a:masterClrMapping/>
   </p:clrMapOvr>
+  <p:transition xmlns:p14="http://schemas.microsoft.com/office/powerpoint/2010/main" spd="slow">
+    <p:push dir="u"/>
+  </p:transition>
 </p:sldLayout>
 </file>
 
@@ -980,6 +989,9 @@
   <p:clrMapOvr>
     <a:masterClrMapping/>
   </p:clrMapOvr>
+  <p:transition xmlns:p14="http://schemas.microsoft.com/office/powerpoint/2010/main" spd="slow">
+    <p:push dir="u"/>
+  </p:transition>
 </p:sldLayout>
 </file>
 
@@ -1231,6 +1243,9 @@
   <p:clrMapOvr>
     <a:masterClrMapping/>
   </p:clrMapOvr>
+  <p:transition xmlns:p14="http://schemas.microsoft.com/office/powerpoint/2010/main" spd="slow">
+    <p:push dir="u"/>
+  </p:transition>
 </p:sldLayout>
 </file>
 
@@ -1516,6 +1531,9 @@
   <p:clrMapOvr>
     <a:masterClrMapping/>
   </p:clrMapOvr>
+  <p:transition xmlns:p14="http://schemas.microsoft.com/office/powerpoint/2010/main" spd="slow">
+    <p:push dir="u"/>
+  </p:transition>
 </p:sldLayout>
 </file>
 
@@ -1957,6 +1975,9 @@
   <p:clrMapOvr>
     <a:masterClrMapping/>
   </p:clrMapOvr>
+  <p:transition xmlns:p14="http://schemas.microsoft.com/office/powerpoint/2010/main" spd="slow">
+    <p:push dir="u"/>
+  </p:transition>
 </p:sldLayout>
 </file>
 
@@ -2072,6 +2093,9 @@
   <p:clrMapOvr>
     <a:masterClrMapping/>
   </p:clrMapOvr>
+  <p:transition xmlns:p14="http://schemas.microsoft.com/office/powerpoint/2010/main" spd="slow">
+    <p:push dir="u"/>
+  </p:transition>
 </p:sldLayout>
 </file>
 
@@ -2164,6 +2188,9 @@
   <p:clrMapOvr>
     <a:masterClrMapping/>
   </p:clrMapOvr>
+  <p:transition xmlns:p14="http://schemas.microsoft.com/office/powerpoint/2010/main" spd="slow">
+    <p:push dir="u"/>
+  </p:transition>
 </p:sldLayout>
 </file>
 
@@ -2431,6 +2458,9 @@
   <p:clrMapOvr>
     <a:masterClrMapping/>
   </p:clrMapOvr>
+  <p:transition xmlns:p14="http://schemas.microsoft.com/office/powerpoint/2010/main" spd="slow">
+    <p:push dir="u"/>
+  </p:transition>
 </p:sldLayout>
 </file>
 
@@ -2792,6 +2822,9 @@
   <p:clrMapOvr>
     <a:masterClrMapping/>
   </p:clrMapOvr>
+  <p:transition xmlns:p14="http://schemas.microsoft.com/office/powerpoint/2010/main" spd="slow">
+    <p:push dir="u"/>
+  </p:transition>
 </p:sldLayout>
 </file>
 
@@ -3135,6 +3168,9 @@
     <p:sldLayoutId id="2147483922" r:id="rId10"/>
     <p:sldLayoutId id="2147483923" r:id="rId11"/>
   </p:sldLayoutIdLst>
+  <p:transition xmlns:p14="http://schemas.microsoft.com/office/powerpoint/2010/main" spd="slow">
+    <p:push dir="u"/>
+  </p:transition>
   <p:hf sldNum="0" hdr="0" ftr="0" dt="0"/>
   <p:txStyles>
     <p:titleStyle>
@@ -3489,6 +3525,9 @@
   <p:clrMapOvr>
     <a:masterClrMapping/>
   </p:clrMapOvr>
+  <p:transition xmlns:p14="http://schemas.microsoft.com/office/powerpoint/2010/main" spd="slow">
+    <p:push dir="u"/>
+  </p:transition>
   <p:timing>
     <p:tnLst>
       <p:par>
@@ -3579,6 +3618,9 @@
   <p:clrMapOvr>
     <a:masterClrMapping/>
   </p:clrMapOvr>
+  <p:transition xmlns:p14="http://schemas.microsoft.com/office/powerpoint/2010/main" spd="slow">
+    <p:push dir="u"/>
+  </p:transition>
   <p:timing>
     <p:tnLst>
       <p:par>
@@ -3669,6 +3711,9 @@
   <p:clrMapOvr>
     <a:masterClrMapping/>
   </p:clrMapOvr>
+  <p:transition xmlns:p14="http://schemas.microsoft.com/office/powerpoint/2010/main" spd="slow">
+    <p:push dir="u"/>
+  </p:transition>
   <p:timing>
     <p:tnLst>
       <p:par>
@@ -3719,6 +3764,30 @@
           </a:p>
         </p:txBody>
       </p:sp>
+      <p:pic>
+        <p:nvPicPr>
+          <p:cNvPr id="3" name="Picture 2"/>
+          <p:cNvPicPr>
+            <a:picLocks noChangeAspect="1"/>
+          </p:cNvPicPr>
+          <p:nvPr/>
+        </p:nvPicPr>
+        <p:blipFill>
+          <a:blip r:embed="rId2"/>
+          <a:stretch>
+            <a:fillRect/>
+          </a:stretch>
+        </p:blipFill>
+        <p:spPr>
+          <a:xfrm>
+            <a:off x="1111250" y="1524318"/>
+            <a:ext cx="6802010" cy="5076000"/>
+          </a:xfrm>
+          <a:prstGeom prst="rect">
+            <a:avLst/>
+          </a:prstGeom>
+        </p:spPr>
+      </p:pic>
     </p:spTree>
     <p:extLst>
       <p:ext uri="{BB962C8B-B14F-4D97-AF65-F5344CB8AC3E}">
@@ -3729,6 +3798,9 @@
   <p:clrMapOvr>
     <a:masterClrMapping/>
   </p:clrMapOvr>
+  <p:transition xmlns:p14="http://schemas.microsoft.com/office/powerpoint/2010/main" spd="slow">
+    <p:push dir="u"/>
+  </p:transition>
   <p:timing>
     <p:tnLst>
       <p:par>
@@ -3922,12 +3994,176 @@
   <p:clrMapOvr>
     <a:masterClrMapping/>
   </p:clrMapOvr>
+  <p:transition xmlns:p14="http://schemas.microsoft.com/office/powerpoint/2010/main" spd="slow">
+    <p:push dir="u"/>
+  </p:transition>
   <p:timing>
     <p:tnLst>
       <p:par>
-        <p:cTn xmlns:p14="http://schemas.microsoft.com/office/powerpoint/2010/main" id="1" dur="indefinite" restart="never" nodeType="tmRoot"/>
+        <p:cTn xmlns:p14="http://schemas.microsoft.com/office/powerpoint/2010/main" id="1" dur="indefinite" restart="never" nodeType="tmRoot">
+          <p:childTnLst>
+            <p:seq concurrent="1" nextAc="seek">
+              <p:cTn id="2" dur="indefinite" nodeType="mainSeq">
+                <p:childTnLst>
+                  <p:par>
+                    <p:cTn id="3" fill="hold">
+                      <p:stCondLst>
+                        <p:cond delay="indefinite"/>
+                      </p:stCondLst>
+                      <p:childTnLst>
+                        <p:par>
+                          <p:cTn id="4" fill="hold">
+                            <p:stCondLst>
+                              <p:cond delay="0"/>
+                            </p:stCondLst>
+                            <p:childTnLst>
+                              <p:par>
+                                <p:cTn id="5" presetID="1" presetClass="entr" presetSubtype="0" fill="hold" nodeType="clickEffect">
+                                  <p:stCondLst>
+                                    <p:cond delay="0"/>
+                                  </p:stCondLst>
+                                  <p:childTnLst>
+                                    <p:set>
+                                      <p:cBhvr>
+                                        <p:cTn id="6" dur="1" fill="hold">
+                                          <p:stCondLst>
+                                            <p:cond delay="0"/>
+                                          </p:stCondLst>
+                                        </p:cTn>
+                                        <p:tgtEl>
+                                          <p:spTgt spid="6"/>
+                                        </p:tgtEl>
+                                        <p:attrNameLst>
+                                          <p:attrName>style.visibility</p:attrName>
+                                        </p:attrNameLst>
+                                      </p:cBhvr>
+                                      <p:to>
+                                        <p:strVal val="visible"/>
+                                      </p:to>
+                                    </p:set>
+                                  </p:childTnLst>
+                                </p:cTn>
+                              </p:par>
+                            </p:childTnLst>
+                          </p:cTn>
+                        </p:par>
+                      </p:childTnLst>
+                    </p:cTn>
+                  </p:par>
+                  <p:par>
+                    <p:cTn id="7" fill="hold">
+                      <p:stCondLst>
+                        <p:cond delay="indefinite"/>
+                      </p:stCondLst>
+                      <p:childTnLst>
+                        <p:par>
+                          <p:cTn id="8" fill="hold">
+                            <p:stCondLst>
+                              <p:cond delay="0"/>
+                            </p:stCondLst>
+                            <p:childTnLst>
+                              <p:par>
+                                <p:cTn id="9" presetID="1" presetClass="entr" presetSubtype="0" fill="hold" grpId="0" nodeType="clickEffect">
+                                  <p:stCondLst>
+                                    <p:cond delay="0"/>
+                                  </p:stCondLst>
+                                  <p:childTnLst>
+                                    <p:set>
+                                      <p:cBhvr>
+                                        <p:cTn id="10" dur="1" fill="hold">
+                                          <p:stCondLst>
+                                            <p:cond delay="0"/>
+                                          </p:stCondLst>
+                                        </p:cTn>
+                                        <p:tgtEl>
+                                          <p:spTgt spid="5"/>
+                                        </p:tgtEl>
+                                        <p:attrNameLst>
+                                          <p:attrName>style.visibility</p:attrName>
+                                        </p:attrNameLst>
+                                      </p:cBhvr>
+                                      <p:to>
+                                        <p:strVal val="visible"/>
+                                      </p:to>
+                                    </p:set>
+                                  </p:childTnLst>
+                                </p:cTn>
+                              </p:par>
+                            </p:childTnLst>
+                          </p:cTn>
+                        </p:par>
+                      </p:childTnLst>
+                    </p:cTn>
+                  </p:par>
+                  <p:par>
+                    <p:cTn id="11" fill="hold">
+                      <p:stCondLst>
+                        <p:cond delay="indefinite"/>
+                      </p:stCondLst>
+                      <p:childTnLst>
+                        <p:par>
+                          <p:cTn id="12" fill="hold">
+                            <p:stCondLst>
+                              <p:cond delay="0"/>
+                            </p:stCondLst>
+                            <p:childTnLst>
+                              <p:par>
+                                <p:cTn id="13" presetID="1" presetClass="entr" presetSubtype="0" fill="hold" nodeType="clickEffect">
+                                  <p:stCondLst>
+                                    <p:cond delay="0"/>
+                                  </p:stCondLst>
+                                  <p:childTnLst>
+                                    <p:set>
+                                      <p:cBhvr>
+                                        <p:cTn id="14" dur="1" fill="hold">
+                                          <p:stCondLst>
+                                            <p:cond delay="0"/>
+                                          </p:stCondLst>
+                                        </p:cTn>
+                                        <p:tgtEl>
+                                          <p:spTgt spid="4"/>
+                                        </p:tgtEl>
+                                        <p:attrNameLst>
+                                          <p:attrName>style.visibility</p:attrName>
+                                        </p:attrNameLst>
+                                      </p:cBhvr>
+                                      <p:to>
+                                        <p:strVal val="visible"/>
+                                      </p:to>
+                                    </p:set>
+                                  </p:childTnLst>
+                                </p:cTn>
+                              </p:par>
+                            </p:childTnLst>
+                          </p:cTn>
+                        </p:par>
+                      </p:childTnLst>
+                    </p:cTn>
+                  </p:par>
+                </p:childTnLst>
+              </p:cTn>
+              <p:prevCondLst>
+                <p:cond evt="onPrev" delay="0">
+                  <p:tgtEl>
+                    <p:sldTgt/>
+                  </p:tgtEl>
+                </p:cond>
+              </p:prevCondLst>
+              <p:nextCondLst>
+                <p:cond evt="onNext" delay="0">
+                  <p:tgtEl>
+                    <p:sldTgt/>
+                  </p:tgtEl>
+                </p:cond>
+              </p:nextCondLst>
+            </p:seq>
+          </p:childTnLst>
+        </p:cTn>
       </p:par>
     </p:tnLst>
+    <p:bldLst>
+      <p:bldP spid="5" grpId="0" animBg="1"/>
+    </p:bldLst>
   </p:timing>
 </p:sld>
 </file>
@@ -4069,10 +4305,218 @@
   <p:clrMapOvr>
     <a:masterClrMapping/>
   </p:clrMapOvr>
+  <p:transition xmlns:p14="http://schemas.microsoft.com/office/powerpoint/2010/main" spd="slow">
+    <p:push dir="u"/>
+  </p:transition>
   <p:timing>
     <p:tnLst>
       <p:par>
-        <p:cTn xmlns:p14="http://schemas.microsoft.com/office/powerpoint/2010/main" id="1" dur="indefinite" restart="never" nodeType="tmRoot"/>
+        <p:cTn xmlns:p14="http://schemas.microsoft.com/office/powerpoint/2010/main" id="1" dur="indefinite" restart="never" nodeType="tmRoot">
+          <p:childTnLst>
+            <p:seq concurrent="1" nextAc="seek">
+              <p:cTn id="2" dur="indefinite" nodeType="mainSeq">
+                <p:childTnLst>
+                  <p:par>
+                    <p:cTn id="3" fill="hold">
+                      <p:stCondLst>
+                        <p:cond delay="indefinite"/>
+                      </p:stCondLst>
+                      <p:childTnLst>
+                        <p:par>
+                          <p:cTn id="4" fill="hold">
+                            <p:stCondLst>
+                              <p:cond delay="0"/>
+                            </p:stCondLst>
+                            <p:childTnLst>
+                              <p:par>
+                                <p:cTn id="5" presetID="2" presetClass="entr" presetSubtype="4" fill="hold" nodeType="clickEffect">
+                                  <p:stCondLst>
+                                    <p:cond delay="0"/>
+                                  </p:stCondLst>
+                                  <p:childTnLst>
+                                    <p:set>
+                                      <p:cBhvr>
+                                        <p:cTn id="6" dur="1" fill="hold">
+                                          <p:stCondLst>
+                                            <p:cond delay="0"/>
+                                          </p:stCondLst>
+                                        </p:cTn>
+                                        <p:tgtEl>
+                                          <p:spTgt spid="5"/>
+                                        </p:tgtEl>
+                                        <p:attrNameLst>
+                                          <p:attrName>style.visibility</p:attrName>
+                                        </p:attrNameLst>
+                                      </p:cBhvr>
+                                      <p:to>
+                                        <p:strVal val="visible"/>
+                                      </p:to>
+                                    </p:set>
+                                    <p:anim calcmode="lin" valueType="num">
+                                      <p:cBhvr additive="base">
+                                        <p:cTn id="7" dur="500" fill="hold"/>
+                                        <p:tgtEl>
+                                          <p:spTgt spid="5"/>
+                                        </p:tgtEl>
+                                        <p:attrNameLst>
+                                          <p:attrName>ppt_x</p:attrName>
+                                        </p:attrNameLst>
+                                      </p:cBhvr>
+                                      <p:tavLst>
+                                        <p:tav tm="0">
+                                          <p:val>
+                                            <p:strVal val="#ppt_x"/>
+                                          </p:val>
+                                        </p:tav>
+                                        <p:tav tm="100000">
+                                          <p:val>
+                                            <p:strVal val="#ppt_x"/>
+                                          </p:val>
+                                        </p:tav>
+                                      </p:tavLst>
+                                    </p:anim>
+                                    <p:anim calcmode="lin" valueType="num">
+                                      <p:cBhvr additive="base">
+                                        <p:cTn id="8" dur="500" fill="hold"/>
+                                        <p:tgtEl>
+                                          <p:spTgt spid="5"/>
+                                        </p:tgtEl>
+                                        <p:attrNameLst>
+                                          <p:attrName>ppt_y</p:attrName>
+                                        </p:attrNameLst>
+                                      </p:cBhvr>
+                                      <p:tavLst>
+                                        <p:tav tm="0">
+                                          <p:val>
+                                            <p:strVal val="1+#ppt_h/2"/>
+                                          </p:val>
+                                        </p:tav>
+                                        <p:tav tm="100000">
+                                          <p:val>
+                                            <p:strVal val="#ppt_y"/>
+                                          </p:val>
+                                        </p:tav>
+                                      </p:tavLst>
+                                    </p:anim>
+                                  </p:childTnLst>
+                                </p:cTn>
+                              </p:par>
+                            </p:childTnLst>
+                          </p:cTn>
+                        </p:par>
+                      </p:childTnLst>
+                    </p:cTn>
+                  </p:par>
+                  <p:par>
+                    <p:cTn id="9" fill="hold">
+                      <p:stCondLst>
+                        <p:cond delay="indefinite"/>
+                      </p:stCondLst>
+                      <p:childTnLst>
+                        <p:par>
+                          <p:cTn id="10" fill="hold">
+                            <p:stCondLst>
+                              <p:cond delay="0"/>
+                            </p:stCondLst>
+                            <p:childTnLst>
+                              <p:par>
+                                <p:cTn id="11" presetID="2" presetClass="entr" presetSubtype="4" fill="hold" nodeType="clickEffect">
+                                  <p:stCondLst>
+                                    <p:cond delay="0"/>
+                                  </p:stCondLst>
+                                  <p:childTnLst>
+                                    <p:set>
+                                      <p:cBhvr>
+                                        <p:cTn id="12" dur="1" fill="hold">
+                                          <p:stCondLst>
+                                            <p:cond delay="0"/>
+                                          </p:stCondLst>
+                                        </p:cTn>
+                                        <p:tgtEl>
+                                          <p:spTgt spid="4"/>
+                                        </p:tgtEl>
+                                        <p:attrNameLst>
+                                          <p:attrName>style.visibility</p:attrName>
+                                        </p:attrNameLst>
+                                      </p:cBhvr>
+                                      <p:to>
+                                        <p:strVal val="visible"/>
+                                      </p:to>
+                                    </p:set>
+                                    <p:anim calcmode="lin" valueType="num">
+                                      <p:cBhvr additive="base">
+                                        <p:cTn id="13" dur="500" fill="hold"/>
+                                        <p:tgtEl>
+                                          <p:spTgt spid="4"/>
+                                        </p:tgtEl>
+                                        <p:attrNameLst>
+                                          <p:attrName>ppt_x</p:attrName>
+                                        </p:attrNameLst>
+                                      </p:cBhvr>
+                                      <p:tavLst>
+                                        <p:tav tm="0">
+                                          <p:val>
+                                            <p:strVal val="#ppt_x"/>
+                                          </p:val>
+                                        </p:tav>
+                                        <p:tav tm="100000">
+                                          <p:val>
+                                            <p:strVal val="#ppt_x"/>
+                                          </p:val>
+                                        </p:tav>
+                                      </p:tavLst>
+                                    </p:anim>
+                                    <p:anim calcmode="lin" valueType="num">
+                                      <p:cBhvr additive="base">
+                                        <p:cTn id="14" dur="500" fill="hold"/>
+                                        <p:tgtEl>
+                                          <p:spTgt spid="4"/>
+                                        </p:tgtEl>
+                                        <p:attrNameLst>
+                                          <p:attrName>ppt_y</p:attrName>
+                                        </p:attrNameLst>
+                                      </p:cBhvr>
+                                      <p:tavLst>
+                                        <p:tav tm="0">
+                                          <p:val>
+                                            <p:strVal val="1+#ppt_h/2"/>
+                                          </p:val>
+                                        </p:tav>
+                                        <p:tav tm="100000">
+                                          <p:val>
+                                            <p:strVal val="#ppt_y"/>
+                                          </p:val>
+                                        </p:tav>
+                                      </p:tavLst>
+                                    </p:anim>
+                                  </p:childTnLst>
+                                </p:cTn>
+                              </p:par>
+                            </p:childTnLst>
+                          </p:cTn>
+                        </p:par>
+                      </p:childTnLst>
+                    </p:cTn>
+                  </p:par>
+                </p:childTnLst>
+              </p:cTn>
+              <p:prevCondLst>
+                <p:cond evt="onPrev" delay="0">
+                  <p:tgtEl>
+                    <p:sldTgt/>
+                  </p:tgtEl>
+                </p:cond>
+              </p:prevCondLst>
+              <p:nextCondLst>
+                <p:cond evt="onNext" delay="0">
+                  <p:tgtEl>
+                    <p:sldTgt/>
+                  </p:tgtEl>
+                </p:cond>
+              </p:nextCondLst>
+            </p:seq>
+          </p:childTnLst>
+        </p:cTn>
       </p:par>
     </p:tnLst>
   </p:timing>
@@ -4137,6 +4581,9 @@
   <p:clrMapOvr>
     <a:masterClrMapping/>
   </p:clrMapOvr>
+  <p:transition xmlns:p14="http://schemas.microsoft.com/office/powerpoint/2010/main" spd="slow">
+    <p:push dir="u"/>
+  </p:transition>
   <p:timing>
     <p:tnLst>
       <p:par>
@@ -4292,10 +4739,400 @@
   <p:clrMapOvr>
     <a:masterClrMapping/>
   </p:clrMapOvr>
+  <p:transition xmlns:p14="http://schemas.microsoft.com/office/powerpoint/2010/main" spd="slow">
+    <p:push dir="u"/>
+  </p:transition>
   <p:timing>
     <p:tnLst>
       <p:par>
-        <p:cTn xmlns:p14="http://schemas.microsoft.com/office/powerpoint/2010/main" id="1" dur="indefinite" restart="never" nodeType="tmRoot"/>
+        <p:cTn xmlns:p14="http://schemas.microsoft.com/office/powerpoint/2010/main" id="1" dur="indefinite" restart="never" nodeType="tmRoot">
+          <p:childTnLst>
+            <p:seq concurrent="1" nextAc="seek">
+              <p:cTn id="2" dur="indefinite" nodeType="mainSeq">
+                <p:childTnLst>
+                  <p:par>
+                    <p:cTn id="3" fill="hold">
+                      <p:stCondLst>
+                        <p:cond delay="indefinite"/>
+                      </p:stCondLst>
+                      <p:childTnLst>
+                        <p:par>
+                          <p:cTn id="4" fill="hold">
+                            <p:stCondLst>
+                              <p:cond delay="0"/>
+                            </p:stCondLst>
+                            <p:childTnLst>
+                              <p:par>
+                                <p:cTn id="5" presetID="2" presetClass="entr" presetSubtype="4" fill="hold" nodeType="clickEffect">
+                                  <p:stCondLst>
+                                    <p:cond delay="0"/>
+                                  </p:stCondLst>
+                                  <p:childTnLst>
+                                    <p:set>
+                                      <p:cBhvr>
+                                        <p:cTn id="6" dur="1" fill="hold">
+                                          <p:stCondLst>
+                                            <p:cond delay="0"/>
+                                          </p:stCondLst>
+                                        </p:cTn>
+                                        <p:tgtEl>
+                                          <p:spTgt spid="4"/>
+                                        </p:tgtEl>
+                                        <p:attrNameLst>
+                                          <p:attrName>style.visibility</p:attrName>
+                                        </p:attrNameLst>
+                                      </p:cBhvr>
+                                      <p:to>
+                                        <p:strVal val="visible"/>
+                                      </p:to>
+                                    </p:set>
+                                    <p:anim calcmode="lin" valueType="num">
+                                      <p:cBhvr additive="base">
+                                        <p:cTn id="7" dur="500" fill="hold"/>
+                                        <p:tgtEl>
+                                          <p:spTgt spid="4"/>
+                                        </p:tgtEl>
+                                        <p:attrNameLst>
+                                          <p:attrName>ppt_x</p:attrName>
+                                        </p:attrNameLst>
+                                      </p:cBhvr>
+                                      <p:tavLst>
+                                        <p:tav tm="0">
+                                          <p:val>
+                                            <p:strVal val="#ppt_x"/>
+                                          </p:val>
+                                        </p:tav>
+                                        <p:tav tm="100000">
+                                          <p:val>
+                                            <p:strVal val="#ppt_x"/>
+                                          </p:val>
+                                        </p:tav>
+                                      </p:tavLst>
+                                    </p:anim>
+                                    <p:anim calcmode="lin" valueType="num">
+                                      <p:cBhvr additive="base">
+                                        <p:cTn id="8" dur="500" fill="hold"/>
+                                        <p:tgtEl>
+                                          <p:spTgt spid="4"/>
+                                        </p:tgtEl>
+                                        <p:attrNameLst>
+                                          <p:attrName>ppt_y</p:attrName>
+                                        </p:attrNameLst>
+                                      </p:cBhvr>
+                                      <p:tavLst>
+                                        <p:tav tm="0">
+                                          <p:val>
+                                            <p:strVal val="1+#ppt_h/2"/>
+                                          </p:val>
+                                        </p:tav>
+                                        <p:tav tm="100000">
+                                          <p:val>
+                                            <p:strVal val="#ppt_y"/>
+                                          </p:val>
+                                        </p:tav>
+                                      </p:tavLst>
+                                    </p:anim>
+                                  </p:childTnLst>
+                                </p:cTn>
+                              </p:par>
+                            </p:childTnLst>
+                          </p:cTn>
+                        </p:par>
+                      </p:childTnLst>
+                    </p:cTn>
+                  </p:par>
+                  <p:par>
+                    <p:cTn id="9" fill="hold">
+                      <p:stCondLst>
+                        <p:cond delay="indefinite"/>
+                      </p:stCondLst>
+                      <p:childTnLst>
+                        <p:par>
+                          <p:cTn id="10" fill="hold">
+                            <p:stCondLst>
+                              <p:cond delay="0"/>
+                            </p:stCondLst>
+                            <p:childTnLst>
+                              <p:par>
+                                <p:cTn id="11" presetID="2" presetClass="entr" presetSubtype="4" fill="hold" nodeType="clickEffect">
+                                  <p:stCondLst>
+                                    <p:cond delay="0"/>
+                                  </p:stCondLst>
+                                  <p:childTnLst>
+                                    <p:set>
+                                      <p:cBhvr>
+                                        <p:cTn id="12" dur="1" fill="hold">
+                                          <p:stCondLst>
+                                            <p:cond delay="0"/>
+                                          </p:stCondLst>
+                                        </p:cTn>
+                                        <p:tgtEl>
+                                          <p:spTgt spid="5"/>
+                                        </p:tgtEl>
+                                        <p:attrNameLst>
+                                          <p:attrName>style.visibility</p:attrName>
+                                        </p:attrNameLst>
+                                      </p:cBhvr>
+                                      <p:to>
+                                        <p:strVal val="visible"/>
+                                      </p:to>
+                                    </p:set>
+                                    <p:anim calcmode="lin" valueType="num">
+                                      <p:cBhvr additive="base">
+                                        <p:cTn id="13" dur="500" fill="hold"/>
+                                        <p:tgtEl>
+                                          <p:spTgt spid="5"/>
+                                        </p:tgtEl>
+                                        <p:attrNameLst>
+                                          <p:attrName>ppt_x</p:attrName>
+                                        </p:attrNameLst>
+                                      </p:cBhvr>
+                                      <p:tavLst>
+                                        <p:tav tm="0">
+                                          <p:val>
+                                            <p:strVal val="#ppt_x"/>
+                                          </p:val>
+                                        </p:tav>
+                                        <p:tav tm="100000">
+                                          <p:val>
+                                            <p:strVal val="#ppt_x"/>
+                                          </p:val>
+                                        </p:tav>
+                                      </p:tavLst>
+                                    </p:anim>
+                                    <p:anim calcmode="lin" valueType="num">
+                                      <p:cBhvr additive="base">
+                                        <p:cTn id="14" dur="500" fill="hold"/>
+                                        <p:tgtEl>
+                                          <p:spTgt spid="5"/>
+                                        </p:tgtEl>
+                                        <p:attrNameLst>
+                                          <p:attrName>ppt_y</p:attrName>
+                                        </p:attrNameLst>
+                                      </p:cBhvr>
+                                      <p:tavLst>
+                                        <p:tav tm="0">
+                                          <p:val>
+                                            <p:strVal val="1+#ppt_h/2"/>
+                                          </p:val>
+                                        </p:tav>
+                                        <p:tav tm="100000">
+                                          <p:val>
+                                            <p:strVal val="#ppt_y"/>
+                                          </p:val>
+                                        </p:tav>
+                                      </p:tavLst>
+                                    </p:anim>
+                                  </p:childTnLst>
+                                </p:cTn>
+                              </p:par>
+                            </p:childTnLst>
+                          </p:cTn>
+                        </p:par>
+                      </p:childTnLst>
+                    </p:cTn>
+                  </p:par>
+                  <p:par>
+                    <p:cTn id="15" fill="hold">
+                      <p:stCondLst>
+                        <p:cond delay="indefinite"/>
+                      </p:stCondLst>
+                      <p:childTnLst>
+                        <p:par>
+                          <p:cTn id="16" fill="hold">
+                            <p:stCondLst>
+                              <p:cond delay="0"/>
+                            </p:stCondLst>
+                            <p:childTnLst>
+                              <p:par>
+                                <p:cTn id="17" presetID="2" presetClass="exit" presetSubtype="4" fill="hold" nodeType="clickEffect">
+                                  <p:stCondLst>
+                                    <p:cond delay="0"/>
+                                  </p:stCondLst>
+                                  <p:childTnLst>
+                                    <p:anim calcmode="lin" valueType="num">
+                                      <p:cBhvr additive="base">
+                                        <p:cTn id="18" dur="500"/>
+                                        <p:tgtEl>
+                                          <p:spTgt spid="4"/>
+                                        </p:tgtEl>
+                                        <p:attrNameLst>
+                                          <p:attrName>ppt_x</p:attrName>
+                                        </p:attrNameLst>
+                                      </p:cBhvr>
+                                      <p:tavLst>
+                                        <p:tav tm="0">
+                                          <p:val>
+                                            <p:strVal val="ppt_x"/>
+                                          </p:val>
+                                        </p:tav>
+                                        <p:tav tm="100000">
+                                          <p:val>
+                                            <p:strVal val="ppt_x"/>
+                                          </p:val>
+                                        </p:tav>
+                                      </p:tavLst>
+                                    </p:anim>
+                                    <p:anim calcmode="lin" valueType="num">
+                                      <p:cBhvr additive="base">
+                                        <p:cTn id="19" dur="500"/>
+                                        <p:tgtEl>
+                                          <p:spTgt spid="4"/>
+                                        </p:tgtEl>
+                                        <p:attrNameLst>
+                                          <p:attrName>ppt_y</p:attrName>
+                                        </p:attrNameLst>
+                                      </p:cBhvr>
+                                      <p:tavLst>
+                                        <p:tav tm="0">
+                                          <p:val>
+                                            <p:strVal val="ppt_y"/>
+                                          </p:val>
+                                        </p:tav>
+                                        <p:tav tm="100000">
+                                          <p:val>
+                                            <p:strVal val="1+ppt_h/2"/>
+                                          </p:val>
+                                        </p:tav>
+                                      </p:tavLst>
+                                    </p:anim>
+                                    <p:set>
+                                      <p:cBhvr>
+                                        <p:cTn id="20" dur="1" fill="hold">
+                                          <p:stCondLst>
+                                            <p:cond delay="499"/>
+                                          </p:stCondLst>
+                                        </p:cTn>
+                                        <p:tgtEl>
+                                          <p:spTgt spid="4"/>
+                                        </p:tgtEl>
+                                        <p:attrNameLst>
+                                          <p:attrName>style.visibility</p:attrName>
+                                        </p:attrNameLst>
+                                      </p:cBhvr>
+                                      <p:to>
+                                        <p:strVal val="hidden"/>
+                                      </p:to>
+                                    </p:set>
+                                  </p:childTnLst>
+                                </p:cTn>
+                              </p:par>
+                            </p:childTnLst>
+                          </p:cTn>
+                        </p:par>
+                      </p:childTnLst>
+                    </p:cTn>
+                  </p:par>
+                  <p:par>
+                    <p:cTn id="21" fill="hold">
+                      <p:stCondLst>
+                        <p:cond delay="indefinite"/>
+                      </p:stCondLst>
+                      <p:childTnLst>
+                        <p:par>
+                          <p:cTn id="22" fill="hold">
+                            <p:stCondLst>
+                              <p:cond delay="0"/>
+                            </p:stCondLst>
+                            <p:childTnLst>
+                              <p:par>
+                                <p:cTn id="23" presetID="2" presetClass="exit" presetSubtype="4" fill="hold" nodeType="clickEffect">
+                                  <p:stCondLst>
+                                    <p:cond delay="0"/>
+                                  </p:stCondLst>
+                                  <p:childTnLst>
+                                    <p:anim calcmode="lin" valueType="num">
+                                      <p:cBhvr additive="base">
+                                        <p:cTn id="24" dur="500"/>
+                                        <p:tgtEl>
+                                          <p:spTgt spid="5"/>
+                                        </p:tgtEl>
+                                        <p:attrNameLst>
+                                          <p:attrName>ppt_x</p:attrName>
+                                        </p:attrNameLst>
+                                      </p:cBhvr>
+                                      <p:tavLst>
+                                        <p:tav tm="0">
+                                          <p:val>
+                                            <p:strVal val="ppt_x"/>
+                                          </p:val>
+                                        </p:tav>
+                                        <p:tav tm="100000">
+                                          <p:val>
+                                            <p:strVal val="ppt_x"/>
+                                          </p:val>
+                                        </p:tav>
+                                      </p:tavLst>
+                                    </p:anim>
+                                    <p:anim calcmode="lin" valueType="num">
+                                      <p:cBhvr additive="base">
+                                        <p:cTn id="25" dur="500"/>
+                                        <p:tgtEl>
+                                          <p:spTgt spid="5"/>
+                                        </p:tgtEl>
+                                        <p:attrNameLst>
+                                          <p:attrName>ppt_y</p:attrName>
+                                        </p:attrNameLst>
+                                      </p:cBhvr>
+                                      <p:tavLst>
+                                        <p:tav tm="0">
+                                          <p:val>
+                                            <p:strVal val="ppt_y"/>
+                                          </p:val>
+                                        </p:tav>
+                                        <p:tav tm="100000">
+                                          <p:val>
+                                            <p:strVal val="1+ppt_h/2"/>
+                                          </p:val>
+                                        </p:tav>
+                                      </p:tavLst>
+                                    </p:anim>
+                                    <p:set>
+                                      <p:cBhvr>
+                                        <p:cTn id="26" dur="1" fill="hold">
+                                          <p:stCondLst>
+                                            <p:cond delay="499"/>
+                                          </p:stCondLst>
+                                        </p:cTn>
+                                        <p:tgtEl>
+                                          <p:spTgt spid="5"/>
+                                        </p:tgtEl>
+                                        <p:attrNameLst>
+                                          <p:attrName>style.visibility</p:attrName>
+                                        </p:attrNameLst>
+                                      </p:cBhvr>
+                                      <p:to>
+                                        <p:strVal val="hidden"/>
+                                      </p:to>
+                                    </p:set>
+                                  </p:childTnLst>
+                                </p:cTn>
+                              </p:par>
+                            </p:childTnLst>
+                          </p:cTn>
+                        </p:par>
+                      </p:childTnLst>
+                    </p:cTn>
+                  </p:par>
+                </p:childTnLst>
+              </p:cTn>
+              <p:prevCondLst>
+                <p:cond evt="onPrev" delay="0">
+                  <p:tgtEl>
+                    <p:sldTgt/>
+                  </p:tgtEl>
+                </p:cond>
+              </p:prevCondLst>
+              <p:nextCondLst>
+                <p:cond evt="onNext" delay="0">
+                  <p:tgtEl>
+                    <p:sldTgt/>
+                  </p:tgtEl>
+                </p:cond>
+              </p:nextCondLst>
+            </p:seq>
+          </p:childTnLst>
+        </p:cTn>
       </p:par>
     </p:tnLst>
   </p:timing>
@@ -4515,6 +5352,9 @@
   <p:clrMapOvr>
     <a:masterClrMapping/>
   </p:clrMapOvr>
+  <p:transition xmlns:p14="http://schemas.microsoft.com/office/powerpoint/2010/main" spd="slow">
+    <p:push dir="u"/>
+  </p:transition>
   <p:timing>
     <p:tnLst>
       <p:par>
@@ -4676,6 +5516,9 @@
   <p:clrMapOvr>
     <a:masterClrMapping/>
   </p:clrMapOvr>
+  <p:transition xmlns:p14="http://schemas.microsoft.com/office/powerpoint/2010/main" spd="slow">
+    <p:push dir="u"/>
+  </p:transition>
   <p:timing>
     <p:tnLst>
       <p:par>
@@ -4722,11 +5565,7 @@
           <a:p>
             <a:r>
               <a:rPr lang="pt-BR" dirty="0" smtClean="0"/>
-              <a:t>par</a:t>
-            </a:r>
-            <a:r>
-              <a:rPr lang="pt-BR" dirty="0" smtClean="0"/>
-              <a:t>âmetros</a:t>
+              <a:t>parâmetros</a:t>
             </a:r>
             <a:endParaRPr lang="pt-BR" dirty="0"/>
           </a:p>
@@ -4943,10 +5782,130 @@
   <p:clrMapOvr>
     <a:masterClrMapping/>
   </p:clrMapOvr>
+  <p:transition xmlns:p14="http://schemas.microsoft.com/office/powerpoint/2010/main" spd="slow">
+    <p:push dir="u"/>
+  </p:transition>
   <p:timing>
     <p:tnLst>
       <p:par>
-        <p:cTn xmlns:p14="http://schemas.microsoft.com/office/powerpoint/2010/main" id="1" dur="indefinite" restart="never" nodeType="tmRoot"/>
+        <p:cTn xmlns:p14="http://schemas.microsoft.com/office/powerpoint/2010/main" id="1" dur="indefinite" restart="never" nodeType="tmRoot">
+          <p:childTnLst>
+            <p:seq concurrent="1" nextAc="seek">
+              <p:cTn id="2" dur="indefinite" nodeType="mainSeq">
+                <p:childTnLst>
+                  <p:par>
+                    <p:cTn id="3" fill="hold">
+                      <p:stCondLst>
+                        <p:cond delay="indefinite"/>
+                        <p:cond evt="onBegin" delay="0">
+                          <p:tn val="2"/>
+                        </p:cond>
+                      </p:stCondLst>
+                      <p:childTnLst>
+                        <p:par>
+                          <p:cTn id="4" fill="hold">
+                            <p:stCondLst>
+                              <p:cond delay="0"/>
+                            </p:stCondLst>
+                            <p:childTnLst>
+                              <p:par>
+                                <p:cTn id="5" presetID="2" presetClass="entr" presetSubtype="4" fill="hold" nodeType="afterEffect">
+                                  <p:stCondLst>
+                                    <p:cond delay="0"/>
+                                  </p:stCondLst>
+                                  <p:childTnLst>
+                                    <p:set>
+                                      <p:cBhvr>
+                                        <p:cTn id="6" dur="1" fill="hold">
+                                          <p:stCondLst>
+                                            <p:cond delay="0"/>
+                                          </p:stCondLst>
+                                        </p:cTn>
+                                        <p:tgtEl>
+                                          <p:spTgt spid="5"/>
+                                        </p:tgtEl>
+                                        <p:attrNameLst>
+                                          <p:attrName>style.visibility</p:attrName>
+                                        </p:attrNameLst>
+                                      </p:cBhvr>
+                                      <p:to>
+                                        <p:strVal val="visible"/>
+                                      </p:to>
+                                    </p:set>
+                                    <p:anim calcmode="lin" valueType="num">
+                                      <p:cBhvr additive="base">
+                                        <p:cTn id="7" dur="500" fill="hold"/>
+                                        <p:tgtEl>
+                                          <p:spTgt spid="5"/>
+                                        </p:tgtEl>
+                                        <p:attrNameLst>
+                                          <p:attrName>ppt_x</p:attrName>
+                                        </p:attrNameLst>
+                                      </p:cBhvr>
+                                      <p:tavLst>
+                                        <p:tav tm="0">
+                                          <p:val>
+                                            <p:strVal val="#ppt_x"/>
+                                          </p:val>
+                                        </p:tav>
+                                        <p:tav tm="100000">
+                                          <p:val>
+                                            <p:strVal val="#ppt_x"/>
+                                          </p:val>
+                                        </p:tav>
+                                      </p:tavLst>
+                                    </p:anim>
+                                    <p:anim calcmode="lin" valueType="num">
+                                      <p:cBhvr additive="base">
+                                        <p:cTn id="8" dur="500" fill="hold"/>
+                                        <p:tgtEl>
+                                          <p:spTgt spid="5"/>
+                                        </p:tgtEl>
+                                        <p:attrNameLst>
+                                          <p:attrName>ppt_y</p:attrName>
+                                        </p:attrNameLst>
+                                      </p:cBhvr>
+                                      <p:tavLst>
+                                        <p:tav tm="0">
+                                          <p:val>
+                                            <p:strVal val="1+#ppt_h/2"/>
+                                          </p:val>
+                                        </p:tav>
+                                        <p:tav tm="100000">
+                                          <p:val>
+                                            <p:strVal val="#ppt_y"/>
+                                          </p:val>
+                                        </p:tav>
+                                      </p:tavLst>
+                                    </p:anim>
+                                  </p:childTnLst>
+                                </p:cTn>
+                              </p:par>
+                            </p:childTnLst>
+                          </p:cTn>
+                        </p:par>
+                      </p:childTnLst>
+                    </p:cTn>
+                  </p:par>
+                </p:childTnLst>
+              </p:cTn>
+              <p:prevCondLst>
+                <p:cond evt="onPrev" delay="0">
+                  <p:tgtEl>
+                    <p:sldTgt/>
+                  </p:tgtEl>
+                </p:cond>
+              </p:prevCondLst>
+              <p:nextCondLst>
+                <p:cond evt="onNext" delay="0">
+                  <p:tgtEl>
+                    <p:sldTgt/>
+                  </p:tgtEl>
+                </p:cond>
+              </p:nextCondLst>
+            </p:seq>
+          </p:childTnLst>
+        </p:cTn>
       </p:par>
     </p:tnLst>
   </p:timing>
@@ -5011,6 +5970,9 @@
   <p:clrMapOvr>
     <a:masterClrMapping/>
   </p:clrMapOvr>
+  <p:transition xmlns:p14="http://schemas.microsoft.com/office/powerpoint/2010/main" spd="slow">
+    <p:push dir="u"/>
+  </p:transition>
   <p:timing>
     <p:tnLst>
       <p:par>
@@ -5663,6 +6625,9 @@
   <p:clrMapOvr>
     <a:masterClrMapping/>
   </p:clrMapOvr>
+  <p:transition xmlns:p14="http://schemas.microsoft.com/office/powerpoint/2010/main" spd="slow">
+    <p:push dir="u"/>
+  </p:transition>
   <p:timing>
     <p:tnLst>
       <p:par>
@@ -5803,6 +6768,30 @@
           </a:prstGeom>
         </p:spPr>
       </p:pic>
+      <p:pic>
+        <p:nvPicPr>
+          <p:cNvPr id="3" name="Picture 2"/>
+          <p:cNvPicPr>
+            <a:picLocks noChangeAspect="1"/>
+          </p:cNvPicPr>
+          <p:nvPr/>
+        </p:nvPicPr>
+        <p:blipFill>
+          <a:blip r:embed="rId5"/>
+          <a:stretch>
+            <a:fillRect/>
+          </a:stretch>
+        </p:blipFill>
+        <p:spPr>
+          <a:xfrm>
+            <a:off x="4699696" y="3979333"/>
+            <a:ext cx="3097410" cy="2311443"/>
+          </a:xfrm>
+          <a:prstGeom prst="rect">
+            <a:avLst/>
+          </a:prstGeom>
+        </p:spPr>
+      </p:pic>
     </p:spTree>
     <p:extLst>
       <p:ext uri="{BB962C8B-B14F-4D97-AF65-F5344CB8AC3E}">
@@ -5813,10 +6802,710 @@
   <p:clrMapOvr>
     <a:masterClrMapping/>
   </p:clrMapOvr>
+  <p:transition xmlns:p14="http://schemas.microsoft.com/office/powerpoint/2010/main" spd="slow">
+    <p:push dir="u"/>
+  </p:transition>
   <p:timing>
     <p:tnLst>
       <p:par>
-        <p:cTn xmlns:p14="http://schemas.microsoft.com/office/powerpoint/2010/main" id="1" dur="indefinite" restart="never" nodeType="tmRoot"/>
+        <p:cTn xmlns:p14="http://schemas.microsoft.com/office/powerpoint/2010/main" id="1" dur="indefinite" restart="never" nodeType="tmRoot">
+          <p:childTnLst>
+            <p:seq concurrent="1" nextAc="seek">
+              <p:cTn id="2" dur="indefinite" nodeType="mainSeq">
+                <p:childTnLst>
+                  <p:par>
+                    <p:cTn id="3" fill="hold">
+                      <p:stCondLst>
+                        <p:cond delay="indefinite"/>
+                      </p:stCondLst>
+                      <p:childTnLst>
+                        <p:par>
+                          <p:cTn id="4" fill="hold">
+                            <p:stCondLst>
+                              <p:cond delay="0"/>
+                            </p:stCondLst>
+                            <p:childTnLst>
+                              <p:par>
+                                <p:cTn id="5" presetID="2" presetClass="entr" presetSubtype="4" fill="hold" nodeType="clickEffect">
+                                  <p:stCondLst>
+                                    <p:cond delay="0"/>
+                                  </p:stCondLst>
+                                  <p:childTnLst>
+                                    <p:set>
+                                      <p:cBhvr>
+                                        <p:cTn id="6" dur="1" fill="hold">
+                                          <p:stCondLst>
+                                            <p:cond delay="0"/>
+                                          </p:stCondLst>
+                                        </p:cTn>
+                                        <p:tgtEl>
+                                          <p:spTgt spid="9"/>
+                                        </p:tgtEl>
+                                        <p:attrNameLst>
+                                          <p:attrName>style.visibility</p:attrName>
+                                        </p:attrNameLst>
+                                      </p:cBhvr>
+                                      <p:to>
+                                        <p:strVal val="visible"/>
+                                      </p:to>
+                                    </p:set>
+                                    <p:anim calcmode="lin" valueType="num">
+                                      <p:cBhvr additive="base">
+                                        <p:cTn id="7" dur="500" fill="hold"/>
+                                        <p:tgtEl>
+                                          <p:spTgt spid="9"/>
+                                        </p:tgtEl>
+                                        <p:attrNameLst>
+                                          <p:attrName>ppt_x</p:attrName>
+                                        </p:attrNameLst>
+                                      </p:cBhvr>
+                                      <p:tavLst>
+                                        <p:tav tm="0">
+                                          <p:val>
+                                            <p:strVal val="#ppt_x"/>
+                                          </p:val>
+                                        </p:tav>
+                                        <p:tav tm="100000">
+                                          <p:val>
+                                            <p:strVal val="#ppt_x"/>
+                                          </p:val>
+                                        </p:tav>
+                                      </p:tavLst>
+                                    </p:anim>
+                                    <p:anim calcmode="lin" valueType="num">
+                                      <p:cBhvr additive="base">
+                                        <p:cTn id="8" dur="500" fill="hold"/>
+                                        <p:tgtEl>
+                                          <p:spTgt spid="9"/>
+                                        </p:tgtEl>
+                                        <p:attrNameLst>
+                                          <p:attrName>ppt_y</p:attrName>
+                                        </p:attrNameLst>
+                                      </p:cBhvr>
+                                      <p:tavLst>
+                                        <p:tav tm="0">
+                                          <p:val>
+                                            <p:strVal val="1+#ppt_h/2"/>
+                                          </p:val>
+                                        </p:tav>
+                                        <p:tav tm="100000">
+                                          <p:val>
+                                            <p:strVal val="#ppt_y"/>
+                                          </p:val>
+                                        </p:tav>
+                                      </p:tavLst>
+                                    </p:anim>
+                                  </p:childTnLst>
+                                </p:cTn>
+                              </p:par>
+                            </p:childTnLst>
+                          </p:cTn>
+                        </p:par>
+                      </p:childTnLst>
+                    </p:cTn>
+                  </p:par>
+                  <p:par>
+                    <p:cTn id="9" fill="hold">
+                      <p:stCondLst>
+                        <p:cond delay="indefinite"/>
+                      </p:stCondLst>
+                      <p:childTnLst>
+                        <p:par>
+                          <p:cTn id="10" fill="hold">
+                            <p:stCondLst>
+                              <p:cond delay="0"/>
+                            </p:stCondLst>
+                            <p:childTnLst>
+                              <p:par>
+                                <p:cTn id="11" presetID="2" presetClass="entr" presetSubtype="4" fill="hold" nodeType="clickEffect">
+                                  <p:stCondLst>
+                                    <p:cond delay="0"/>
+                                  </p:stCondLst>
+                                  <p:childTnLst>
+                                    <p:set>
+                                      <p:cBhvr>
+                                        <p:cTn id="12" dur="1" fill="hold">
+                                          <p:stCondLst>
+                                            <p:cond delay="0"/>
+                                          </p:stCondLst>
+                                        </p:cTn>
+                                        <p:tgtEl>
+                                          <p:spTgt spid="10"/>
+                                        </p:tgtEl>
+                                        <p:attrNameLst>
+                                          <p:attrName>style.visibility</p:attrName>
+                                        </p:attrNameLst>
+                                      </p:cBhvr>
+                                      <p:to>
+                                        <p:strVal val="visible"/>
+                                      </p:to>
+                                    </p:set>
+                                    <p:anim calcmode="lin" valueType="num">
+                                      <p:cBhvr additive="base">
+                                        <p:cTn id="13" dur="500" fill="hold"/>
+                                        <p:tgtEl>
+                                          <p:spTgt spid="10"/>
+                                        </p:tgtEl>
+                                        <p:attrNameLst>
+                                          <p:attrName>ppt_x</p:attrName>
+                                        </p:attrNameLst>
+                                      </p:cBhvr>
+                                      <p:tavLst>
+                                        <p:tav tm="0">
+                                          <p:val>
+                                            <p:strVal val="#ppt_x"/>
+                                          </p:val>
+                                        </p:tav>
+                                        <p:tav tm="100000">
+                                          <p:val>
+                                            <p:strVal val="#ppt_x"/>
+                                          </p:val>
+                                        </p:tav>
+                                      </p:tavLst>
+                                    </p:anim>
+                                    <p:anim calcmode="lin" valueType="num">
+                                      <p:cBhvr additive="base">
+                                        <p:cTn id="14" dur="500" fill="hold"/>
+                                        <p:tgtEl>
+                                          <p:spTgt spid="10"/>
+                                        </p:tgtEl>
+                                        <p:attrNameLst>
+                                          <p:attrName>ppt_y</p:attrName>
+                                        </p:attrNameLst>
+                                      </p:cBhvr>
+                                      <p:tavLst>
+                                        <p:tav tm="0">
+                                          <p:val>
+                                            <p:strVal val="1+#ppt_h/2"/>
+                                          </p:val>
+                                        </p:tav>
+                                        <p:tav tm="100000">
+                                          <p:val>
+                                            <p:strVal val="#ppt_y"/>
+                                          </p:val>
+                                        </p:tav>
+                                      </p:tavLst>
+                                    </p:anim>
+                                  </p:childTnLst>
+                                </p:cTn>
+                              </p:par>
+                            </p:childTnLst>
+                          </p:cTn>
+                        </p:par>
+                      </p:childTnLst>
+                    </p:cTn>
+                  </p:par>
+                  <p:par>
+                    <p:cTn id="15" fill="hold">
+                      <p:stCondLst>
+                        <p:cond delay="indefinite"/>
+                      </p:stCondLst>
+                      <p:childTnLst>
+                        <p:par>
+                          <p:cTn id="16" fill="hold">
+                            <p:stCondLst>
+                              <p:cond delay="0"/>
+                            </p:stCondLst>
+                            <p:childTnLst>
+                              <p:par>
+                                <p:cTn id="17" presetID="2" presetClass="entr" presetSubtype="4" fill="hold" nodeType="clickEffect">
+                                  <p:stCondLst>
+                                    <p:cond delay="0"/>
+                                  </p:stCondLst>
+                                  <p:childTnLst>
+                                    <p:set>
+                                      <p:cBhvr>
+                                        <p:cTn id="18" dur="1" fill="hold">
+                                          <p:stCondLst>
+                                            <p:cond delay="0"/>
+                                          </p:stCondLst>
+                                        </p:cTn>
+                                        <p:tgtEl>
+                                          <p:spTgt spid="8"/>
+                                        </p:tgtEl>
+                                        <p:attrNameLst>
+                                          <p:attrName>style.visibility</p:attrName>
+                                        </p:attrNameLst>
+                                      </p:cBhvr>
+                                      <p:to>
+                                        <p:strVal val="visible"/>
+                                      </p:to>
+                                    </p:set>
+                                    <p:anim calcmode="lin" valueType="num">
+                                      <p:cBhvr additive="base">
+                                        <p:cTn id="19" dur="500" fill="hold"/>
+                                        <p:tgtEl>
+                                          <p:spTgt spid="8"/>
+                                        </p:tgtEl>
+                                        <p:attrNameLst>
+                                          <p:attrName>ppt_x</p:attrName>
+                                        </p:attrNameLst>
+                                      </p:cBhvr>
+                                      <p:tavLst>
+                                        <p:tav tm="0">
+                                          <p:val>
+                                            <p:strVal val="#ppt_x"/>
+                                          </p:val>
+                                        </p:tav>
+                                        <p:tav tm="100000">
+                                          <p:val>
+                                            <p:strVal val="#ppt_x"/>
+                                          </p:val>
+                                        </p:tav>
+                                      </p:tavLst>
+                                    </p:anim>
+                                    <p:anim calcmode="lin" valueType="num">
+                                      <p:cBhvr additive="base">
+                                        <p:cTn id="20" dur="500" fill="hold"/>
+                                        <p:tgtEl>
+                                          <p:spTgt spid="8"/>
+                                        </p:tgtEl>
+                                        <p:attrNameLst>
+                                          <p:attrName>ppt_y</p:attrName>
+                                        </p:attrNameLst>
+                                      </p:cBhvr>
+                                      <p:tavLst>
+                                        <p:tav tm="0">
+                                          <p:val>
+                                            <p:strVal val="1+#ppt_h/2"/>
+                                          </p:val>
+                                        </p:tav>
+                                        <p:tav tm="100000">
+                                          <p:val>
+                                            <p:strVal val="#ppt_y"/>
+                                          </p:val>
+                                        </p:tav>
+                                      </p:tavLst>
+                                    </p:anim>
+                                  </p:childTnLst>
+                                </p:cTn>
+                              </p:par>
+                            </p:childTnLst>
+                          </p:cTn>
+                        </p:par>
+                      </p:childTnLst>
+                    </p:cTn>
+                  </p:par>
+                  <p:par>
+                    <p:cTn id="21" fill="hold">
+                      <p:stCondLst>
+                        <p:cond delay="indefinite"/>
+                      </p:stCondLst>
+                      <p:childTnLst>
+                        <p:par>
+                          <p:cTn id="22" fill="hold">
+                            <p:stCondLst>
+                              <p:cond delay="0"/>
+                            </p:stCondLst>
+                            <p:childTnLst>
+                              <p:par>
+                                <p:cTn id="23" presetID="2" presetClass="entr" presetSubtype="4" fill="hold" nodeType="clickEffect">
+                                  <p:stCondLst>
+                                    <p:cond delay="0"/>
+                                  </p:stCondLst>
+                                  <p:childTnLst>
+                                    <p:set>
+                                      <p:cBhvr>
+                                        <p:cTn id="24" dur="1" fill="hold">
+                                          <p:stCondLst>
+                                            <p:cond delay="0"/>
+                                          </p:stCondLst>
+                                        </p:cTn>
+                                        <p:tgtEl>
+                                          <p:spTgt spid="3"/>
+                                        </p:tgtEl>
+                                        <p:attrNameLst>
+                                          <p:attrName>style.visibility</p:attrName>
+                                        </p:attrNameLst>
+                                      </p:cBhvr>
+                                      <p:to>
+                                        <p:strVal val="visible"/>
+                                      </p:to>
+                                    </p:set>
+                                    <p:anim calcmode="lin" valueType="num">
+                                      <p:cBhvr additive="base">
+                                        <p:cTn id="25" dur="500" fill="hold"/>
+                                        <p:tgtEl>
+                                          <p:spTgt spid="3"/>
+                                        </p:tgtEl>
+                                        <p:attrNameLst>
+                                          <p:attrName>ppt_x</p:attrName>
+                                        </p:attrNameLst>
+                                      </p:cBhvr>
+                                      <p:tavLst>
+                                        <p:tav tm="0">
+                                          <p:val>
+                                            <p:strVal val="#ppt_x"/>
+                                          </p:val>
+                                        </p:tav>
+                                        <p:tav tm="100000">
+                                          <p:val>
+                                            <p:strVal val="#ppt_x"/>
+                                          </p:val>
+                                        </p:tav>
+                                      </p:tavLst>
+                                    </p:anim>
+                                    <p:anim calcmode="lin" valueType="num">
+                                      <p:cBhvr additive="base">
+                                        <p:cTn id="26" dur="500" fill="hold"/>
+                                        <p:tgtEl>
+                                          <p:spTgt spid="3"/>
+                                        </p:tgtEl>
+                                        <p:attrNameLst>
+                                          <p:attrName>ppt_y</p:attrName>
+                                        </p:attrNameLst>
+                                      </p:cBhvr>
+                                      <p:tavLst>
+                                        <p:tav tm="0">
+                                          <p:val>
+                                            <p:strVal val="1+#ppt_h/2"/>
+                                          </p:val>
+                                        </p:tav>
+                                        <p:tav tm="100000">
+                                          <p:val>
+                                            <p:strVal val="#ppt_y"/>
+                                          </p:val>
+                                        </p:tav>
+                                      </p:tavLst>
+                                    </p:anim>
+                                  </p:childTnLst>
+                                </p:cTn>
+                              </p:par>
+                            </p:childTnLst>
+                          </p:cTn>
+                        </p:par>
+                      </p:childTnLst>
+                    </p:cTn>
+                  </p:par>
+                  <p:par>
+                    <p:cTn id="27" fill="hold">
+                      <p:stCondLst>
+                        <p:cond delay="indefinite"/>
+                      </p:stCondLst>
+                      <p:childTnLst>
+                        <p:par>
+                          <p:cTn id="28" fill="hold">
+                            <p:stCondLst>
+                              <p:cond delay="0"/>
+                            </p:stCondLst>
+                            <p:childTnLst>
+                              <p:par>
+                                <p:cTn id="29" presetID="2" presetClass="exit" presetSubtype="4" fill="hold" nodeType="clickEffect">
+                                  <p:stCondLst>
+                                    <p:cond delay="0"/>
+                                  </p:stCondLst>
+                                  <p:childTnLst>
+                                    <p:anim calcmode="lin" valueType="num">
+                                      <p:cBhvr additive="base">
+                                        <p:cTn id="30" dur="500"/>
+                                        <p:tgtEl>
+                                          <p:spTgt spid="8"/>
+                                        </p:tgtEl>
+                                        <p:attrNameLst>
+                                          <p:attrName>ppt_x</p:attrName>
+                                        </p:attrNameLst>
+                                      </p:cBhvr>
+                                      <p:tavLst>
+                                        <p:tav tm="0">
+                                          <p:val>
+                                            <p:strVal val="ppt_x"/>
+                                          </p:val>
+                                        </p:tav>
+                                        <p:tav tm="100000">
+                                          <p:val>
+                                            <p:strVal val="ppt_x"/>
+                                          </p:val>
+                                        </p:tav>
+                                      </p:tavLst>
+                                    </p:anim>
+                                    <p:anim calcmode="lin" valueType="num">
+                                      <p:cBhvr additive="base">
+                                        <p:cTn id="31" dur="500"/>
+                                        <p:tgtEl>
+                                          <p:spTgt spid="8"/>
+                                        </p:tgtEl>
+                                        <p:attrNameLst>
+                                          <p:attrName>ppt_y</p:attrName>
+                                        </p:attrNameLst>
+                                      </p:cBhvr>
+                                      <p:tavLst>
+                                        <p:tav tm="0">
+                                          <p:val>
+                                            <p:strVal val="ppt_y"/>
+                                          </p:val>
+                                        </p:tav>
+                                        <p:tav tm="100000">
+                                          <p:val>
+                                            <p:strVal val="1+ppt_h/2"/>
+                                          </p:val>
+                                        </p:tav>
+                                      </p:tavLst>
+                                    </p:anim>
+                                    <p:set>
+                                      <p:cBhvr>
+                                        <p:cTn id="32" dur="1" fill="hold">
+                                          <p:stCondLst>
+                                            <p:cond delay="499"/>
+                                          </p:stCondLst>
+                                        </p:cTn>
+                                        <p:tgtEl>
+                                          <p:spTgt spid="8"/>
+                                        </p:tgtEl>
+                                        <p:attrNameLst>
+                                          <p:attrName>style.visibility</p:attrName>
+                                        </p:attrNameLst>
+                                      </p:cBhvr>
+                                      <p:to>
+                                        <p:strVal val="hidden"/>
+                                      </p:to>
+                                    </p:set>
+                                  </p:childTnLst>
+                                </p:cTn>
+                              </p:par>
+                              <p:par>
+                                <p:cTn id="33" presetID="2" presetClass="exit" presetSubtype="4" fill="hold" nodeType="withEffect">
+                                  <p:stCondLst>
+                                    <p:cond delay="0"/>
+                                  </p:stCondLst>
+                                  <p:childTnLst>
+                                    <p:anim calcmode="lin" valueType="num">
+                                      <p:cBhvr additive="base">
+                                        <p:cTn id="34" dur="500"/>
+                                        <p:tgtEl>
+                                          <p:spTgt spid="9"/>
+                                        </p:tgtEl>
+                                        <p:attrNameLst>
+                                          <p:attrName>ppt_x</p:attrName>
+                                        </p:attrNameLst>
+                                      </p:cBhvr>
+                                      <p:tavLst>
+                                        <p:tav tm="0">
+                                          <p:val>
+                                            <p:strVal val="ppt_x"/>
+                                          </p:val>
+                                        </p:tav>
+                                        <p:tav tm="100000">
+                                          <p:val>
+                                            <p:strVal val="ppt_x"/>
+                                          </p:val>
+                                        </p:tav>
+                                      </p:tavLst>
+                                    </p:anim>
+                                    <p:anim calcmode="lin" valueType="num">
+                                      <p:cBhvr additive="base">
+                                        <p:cTn id="35" dur="500"/>
+                                        <p:tgtEl>
+                                          <p:spTgt spid="9"/>
+                                        </p:tgtEl>
+                                        <p:attrNameLst>
+                                          <p:attrName>ppt_y</p:attrName>
+                                        </p:attrNameLst>
+                                      </p:cBhvr>
+                                      <p:tavLst>
+                                        <p:tav tm="0">
+                                          <p:val>
+                                            <p:strVal val="ppt_y"/>
+                                          </p:val>
+                                        </p:tav>
+                                        <p:tav tm="100000">
+                                          <p:val>
+                                            <p:strVal val="1+ppt_h/2"/>
+                                          </p:val>
+                                        </p:tav>
+                                      </p:tavLst>
+                                    </p:anim>
+                                    <p:set>
+                                      <p:cBhvr>
+                                        <p:cTn id="36" dur="1" fill="hold">
+                                          <p:stCondLst>
+                                            <p:cond delay="499"/>
+                                          </p:stCondLst>
+                                        </p:cTn>
+                                        <p:tgtEl>
+                                          <p:spTgt spid="9"/>
+                                        </p:tgtEl>
+                                        <p:attrNameLst>
+                                          <p:attrName>style.visibility</p:attrName>
+                                        </p:attrNameLst>
+                                      </p:cBhvr>
+                                      <p:to>
+                                        <p:strVal val="hidden"/>
+                                      </p:to>
+                                    </p:set>
+                                  </p:childTnLst>
+                                </p:cTn>
+                              </p:par>
+                              <p:par>
+                                <p:cTn id="37" presetID="2" presetClass="exit" presetSubtype="4" fill="hold" nodeType="withEffect">
+                                  <p:stCondLst>
+                                    <p:cond delay="0"/>
+                                  </p:stCondLst>
+                                  <p:childTnLst>
+                                    <p:anim calcmode="lin" valueType="num">
+                                      <p:cBhvr additive="base">
+                                        <p:cTn id="38" dur="500"/>
+                                        <p:tgtEl>
+                                          <p:spTgt spid="10"/>
+                                        </p:tgtEl>
+                                        <p:attrNameLst>
+                                          <p:attrName>ppt_x</p:attrName>
+                                        </p:attrNameLst>
+                                      </p:cBhvr>
+                                      <p:tavLst>
+                                        <p:tav tm="0">
+                                          <p:val>
+                                            <p:strVal val="ppt_x"/>
+                                          </p:val>
+                                        </p:tav>
+                                        <p:tav tm="100000">
+                                          <p:val>
+                                            <p:strVal val="ppt_x"/>
+                                          </p:val>
+                                        </p:tav>
+                                      </p:tavLst>
+                                    </p:anim>
+                                    <p:anim calcmode="lin" valueType="num">
+                                      <p:cBhvr additive="base">
+                                        <p:cTn id="39" dur="500"/>
+                                        <p:tgtEl>
+                                          <p:spTgt spid="10"/>
+                                        </p:tgtEl>
+                                        <p:attrNameLst>
+                                          <p:attrName>ppt_y</p:attrName>
+                                        </p:attrNameLst>
+                                      </p:cBhvr>
+                                      <p:tavLst>
+                                        <p:tav tm="0">
+                                          <p:val>
+                                            <p:strVal val="ppt_y"/>
+                                          </p:val>
+                                        </p:tav>
+                                        <p:tav tm="100000">
+                                          <p:val>
+                                            <p:strVal val="1+ppt_h/2"/>
+                                          </p:val>
+                                        </p:tav>
+                                      </p:tavLst>
+                                    </p:anim>
+                                    <p:set>
+                                      <p:cBhvr>
+                                        <p:cTn id="40" dur="1" fill="hold">
+                                          <p:stCondLst>
+                                            <p:cond delay="499"/>
+                                          </p:stCondLst>
+                                        </p:cTn>
+                                        <p:tgtEl>
+                                          <p:spTgt spid="10"/>
+                                        </p:tgtEl>
+                                        <p:attrNameLst>
+                                          <p:attrName>style.visibility</p:attrName>
+                                        </p:attrNameLst>
+                                      </p:cBhvr>
+                                      <p:to>
+                                        <p:strVal val="hidden"/>
+                                      </p:to>
+                                    </p:set>
+                                  </p:childTnLst>
+                                </p:cTn>
+                              </p:par>
+                              <p:par>
+                                <p:cTn id="41" presetID="2" presetClass="exit" presetSubtype="4" fill="hold" nodeType="withEffect">
+                                  <p:stCondLst>
+                                    <p:cond delay="0"/>
+                                  </p:stCondLst>
+                                  <p:childTnLst>
+                                    <p:anim calcmode="lin" valueType="num">
+                                      <p:cBhvr additive="base">
+                                        <p:cTn id="42" dur="500"/>
+                                        <p:tgtEl>
+                                          <p:spTgt spid="3"/>
+                                        </p:tgtEl>
+                                        <p:attrNameLst>
+                                          <p:attrName>ppt_x</p:attrName>
+                                        </p:attrNameLst>
+                                      </p:cBhvr>
+                                      <p:tavLst>
+                                        <p:tav tm="0">
+                                          <p:val>
+                                            <p:strVal val="ppt_x"/>
+                                          </p:val>
+                                        </p:tav>
+                                        <p:tav tm="100000">
+                                          <p:val>
+                                            <p:strVal val="ppt_x"/>
+                                          </p:val>
+                                        </p:tav>
+                                      </p:tavLst>
+                                    </p:anim>
+                                    <p:anim calcmode="lin" valueType="num">
+                                      <p:cBhvr additive="base">
+                                        <p:cTn id="43" dur="500"/>
+                                        <p:tgtEl>
+                                          <p:spTgt spid="3"/>
+                                        </p:tgtEl>
+                                        <p:attrNameLst>
+                                          <p:attrName>ppt_y</p:attrName>
+                                        </p:attrNameLst>
+                                      </p:cBhvr>
+                                      <p:tavLst>
+                                        <p:tav tm="0">
+                                          <p:val>
+                                            <p:strVal val="ppt_y"/>
+                                          </p:val>
+                                        </p:tav>
+                                        <p:tav tm="100000">
+                                          <p:val>
+                                            <p:strVal val="1+ppt_h/2"/>
+                                          </p:val>
+                                        </p:tav>
+                                      </p:tavLst>
+                                    </p:anim>
+                                    <p:set>
+                                      <p:cBhvr>
+                                        <p:cTn id="44" dur="1" fill="hold">
+                                          <p:stCondLst>
+                                            <p:cond delay="499"/>
+                                          </p:stCondLst>
+                                        </p:cTn>
+                                        <p:tgtEl>
+                                          <p:spTgt spid="3"/>
+                                        </p:tgtEl>
+                                        <p:attrNameLst>
+                                          <p:attrName>style.visibility</p:attrName>
+                                        </p:attrNameLst>
+                                      </p:cBhvr>
+                                      <p:to>
+                                        <p:strVal val="hidden"/>
+                                      </p:to>
+                                    </p:set>
+                                  </p:childTnLst>
+                                </p:cTn>
+                              </p:par>
+                            </p:childTnLst>
+                          </p:cTn>
+                        </p:par>
+                      </p:childTnLst>
+                    </p:cTn>
+                  </p:par>
+                </p:childTnLst>
+              </p:cTn>
+              <p:prevCondLst>
+                <p:cond evt="onPrev" delay="0">
+                  <p:tgtEl>
+                    <p:sldTgt/>
+                  </p:tgtEl>
+                </p:cond>
+              </p:prevCondLst>
+              <p:nextCondLst>
+                <p:cond evt="onNext" delay="0">
+                  <p:tgtEl>
+                    <p:sldTgt/>
+                  </p:tgtEl>
+                </p:cond>
+              </p:nextCondLst>
+            </p:seq>
+          </p:childTnLst>
+        </p:cTn>
       </p:par>
     </p:tnLst>
   </p:timing>
@@ -5903,6 +7592,9 @@
   <p:clrMapOvr>
     <a:masterClrMapping/>
   </p:clrMapOvr>
+  <p:transition xmlns:p14="http://schemas.microsoft.com/office/powerpoint/2010/main" spd="slow">
+    <p:push dir="u"/>
+  </p:transition>
   <p:timing>
     <p:tnLst>
       <p:par>

--- a/Apresentação Final.pptx
+++ b/Apresentação Final.pptx
@@ -3766,7 +3766,7 @@
       </p:sp>
       <p:pic>
         <p:nvPicPr>
-          <p:cNvPr id="3" name="Picture 2"/>
+          <p:cNvPr id="4" name="Picture 3"/>
           <p:cNvPicPr>
             <a:picLocks noChangeAspect="1"/>
           </p:cNvPicPr>
@@ -3780,8 +3780,8 @@
         </p:blipFill>
         <p:spPr>
           <a:xfrm>
-            <a:off x="1111250" y="1524318"/>
-            <a:ext cx="6802010" cy="5076000"/>
+            <a:off x="686015" y="1798171"/>
+            <a:ext cx="7793993" cy="4719081"/>
           </a:xfrm>
           <a:prstGeom prst="rect">
             <a:avLst/>
@@ -6770,7 +6770,7 @@
       </p:pic>
       <p:pic>
         <p:nvPicPr>
-          <p:cNvPr id="3" name="Picture 2"/>
+          <p:cNvPr id="4" name="Picture 3"/>
           <p:cNvPicPr>
             <a:picLocks noChangeAspect="1"/>
           </p:cNvPicPr>
@@ -6784,8 +6784,8 @@
         </p:blipFill>
         <p:spPr>
           <a:xfrm>
-            <a:off x="4699696" y="3979333"/>
-            <a:ext cx="3097410" cy="2311443"/>
+            <a:off x="4251633" y="3979333"/>
+            <a:ext cx="4057527" cy="2456738"/>
           </a:xfrm>
           <a:prstGeom prst="rect">
             <a:avLst/>
@@ -6808,704 +6808,7 @@
   <p:timing>
     <p:tnLst>
       <p:par>
-        <p:cTn xmlns:p14="http://schemas.microsoft.com/office/powerpoint/2010/main" id="1" dur="indefinite" restart="never" nodeType="tmRoot">
-          <p:childTnLst>
-            <p:seq concurrent="1" nextAc="seek">
-              <p:cTn id="2" dur="indefinite" nodeType="mainSeq">
-                <p:childTnLst>
-                  <p:par>
-                    <p:cTn id="3" fill="hold">
-                      <p:stCondLst>
-                        <p:cond delay="indefinite"/>
-                      </p:stCondLst>
-                      <p:childTnLst>
-                        <p:par>
-                          <p:cTn id="4" fill="hold">
-                            <p:stCondLst>
-                              <p:cond delay="0"/>
-                            </p:stCondLst>
-                            <p:childTnLst>
-                              <p:par>
-                                <p:cTn id="5" presetID="2" presetClass="entr" presetSubtype="4" fill="hold" nodeType="clickEffect">
-                                  <p:stCondLst>
-                                    <p:cond delay="0"/>
-                                  </p:stCondLst>
-                                  <p:childTnLst>
-                                    <p:set>
-                                      <p:cBhvr>
-                                        <p:cTn id="6" dur="1" fill="hold">
-                                          <p:stCondLst>
-                                            <p:cond delay="0"/>
-                                          </p:stCondLst>
-                                        </p:cTn>
-                                        <p:tgtEl>
-                                          <p:spTgt spid="9"/>
-                                        </p:tgtEl>
-                                        <p:attrNameLst>
-                                          <p:attrName>style.visibility</p:attrName>
-                                        </p:attrNameLst>
-                                      </p:cBhvr>
-                                      <p:to>
-                                        <p:strVal val="visible"/>
-                                      </p:to>
-                                    </p:set>
-                                    <p:anim calcmode="lin" valueType="num">
-                                      <p:cBhvr additive="base">
-                                        <p:cTn id="7" dur="500" fill="hold"/>
-                                        <p:tgtEl>
-                                          <p:spTgt spid="9"/>
-                                        </p:tgtEl>
-                                        <p:attrNameLst>
-                                          <p:attrName>ppt_x</p:attrName>
-                                        </p:attrNameLst>
-                                      </p:cBhvr>
-                                      <p:tavLst>
-                                        <p:tav tm="0">
-                                          <p:val>
-                                            <p:strVal val="#ppt_x"/>
-                                          </p:val>
-                                        </p:tav>
-                                        <p:tav tm="100000">
-                                          <p:val>
-                                            <p:strVal val="#ppt_x"/>
-                                          </p:val>
-                                        </p:tav>
-                                      </p:tavLst>
-                                    </p:anim>
-                                    <p:anim calcmode="lin" valueType="num">
-                                      <p:cBhvr additive="base">
-                                        <p:cTn id="8" dur="500" fill="hold"/>
-                                        <p:tgtEl>
-                                          <p:spTgt spid="9"/>
-                                        </p:tgtEl>
-                                        <p:attrNameLst>
-                                          <p:attrName>ppt_y</p:attrName>
-                                        </p:attrNameLst>
-                                      </p:cBhvr>
-                                      <p:tavLst>
-                                        <p:tav tm="0">
-                                          <p:val>
-                                            <p:strVal val="1+#ppt_h/2"/>
-                                          </p:val>
-                                        </p:tav>
-                                        <p:tav tm="100000">
-                                          <p:val>
-                                            <p:strVal val="#ppt_y"/>
-                                          </p:val>
-                                        </p:tav>
-                                      </p:tavLst>
-                                    </p:anim>
-                                  </p:childTnLst>
-                                </p:cTn>
-                              </p:par>
-                            </p:childTnLst>
-                          </p:cTn>
-                        </p:par>
-                      </p:childTnLst>
-                    </p:cTn>
-                  </p:par>
-                  <p:par>
-                    <p:cTn id="9" fill="hold">
-                      <p:stCondLst>
-                        <p:cond delay="indefinite"/>
-                      </p:stCondLst>
-                      <p:childTnLst>
-                        <p:par>
-                          <p:cTn id="10" fill="hold">
-                            <p:stCondLst>
-                              <p:cond delay="0"/>
-                            </p:stCondLst>
-                            <p:childTnLst>
-                              <p:par>
-                                <p:cTn id="11" presetID="2" presetClass="entr" presetSubtype="4" fill="hold" nodeType="clickEffect">
-                                  <p:stCondLst>
-                                    <p:cond delay="0"/>
-                                  </p:stCondLst>
-                                  <p:childTnLst>
-                                    <p:set>
-                                      <p:cBhvr>
-                                        <p:cTn id="12" dur="1" fill="hold">
-                                          <p:stCondLst>
-                                            <p:cond delay="0"/>
-                                          </p:stCondLst>
-                                        </p:cTn>
-                                        <p:tgtEl>
-                                          <p:spTgt spid="10"/>
-                                        </p:tgtEl>
-                                        <p:attrNameLst>
-                                          <p:attrName>style.visibility</p:attrName>
-                                        </p:attrNameLst>
-                                      </p:cBhvr>
-                                      <p:to>
-                                        <p:strVal val="visible"/>
-                                      </p:to>
-                                    </p:set>
-                                    <p:anim calcmode="lin" valueType="num">
-                                      <p:cBhvr additive="base">
-                                        <p:cTn id="13" dur="500" fill="hold"/>
-                                        <p:tgtEl>
-                                          <p:spTgt spid="10"/>
-                                        </p:tgtEl>
-                                        <p:attrNameLst>
-                                          <p:attrName>ppt_x</p:attrName>
-                                        </p:attrNameLst>
-                                      </p:cBhvr>
-                                      <p:tavLst>
-                                        <p:tav tm="0">
-                                          <p:val>
-                                            <p:strVal val="#ppt_x"/>
-                                          </p:val>
-                                        </p:tav>
-                                        <p:tav tm="100000">
-                                          <p:val>
-                                            <p:strVal val="#ppt_x"/>
-                                          </p:val>
-                                        </p:tav>
-                                      </p:tavLst>
-                                    </p:anim>
-                                    <p:anim calcmode="lin" valueType="num">
-                                      <p:cBhvr additive="base">
-                                        <p:cTn id="14" dur="500" fill="hold"/>
-                                        <p:tgtEl>
-                                          <p:spTgt spid="10"/>
-                                        </p:tgtEl>
-                                        <p:attrNameLst>
-                                          <p:attrName>ppt_y</p:attrName>
-                                        </p:attrNameLst>
-                                      </p:cBhvr>
-                                      <p:tavLst>
-                                        <p:tav tm="0">
-                                          <p:val>
-                                            <p:strVal val="1+#ppt_h/2"/>
-                                          </p:val>
-                                        </p:tav>
-                                        <p:tav tm="100000">
-                                          <p:val>
-                                            <p:strVal val="#ppt_y"/>
-                                          </p:val>
-                                        </p:tav>
-                                      </p:tavLst>
-                                    </p:anim>
-                                  </p:childTnLst>
-                                </p:cTn>
-                              </p:par>
-                            </p:childTnLst>
-                          </p:cTn>
-                        </p:par>
-                      </p:childTnLst>
-                    </p:cTn>
-                  </p:par>
-                  <p:par>
-                    <p:cTn id="15" fill="hold">
-                      <p:stCondLst>
-                        <p:cond delay="indefinite"/>
-                      </p:stCondLst>
-                      <p:childTnLst>
-                        <p:par>
-                          <p:cTn id="16" fill="hold">
-                            <p:stCondLst>
-                              <p:cond delay="0"/>
-                            </p:stCondLst>
-                            <p:childTnLst>
-                              <p:par>
-                                <p:cTn id="17" presetID="2" presetClass="entr" presetSubtype="4" fill="hold" nodeType="clickEffect">
-                                  <p:stCondLst>
-                                    <p:cond delay="0"/>
-                                  </p:stCondLst>
-                                  <p:childTnLst>
-                                    <p:set>
-                                      <p:cBhvr>
-                                        <p:cTn id="18" dur="1" fill="hold">
-                                          <p:stCondLst>
-                                            <p:cond delay="0"/>
-                                          </p:stCondLst>
-                                        </p:cTn>
-                                        <p:tgtEl>
-                                          <p:spTgt spid="8"/>
-                                        </p:tgtEl>
-                                        <p:attrNameLst>
-                                          <p:attrName>style.visibility</p:attrName>
-                                        </p:attrNameLst>
-                                      </p:cBhvr>
-                                      <p:to>
-                                        <p:strVal val="visible"/>
-                                      </p:to>
-                                    </p:set>
-                                    <p:anim calcmode="lin" valueType="num">
-                                      <p:cBhvr additive="base">
-                                        <p:cTn id="19" dur="500" fill="hold"/>
-                                        <p:tgtEl>
-                                          <p:spTgt spid="8"/>
-                                        </p:tgtEl>
-                                        <p:attrNameLst>
-                                          <p:attrName>ppt_x</p:attrName>
-                                        </p:attrNameLst>
-                                      </p:cBhvr>
-                                      <p:tavLst>
-                                        <p:tav tm="0">
-                                          <p:val>
-                                            <p:strVal val="#ppt_x"/>
-                                          </p:val>
-                                        </p:tav>
-                                        <p:tav tm="100000">
-                                          <p:val>
-                                            <p:strVal val="#ppt_x"/>
-                                          </p:val>
-                                        </p:tav>
-                                      </p:tavLst>
-                                    </p:anim>
-                                    <p:anim calcmode="lin" valueType="num">
-                                      <p:cBhvr additive="base">
-                                        <p:cTn id="20" dur="500" fill="hold"/>
-                                        <p:tgtEl>
-                                          <p:spTgt spid="8"/>
-                                        </p:tgtEl>
-                                        <p:attrNameLst>
-                                          <p:attrName>ppt_y</p:attrName>
-                                        </p:attrNameLst>
-                                      </p:cBhvr>
-                                      <p:tavLst>
-                                        <p:tav tm="0">
-                                          <p:val>
-                                            <p:strVal val="1+#ppt_h/2"/>
-                                          </p:val>
-                                        </p:tav>
-                                        <p:tav tm="100000">
-                                          <p:val>
-                                            <p:strVal val="#ppt_y"/>
-                                          </p:val>
-                                        </p:tav>
-                                      </p:tavLst>
-                                    </p:anim>
-                                  </p:childTnLst>
-                                </p:cTn>
-                              </p:par>
-                            </p:childTnLst>
-                          </p:cTn>
-                        </p:par>
-                      </p:childTnLst>
-                    </p:cTn>
-                  </p:par>
-                  <p:par>
-                    <p:cTn id="21" fill="hold">
-                      <p:stCondLst>
-                        <p:cond delay="indefinite"/>
-                      </p:stCondLst>
-                      <p:childTnLst>
-                        <p:par>
-                          <p:cTn id="22" fill="hold">
-                            <p:stCondLst>
-                              <p:cond delay="0"/>
-                            </p:stCondLst>
-                            <p:childTnLst>
-                              <p:par>
-                                <p:cTn id="23" presetID="2" presetClass="entr" presetSubtype="4" fill="hold" nodeType="clickEffect">
-                                  <p:stCondLst>
-                                    <p:cond delay="0"/>
-                                  </p:stCondLst>
-                                  <p:childTnLst>
-                                    <p:set>
-                                      <p:cBhvr>
-                                        <p:cTn id="24" dur="1" fill="hold">
-                                          <p:stCondLst>
-                                            <p:cond delay="0"/>
-                                          </p:stCondLst>
-                                        </p:cTn>
-                                        <p:tgtEl>
-                                          <p:spTgt spid="3"/>
-                                        </p:tgtEl>
-                                        <p:attrNameLst>
-                                          <p:attrName>style.visibility</p:attrName>
-                                        </p:attrNameLst>
-                                      </p:cBhvr>
-                                      <p:to>
-                                        <p:strVal val="visible"/>
-                                      </p:to>
-                                    </p:set>
-                                    <p:anim calcmode="lin" valueType="num">
-                                      <p:cBhvr additive="base">
-                                        <p:cTn id="25" dur="500" fill="hold"/>
-                                        <p:tgtEl>
-                                          <p:spTgt spid="3"/>
-                                        </p:tgtEl>
-                                        <p:attrNameLst>
-                                          <p:attrName>ppt_x</p:attrName>
-                                        </p:attrNameLst>
-                                      </p:cBhvr>
-                                      <p:tavLst>
-                                        <p:tav tm="0">
-                                          <p:val>
-                                            <p:strVal val="#ppt_x"/>
-                                          </p:val>
-                                        </p:tav>
-                                        <p:tav tm="100000">
-                                          <p:val>
-                                            <p:strVal val="#ppt_x"/>
-                                          </p:val>
-                                        </p:tav>
-                                      </p:tavLst>
-                                    </p:anim>
-                                    <p:anim calcmode="lin" valueType="num">
-                                      <p:cBhvr additive="base">
-                                        <p:cTn id="26" dur="500" fill="hold"/>
-                                        <p:tgtEl>
-                                          <p:spTgt spid="3"/>
-                                        </p:tgtEl>
-                                        <p:attrNameLst>
-                                          <p:attrName>ppt_y</p:attrName>
-                                        </p:attrNameLst>
-                                      </p:cBhvr>
-                                      <p:tavLst>
-                                        <p:tav tm="0">
-                                          <p:val>
-                                            <p:strVal val="1+#ppt_h/2"/>
-                                          </p:val>
-                                        </p:tav>
-                                        <p:tav tm="100000">
-                                          <p:val>
-                                            <p:strVal val="#ppt_y"/>
-                                          </p:val>
-                                        </p:tav>
-                                      </p:tavLst>
-                                    </p:anim>
-                                  </p:childTnLst>
-                                </p:cTn>
-                              </p:par>
-                            </p:childTnLst>
-                          </p:cTn>
-                        </p:par>
-                      </p:childTnLst>
-                    </p:cTn>
-                  </p:par>
-                  <p:par>
-                    <p:cTn id="27" fill="hold">
-                      <p:stCondLst>
-                        <p:cond delay="indefinite"/>
-                      </p:stCondLst>
-                      <p:childTnLst>
-                        <p:par>
-                          <p:cTn id="28" fill="hold">
-                            <p:stCondLst>
-                              <p:cond delay="0"/>
-                            </p:stCondLst>
-                            <p:childTnLst>
-                              <p:par>
-                                <p:cTn id="29" presetID="2" presetClass="exit" presetSubtype="4" fill="hold" nodeType="clickEffect">
-                                  <p:stCondLst>
-                                    <p:cond delay="0"/>
-                                  </p:stCondLst>
-                                  <p:childTnLst>
-                                    <p:anim calcmode="lin" valueType="num">
-                                      <p:cBhvr additive="base">
-                                        <p:cTn id="30" dur="500"/>
-                                        <p:tgtEl>
-                                          <p:spTgt spid="8"/>
-                                        </p:tgtEl>
-                                        <p:attrNameLst>
-                                          <p:attrName>ppt_x</p:attrName>
-                                        </p:attrNameLst>
-                                      </p:cBhvr>
-                                      <p:tavLst>
-                                        <p:tav tm="0">
-                                          <p:val>
-                                            <p:strVal val="ppt_x"/>
-                                          </p:val>
-                                        </p:tav>
-                                        <p:tav tm="100000">
-                                          <p:val>
-                                            <p:strVal val="ppt_x"/>
-                                          </p:val>
-                                        </p:tav>
-                                      </p:tavLst>
-                                    </p:anim>
-                                    <p:anim calcmode="lin" valueType="num">
-                                      <p:cBhvr additive="base">
-                                        <p:cTn id="31" dur="500"/>
-                                        <p:tgtEl>
-                                          <p:spTgt spid="8"/>
-                                        </p:tgtEl>
-                                        <p:attrNameLst>
-                                          <p:attrName>ppt_y</p:attrName>
-                                        </p:attrNameLst>
-                                      </p:cBhvr>
-                                      <p:tavLst>
-                                        <p:tav tm="0">
-                                          <p:val>
-                                            <p:strVal val="ppt_y"/>
-                                          </p:val>
-                                        </p:tav>
-                                        <p:tav tm="100000">
-                                          <p:val>
-                                            <p:strVal val="1+ppt_h/2"/>
-                                          </p:val>
-                                        </p:tav>
-                                      </p:tavLst>
-                                    </p:anim>
-                                    <p:set>
-                                      <p:cBhvr>
-                                        <p:cTn id="32" dur="1" fill="hold">
-                                          <p:stCondLst>
-                                            <p:cond delay="499"/>
-                                          </p:stCondLst>
-                                        </p:cTn>
-                                        <p:tgtEl>
-                                          <p:spTgt spid="8"/>
-                                        </p:tgtEl>
-                                        <p:attrNameLst>
-                                          <p:attrName>style.visibility</p:attrName>
-                                        </p:attrNameLst>
-                                      </p:cBhvr>
-                                      <p:to>
-                                        <p:strVal val="hidden"/>
-                                      </p:to>
-                                    </p:set>
-                                  </p:childTnLst>
-                                </p:cTn>
-                              </p:par>
-                              <p:par>
-                                <p:cTn id="33" presetID="2" presetClass="exit" presetSubtype="4" fill="hold" nodeType="withEffect">
-                                  <p:stCondLst>
-                                    <p:cond delay="0"/>
-                                  </p:stCondLst>
-                                  <p:childTnLst>
-                                    <p:anim calcmode="lin" valueType="num">
-                                      <p:cBhvr additive="base">
-                                        <p:cTn id="34" dur="500"/>
-                                        <p:tgtEl>
-                                          <p:spTgt spid="9"/>
-                                        </p:tgtEl>
-                                        <p:attrNameLst>
-                                          <p:attrName>ppt_x</p:attrName>
-                                        </p:attrNameLst>
-                                      </p:cBhvr>
-                                      <p:tavLst>
-                                        <p:tav tm="0">
-                                          <p:val>
-                                            <p:strVal val="ppt_x"/>
-                                          </p:val>
-                                        </p:tav>
-                                        <p:tav tm="100000">
-                                          <p:val>
-                                            <p:strVal val="ppt_x"/>
-                                          </p:val>
-                                        </p:tav>
-                                      </p:tavLst>
-                                    </p:anim>
-                                    <p:anim calcmode="lin" valueType="num">
-                                      <p:cBhvr additive="base">
-                                        <p:cTn id="35" dur="500"/>
-                                        <p:tgtEl>
-                                          <p:spTgt spid="9"/>
-                                        </p:tgtEl>
-                                        <p:attrNameLst>
-                                          <p:attrName>ppt_y</p:attrName>
-                                        </p:attrNameLst>
-                                      </p:cBhvr>
-                                      <p:tavLst>
-                                        <p:tav tm="0">
-                                          <p:val>
-                                            <p:strVal val="ppt_y"/>
-                                          </p:val>
-                                        </p:tav>
-                                        <p:tav tm="100000">
-                                          <p:val>
-                                            <p:strVal val="1+ppt_h/2"/>
-                                          </p:val>
-                                        </p:tav>
-                                      </p:tavLst>
-                                    </p:anim>
-                                    <p:set>
-                                      <p:cBhvr>
-                                        <p:cTn id="36" dur="1" fill="hold">
-                                          <p:stCondLst>
-                                            <p:cond delay="499"/>
-                                          </p:stCondLst>
-                                        </p:cTn>
-                                        <p:tgtEl>
-                                          <p:spTgt spid="9"/>
-                                        </p:tgtEl>
-                                        <p:attrNameLst>
-                                          <p:attrName>style.visibility</p:attrName>
-                                        </p:attrNameLst>
-                                      </p:cBhvr>
-                                      <p:to>
-                                        <p:strVal val="hidden"/>
-                                      </p:to>
-                                    </p:set>
-                                  </p:childTnLst>
-                                </p:cTn>
-                              </p:par>
-                              <p:par>
-                                <p:cTn id="37" presetID="2" presetClass="exit" presetSubtype="4" fill="hold" nodeType="withEffect">
-                                  <p:stCondLst>
-                                    <p:cond delay="0"/>
-                                  </p:stCondLst>
-                                  <p:childTnLst>
-                                    <p:anim calcmode="lin" valueType="num">
-                                      <p:cBhvr additive="base">
-                                        <p:cTn id="38" dur="500"/>
-                                        <p:tgtEl>
-                                          <p:spTgt spid="10"/>
-                                        </p:tgtEl>
-                                        <p:attrNameLst>
-                                          <p:attrName>ppt_x</p:attrName>
-                                        </p:attrNameLst>
-                                      </p:cBhvr>
-                                      <p:tavLst>
-                                        <p:tav tm="0">
-                                          <p:val>
-                                            <p:strVal val="ppt_x"/>
-                                          </p:val>
-                                        </p:tav>
-                                        <p:tav tm="100000">
-                                          <p:val>
-                                            <p:strVal val="ppt_x"/>
-                                          </p:val>
-                                        </p:tav>
-                                      </p:tavLst>
-                                    </p:anim>
-                                    <p:anim calcmode="lin" valueType="num">
-                                      <p:cBhvr additive="base">
-                                        <p:cTn id="39" dur="500"/>
-                                        <p:tgtEl>
-                                          <p:spTgt spid="10"/>
-                                        </p:tgtEl>
-                                        <p:attrNameLst>
-                                          <p:attrName>ppt_y</p:attrName>
-                                        </p:attrNameLst>
-                                      </p:cBhvr>
-                                      <p:tavLst>
-                                        <p:tav tm="0">
-                                          <p:val>
-                                            <p:strVal val="ppt_y"/>
-                                          </p:val>
-                                        </p:tav>
-                                        <p:tav tm="100000">
-                                          <p:val>
-                                            <p:strVal val="1+ppt_h/2"/>
-                                          </p:val>
-                                        </p:tav>
-                                      </p:tavLst>
-                                    </p:anim>
-                                    <p:set>
-                                      <p:cBhvr>
-                                        <p:cTn id="40" dur="1" fill="hold">
-                                          <p:stCondLst>
-                                            <p:cond delay="499"/>
-                                          </p:stCondLst>
-                                        </p:cTn>
-                                        <p:tgtEl>
-                                          <p:spTgt spid="10"/>
-                                        </p:tgtEl>
-                                        <p:attrNameLst>
-                                          <p:attrName>style.visibility</p:attrName>
-                                        </p:attrNameLst>
-                                      </p:cBhvr>
-                                      <p:to>
-                                        <p:strVal val="hidden"/>
-                                      </p:to>
-                                    </p:set>
-                                  </p:childTnLst>
-                                </p:cTn>
-                              </p:par>
-                              <p:par>
-                                <p:cTn id="41" presetID="2" presetClass="exit" presetSubtype="4" fill="hold" nodeType="withEffect">
-                                  <p:stCondLst>
-                                    <p:cond delay="0"/>
-                                  </p:stCondLst>
-                                  <p:childTnLst>
-                                    <p:anim calcmode="lin" valueType="num">
-                                      <p:cBhvr additive="base">
-                                        <p:cTn id="42" dur="500"/>
-                                        <p:tgtEl>
-                                          <p:spTgt spid="3"/>
-                                        </p:tgtEl>
-                                        <p:attrNameLst>
-                                          <p:attrName>ppt_x</p:attrName>
-                                        </p:attrNameLst>
-                                      </p:cBhvr>
-                                      <p:tavLst>
-                                        <p:tav tm="0">
-                                          <p:val>
-                                            <p:strVal val="ppt_x"/>
-                                          </p:val>
-                                        </p:tav>
-                                        <p:tav tm="100000">
-                                          <p:val>
-                                            <p:strVal val="ppt_x"/>
-                                          </p:val>
-                                        </p:tav>
-                                      </p:tavLst>
-                                    </p:anim>
-                                    <p:anim calcmode="lin" valueType="num">
-                                      <p:cBhvr additive="base">
-                                        <p:cTn id="43" dur="500"/>
-                                        <p:tgtEl>
-                                          <p:spTgt spid="3"/>
-                                        </p:tgtEl>
-                                        <p:attrNameLst>
-                                          <p:attrName>ppt_y</p:attrName>
-                                        </p:attrNameLst>
-                                      </p:cBhvr>
-                                      <p:tavLst>
-                                        <p:tav tm="0">
-                                          <p:val>
-                                            <p:strVal val="ppt_y"/>
-                                          </p:val>
-                                        </p:tav>
-                                        <p:tav tm="100000">
-                                          <p:val>
-                                            <p:strVal val="1+ppt_h/2"/>
-                                          </p:val>
-                                        </p:tav>
-                                      </p:tavLst>
-                                    </p:anim>
-                                    <p:set>
-                                      <p:cBhvr>
-                                        <p:cTn id="44" dur="1" fill="hold">
-                                          <p:stCondLst>
-                                            <p:cond delay="499"/>
-                                          </p:stCondLst>
-                                        </p:cTn>
-                                        <p:tgtEl>
-                                          <p:spTgt spid="3"/>
-                                        </p:tgtEl>
-                                        <p:attrNameLst>
-                                          <p:attrName>style.visibility</p:attrName>
-                                        </p:attrNameLst>
-                                      </p:cBhvr>
-                                      <p:to>
-                                        <p:strVal val="hidden"/>
-                                      </p:to>
-                                    </p:set>
-                                  </p:childTnLst>
-                                </p:cTn>
-                              </p:par>
-                            </p:childTnLst>
-                          </p:cTn>
-                        </p:par>
-                      </p:childTnLst>
-                    </p:cTn>
-                  </p:par>
-                </p:childTnLst>
-              </p:cTn>
-              <p:prevCondLst>
-                <p:cond evt="onPrev" delay="0">
-                  <p:tgtEl>
-                    <p:sldTgt/>
-                  </p:tgtEl>
-                </p:cond>
-              </p:prevCondLst>
-              <p:nextCondLst>
-                <p:cond evt="onNext" delay="0">
-                  <p:tgtEl>
-                    <p:sldTgt/>
-                  </p:tgtEl>
-                </p:cond>
-              </p:nextCondLst>
-            </p:seq>
-          </p:childTnLst>
-        </p:cTn>
+        <p:cTn xmlns:p14="http://schemas.microsoft.com/office/powerpoint/2010/main" id="1" dur="indefinite" restart="never" nodeType="tmRoot"/>
       </p:par>
     </p:tnLst>
   </p:timing>

--- a/Apresentação Final.pptx
+++ b/Apresentação Final.pptx
@@ -3880,28 +3880,22 @@
       </p:sp>
       <p:pic>
         <p:nvPicPr>
-          <p:cNvPr id="4" name="Picture 3" descr="pendulo2.gif"/>
+          <p:cNvPr id="8" name="Picture 7"/>
           <p:cNvPicPr>
             <a:picLocks noChangeAspect="1"/>
           </p:cNvPicPr>
           <p:nvPr/>
         </p:nvPicPr>
         <p:blipFill>
-          <a:blip r:embed="rId2">
-            <a:extLst>
-              <a:ext uri="{28A0092B-C50C-407E-A947-70E740481C1C}">
-                <a14:useLocalDpi xmlns:a14="http://schemas.microsoft.com/office/drawing/2010/main" val="0"/>
-              </a:ext>
-            </a:extLst>
-          </a:blip>
+          <a:blip r:embed="rId2"/>
           <a:stretch>
             <a:fillRect/>
           </a:stretch>
         </p:blipFill>
         <p:spPr>
           <a:xfrm>
-            <a:off x="5293821" y="3746501"/>
-            <a:ext cx="2783379" cy="2662766"/>
+            <a:off x="1208617" y="3746501"/>
+            <a:ext cx="6527800" cy="3188514"/>
           </a:xfrm>
           <a:prstGeom prst="rect">
             <a:avLst/>
@@ -3910,13 +3904,13 @@
       </p:pic>
       <p:sp>
         <p:nvSpPr>
-          <p:cNvPr id="5" name="Right Arrow 4"/>
+          <p:cNvPr id="9" name="Right Arrow 8"/>
           <p:cNvSpPr/>
           <p:nvPr/>
         </p:nvSpPr>
         <p:spPr>
           <a:xfrm>
-            <a:off x="3942292" y="4921250"/>
+            <a:off x="4365625" y="5132917"/>
             <a:ext cx="1047750" cy="285750"/>
           </a:xfrm>
           <a:prstGeom prst="rightArrow">
@@ -3954,36 +3948,6 @@
           </a:p>
         </p:txBody>
       </p:sp>
-      <p:pic>
-        <p:nvPicPr>
-          <p:cNvPr id="6" name="Picture 5" descr="Pêndulo desenho.png"/>
-          <p:cNvPicPr>
-            <a:picLocks noChangeAspect="1"/>
-          </p:cNvPicPr>
-          <p:nvPr/>
-        </p:nvPicPr>
-        <p:blipFill>
-          <a:blip r:embed="rId3">
-            <a:extLst>
-              <a:ext uri="{28A0092B-C50C-407E-A947-70E740481C1C}">
-                <a14:useLocalDpi xmlns:a14="http://schemas.microsoft.com/office/drawing/2010/main" val="0"/>
-              </a:ext>
-            </a:extLst>
-          </a:blip>
-          <a:stretch>
-            <a:fillRect/>
-          </a:stretch>
-        </p:blipFill>
-        <p:spPr>
-          <a:xfrm>
-            <a:off x="457200" y="4000501"/>
-            <a:ext cx="3305878" cy="2165350"/>
-          </a:xfrm>
-          <a:prstGeom prst="rect">
-            <a:avLst/>
-          </a:prstGeom>
-        </p:spPr>
-      </p:pic>
     </p:spTree>
     <p:extLst>
       <p:ext uri="{BB962C8B-B14F-4D97-AF65-F5344CB8AC3E}">
@@ -4018,7 +3982,7 @@
                             </p:stCondLst>
                             <p:childTnLst>
                               <p:par>
-                                <p:cTn id="5" presetID="1" presetClass="entr" presetSubtype="0" fill="hold" nodeType="clickEffect">
+                                <p:cTn id="5" presetID="1" presetClass="entr" presetSubtype="0" fill="hold" grpId="0" nodeType="clickEffect">
                                   <p:stCondLst>
                                     <p:cond delay="0"/>
                                   </p:stCondLst>
@@ -4031,97 +3995,7 @@
                                           </p:stCondLst>
                                         </p:cTn>
                                         <p:tgtEl>
-                                          <p:spTgt spid="6"/>
-                                        </p:tgtEl>
-                                        <p:attrNameLst>
-                                          <p:attrName>style.visibility</p:attrName>
-                                        </p:attrNameLst>
-                                      </p:cBhvr>
-                                      <p:to>
-                                        <p:strVal val="visible"/>
-                                      </p:to>
-                                    </p:set>
-                                  </p:childTnLst>
-                                </p:cTn>
-                              </p:par>
-                            </p:childTnLst>
-                          </p:cTn>
-                        </p:par>
-                      </p:childTnLst>
-                    </p:cTn>
-                  </p:par>
-                  <p:par>
-                    <p:cTn id="7" fill="hold">
-                      <p:stCondLst>
-                        <p:cond delay="indefinite"/>
-                      </p:stCondLst>
-                      <p:childTnLst>
-                        <p:par>
-                          <p:cTn id="8" fill="hold">
-                            <p:stCondLst>
-                              <p:cond delay="0"/>
-                            </p:stCondLst>
-                            <p:childTnLst>
-                              <p:par>
-                                <p:cTn id="9" presetID="1" presetClass="entr" presetSubtype="0" fill="hold" grpId="0" nodeType="clickEffect">
-                                  <p:stCondLst>
-                                    <p:cond delay="0"/>
-                                  </p:stCondLst>
-                                  <p:childTnLst>
-                                    <p:set>
-                                      <p:cBhvr>
-                                        <p:cTn id="10" dur="1" fill="hold">
-                                          <p:stCondLst>
-                                            <p:cond delay="0"/>
-                                          </p:stCondLst>
-                                        </p:cTn>
-                                        <p:tgtEl>
-                                          <p:spTgt spid="5"/>
-                                        </p:tgtEl>
-                                        <p:attrNameLst>
-                                          <p:attrName>style.visibility</p:attrName>
-                                        </p:attrNameLst>
-                                      </p:cBhvr>
-                                      <p:to>
-                                        <p:strVal val="visible"/>
-                                      </p:to>
-                                    </p:set>
-                                  </p:childTnLst>
-                                </p:cTn>
-                              </p:par>
-                            </p:childTnLst>
-                          </p:cTn>
-                        </p:par>
-                      </p:childTnLst>
-                    </p:cTn>
-                  </p:par>
-                  <p:par>
-                    <p:cTn id="11" fill="hold">
-                      <p:stCondLst>
-                        <p:cond delay="indefinite"/>
-                      </p:stCondLst>
-                      <p:childTnLst>
-                        <p:par>
-                          <p:cTn id="12" fill="hold">
-                            <p:stCondLst>
-                              <p:cond delay="0"/>
-                            </p:stCondLst>
-                            <p:childTnLst>
-                              <p:par>
-                                <p:cTn id="13" presetID="1" presetClass="entr" presetSubtype="0" fill="hold" nodeType="clickEffect">
-                                  <p:stCondLst>
-                                    <p:cond delay="0"/>
-                                  </p:stCondLst>
-                                  <p:childTnLst>
-                                    <p:set>
-                                      <p:cBhvr>
-                                        <p:cTn id="14" dur="1" fill="hold">
-                                          <p:stCondLst>
-                                            <p:cond delay="0"/>
-                                          </p:stCondLst>
-                                        </p:cTn>
-                                        <p:tgtEl>
-                                          <p:spTgt spid="4"/>
+                                          <p:spTgt spid="9"/>
                                         </p:tgtEl>
                                         <p:attrNameLst>
                                           <p:attrName>style.visibility</p:attrName>
@@ -4162,7 +4036,7 @@
       </p:par>
     </p:tnLst>
     <p:bldLst>
-      <p:bldP spid="5" grpId="0" animBg="1"/>
+      <p:bldP spid="9" grpId="0" animBg="1"/>
     </p:bldLst>
   </p:timing>
 </p:sld>
@@ -4320,6 +4194,9 @@
                     <p:cTn id="3" fill="hold">
                       <p:stCondLst>
                         <p:cond delay="indefinite"/>
+                        <p:cond evt="onBegin" delay="0">
+                          <p:tn val="2"/>
+                        </p:cond>
                       </p:stCondLst>
                       <p:childTnLst>
                         <p:par>
@@ -4329,7 +4206,7 @@
                             </p:stCondLst>
                             <p:childTnLst>
                               <p:par>
-                                <p:cTn id="5" presetID="2" presetClass="entr" presetSubtype="4" fill="hold" nodeType="clickEffect">
+                                <p:cTn id="5" presetID="2" presetClass="entr" presetSubtype="4" fill="hold" nodeType="afterEffect">
                                   <p:stCondLst>
                                     <p:cond delay="0"/>
                                   </p:stCondLst>
@@ -4404,30 +4281,21 @@
                             </p:childTnLst>
                           </p:cTn>
                         </p:par>
-                      </p:childTnLst>
-                    </p:cTn>
-                  </p:par>
-                  <p:par>
-                    <p:cTn id="9" fill="hold">
-                      <p:stCondLst>
-                        <p:cond delay="indefinite"/>
-                      </p:stCondLst>
-                      <p:childTnLst>
                         <p:par>
-                          <p:cTn id="10" fill="hold">
+                          <p:cTn id="9" fill="hold">
                             <p:stCondLst>
-                              <p:cond delay="0"/>
+                              <p:cond delay="500"/>
                             </p:stCondLst>
                             <p:childTnLst>
                               <p:par>
-                                <p:cTn id="11" presetID="2" presetClass="entr" presetSubtype="4" fill="hold" nodeType="clickEffect">
+                                <p:cTn id="10" presetID="2" presetClass="entr" presetSubtype="4" fill="hold" nodeType="afterEffect">
                                   <p:stCondLst>
                                     <p:cond delay="0"/>
                                   </p:stCondLst>
                                   <p:childTnLst>
                                     <p:set>
                                       <p:cBhvr>
-                                        <p:cTn id="12" dur="1" fill="hold">
+                                        <p:cTn id="11" dur="1" fill="hold">
                                           <p:stCondLst>
                                             <p:cond delay="0"/>
                                           </p:stCondLst>
@@ -4445,7 +4313,7 @@
                                     </p:set>
                                     <p:anim calcmode="lin" valueType="num">
                                       <p:cBhvr additive="base">
-                                        <p:cTn id="13" dur="500" fill="hold"/>
+                                        <p:cTn id="12" dur="500" fill="hold"/>
                                         <p:tgtEl>
                                           <p:spTgt spid="4"/>
                                         </p:tgtEl>
@@ -4468,7 +4336,7 @@
                                     </p:anim>
                                     <p:anim calcmode="lin" valueType="num">
                                       <p:cBhvr additive="base">
-                                        <p:cTn id="14" dur="500" fill="hold"/>
+                                        <p:cTn id="13" dur="500" fill="hold"/>
                                         <p:tgtEl>
                                           <p:spTgt spid="4"/>
                                         </p:tgtEl>
@@ -5314,28 +5182,44 @@
       </p:sp>
       <p:pic>
         <p:nvPicPr>
-          <p:cNvPr id="4" name="Picture 3" descr="Pêndulo desenho.png"/>
+          <p:cNvPr id="5" name="Picture 4"/>
           <p:cNvPicPr>
             <a:picLocks noChangeAspect="1"/>
           </p:cNvPicPr>
           <p:nvPr/>
         </p:nvPicPr>
-        <p:blipFill>
-          <a:blip r:embed="rId2">
-            <a:extLst>
-              <a:ext uri="{28A0092B-C50C-407E-A947-70E740481C1C}">
-                <a14:useLocalDpi xmlns:a14="http://schemas.microsoft.com/office/drawing/2010/main" val="0"/>
-              </a:ext>
-            </a:extLst>
-          </a:blip>
-          <a:stretch>
-            <a:fillRect/>
-          </a:stretch>
+        <p:blipFill rotWithShape="1">
+          <a:blip r:embed="rId2"/>
+          <a:srcRect t="7400" r="60069" b="12516"/>
+          <a:stretch/>
         </p:blipFill>
         <p:spPr>
           <a:xfrm>
-            <a:off x="2031999" y="2798763"/>
-            <a:ext cx="5080000" cy="3327400"/>
+            <a:off x="457200" y="2549314"/>
+            <a:ext cx="3651250" cy="3576849"/>
+          </a:xfrm>
+          <a:prstGeom prst="rect">
+            <a:avLst/>
+          </a:prstGeom>
+        </p:spPr>
+      </p:pic>
+      <p:pic>
+        <p:nvPicPr>
+          <p:cNvPr id="6" name="Picture 5"/>
+          <p:cNvPicPr>
+            <a:picLocks noChangeAspect="1"/>
+          </p:cNvPicPr>
+          <p:nvPr/>
+        </p:nvPicPr>
+        <p:blipFill rotWithShape="1">
+          <a:blip r:embed="rId3"/>
+          <a:srcRect l="12221" t="8913" r="13335" b="13253"/>
+          <a:stretch/>
+        </p:blipFill>
+        <p:spPr>
+          <a:xfrm>
+            <a:off x="4933950" y="2707746"/>
+            <a:ext cx="3143250" cy="3418417"/>
           </a:xfrm>
           <a:prstGeom prst="rect">
             <a:avLst/>
@@ -5358,7 +5242,358 @@
   <p:timing>
     <p:tnLst>
       <p:par>
-        <p:cTn xmlns:p14="http://schemas.microsoft.com/office/powerpoint/2010/main" id="1" dur="indefinite" restart="never" nodeType="tmRoot"/>
+        <p:cTn xmlns:p14="http://schemas.microsoft.com/office/powerpoint/2010/main" id="1" dur="indefinite" restart="never" nodeType="tmRoot">
+          <p:childTnLst>
+            <p:seq concurrent="1" nextAc="seek">
+              <p:cTn id="2" dur="indefinite" nodeType="mainSeq">
+                <p:childTnLst>
+                  <p:par>
+                    <p:cTn id="3" fill="hold">
+                      <p:stCondLst>
+                        <p:cond delay="indefinite"/>
+                      </p:stCondLst>
+                      <p:childTnLst>
+                        <p:par>
+                          <p:cTn id="4" fill="hold">
+                            <p:stCondLst>
+                              <p:cond delay="0"/>
+                            </p:stCondLst>
+                            <p:childTnLst>
+                              <p:par>
+                                <p:cTn id="5" presetID="2" presetClass="entr" presetSubtype="4" fill="hold" nodeType="clickEffect">
+                                  <p:stCondLst>
+                                    <p:cond delay="0"/>
+                                  </p:stCondLst>
+                                  <p:childTnLst>
+                                    <p:set>
+                                      <p:cBhvr>
+                                        <p:cTn id="6" dur="1" fill="hold">
+                                          <p:stCondLst>
+                                            <p:cond delay="0"/>
+                                          </p:stCondLst>
+                                        </p:cTn>
+                                        <p:tgtEl>
+                                          <p:spTgt spid="5"/>
+                                        </p:tgtEl>
+                                        <p:attrNameLst>
+                                          <p:attrName>style.visibility</p:attrName>
+                                        </p:attrNameLst>
+                                      </p:cBhvr>
+                                      <p:to>
+                                        <p:strVal val="visible"/>
+                                      </p:to>
+                                    </p:set>
+                                    <p:anim calcmode="lin" valueType="num">
+                                      <p:cBhvr additive="base">
+                                        <p:cTn id="7" dur="500" fill="hold"/>
+                                        <p:tgtEl>
+                                          <p:spTgt spid="5"/>
+                                        </p:tgtEl>
+                                        <p:attrNameLst>
+                                          <p:attrName>ppt_x</p:attrName>
+                                        </p:attrNameLst>
+                                      </p:cBhvr>
+                                      <p:tavLst>
+                                        <p:tav tm="0">
+                                          <p:val>
+                                            <p:strVal val="#ppt_x"/>
+                                          </p:val>
+                                        </p:tav>
+                                        <p:tav tm="100000">
+                                          <p:val>
+                                            <p:strVal val="#ppt_x"/>
+                                          </p:val>
+                                        </p:tav>
+                                      </p:tavLst>
+                                    </p:anim>
+                                    <p:anim calcmode="lin" valueType="num">
+                                      <p:cBhvr additive="base">
+                                        <p:cTn id="8" dur="500" fill="hold"/>
+                                        <p:tgtEl>
+                                          <p:spTgt spid="5"/>
+                                        </p:tgtEl>
+                                        <p:attrNameLst>
+                                          <p:attrName>ppt_y</p:attrName>
+                                        </p:attrNameLst>
+                                      </p:cBhvr>
+                                      <p:tavLst>
+                                        <p:tav tm="0">
+                                          <p:val>
+                                            <p:strVal val="1+#ppt_h/2"/>
+                                          </p:val>
+                                        </p:tav>
+                                        <p:tav tm="100000">
+                                          <p:val>
+                                            <p:strVal val="#ppt_y"/>
+                                          </p:val>
+                                        </p:tav>
+                                      </p:tavLst>
+                                    </p:anim>
+                                  </p:childTnLst>
+                                </p:cTn>
+                              </p:par>
+                              <p:par>
+                                <p:cTn id="9" presetID="2" presetClass="entr" presetSubtype="4" fill="hold" nodeType="withEffect">
+                                  <p:stCondLst>
+                                    <p:cond delay="0"/>
+                                  </p:stCondLst>
+                                  <p:childTnLst>
+                                    <p:set>
+                                      <p:cBhvr>
+                                        <p:cTn id="10" dur="1" fill="hold">
+                                          <p:stCondLst>
+                                            <p:cond delay="0"/>
+                                          </p:stCondLst>
+                                        </p:cTn>
+                                        <p:tgtEl>
+                                          <p:spTgt spid="6"/>
+                                        </p:tgtEl>
+                                        <p:attrNameLst>
+                                          <p:attrName>style.visibility</p:attrName>
+                                        </p:attrNameLst>
+                                      </p:cBhvr>
+                                      <p:to>
+                                        <p:strVal val="visible"/>
+                                      </p:to>
+                                    </p:set>
+                                    <p:anim calcmode="lin" valueType="num">
+                                      <p:cBhvr additive="base">
+                                        <p:cTn id="11" dur="500" fill="hold"/>
+                                        <p:tgtEl>
+                                          <p:spTgt spid="6"/>
+                                        </p:tgtEl>
+                                        <p:attrNameLst>
+                                          <p:attrName>ppt_x</p:attrName>
+                                        </p:attrNameLst>
+                                      </p:cBhvr>
+                                      <p:tavLst>
+                                        <p:tav tm="0">
+                                          <p:val>
+                                            <p:strVal val="#ppt_x"/>
+                                          </p:val>
+                                        </p:tav>
+                                        <p:tav tm="100000">
+                                          <p:val>
+                                            <p:strVal val="#ppt_x"/>
+                                          </p:val>
+                                        </p:tav>
+                                      </p:tavLst>
+                                    </p:anim>
+                                    <p:anim calcmode="lin" valueType="num">
+                                      <p:cBhvr additive="base">
+                                        <p:cTn id="12" dur="500" fill="hold"/>
+                                        <p:tgtEl>
+                                          <p:spTgt spid="6"/>
+                                        </p:tgtEl>
+                                        <p:attrNameLst>
+                                          <p:attrName>ppt_y</p:attrName>
+                                        </p:attrNameLst>
+                                      </p:cBhvr>
+                                      <p:tavLst>
+                                        <p:tav tm="0">
+                                          <p:val>
+                                            <p:strVal val="1+#ppt_h/2"/>
+                                          </p:val>
+                                        </p:tav>
+                                        <p:tav tm="100000">
+                                          <p:val>
+                                            <p:strVal val="#ppt_y"/>
+                                          </p:val>
+                                        </p:tav>
+                                      </p:tavLst>
+                                    </p:anim>
+                                  </p:childTnLst>
+                                </p:cTn>
+                              </p:par>
+                            </p:childTnLst>
+                          </p:cTn>
+                        </p:par>
+                      </p:childTnLst>
+                    </p:cTn>
+                  </p:par>
+                  <p:par>
+                    <p:cTn id="13" fill="hold">
+                      <p:stCondLst>
+                        <p:cond delay="indefinite"/>
+                      </p:stCondLst>
+                      <p:childTnLst>
+                        <p:par>
+                          <p:cTn id="14" fill="hold">
+                            <p:stCondLst>
+                              <p:cond delay="0"/>
+                            </p:stCondLst>
+                            <p:childTnLst>
+                              <p:par>
+                                <p:cTn id="15" presetID="2" presetClass="exit" presetSubtype="4" fill="hold" nodeType="clickEffect">
+                                  <p:stCondLst>
+                                    <p:cond delay="0"/>
+                                  </p:stCondLst>
+                                  <p:childTnLst>
+                                    <p:anim calcmode="lin" valueType="num">
+                                      <p:cBhvr additive="base">
+                                        <p:cTn id="16" dur="500"/>
+                                        <p:tgtEl>
+                                          <p:spTgt spid="5"/>
+                                        </p:tgtEl>
+                                        <p:attrNameLst>
+                                          <p:attrName>ppt_x</p:attrName>
+                                        </p:attrNameLst>
+                                      </p:cBhvr>
+                                      <p:tavLst>
+                                        <p:tav tm="0">
+                                          <p:val>
+                                            <p:strVal val="ppt_x"/>
+                                          </p:val>
+                                        </p:tav>
+                                        <p:tav tm="100000">
+                                          <p:val>
+                                            <p:strVal val="ppt_x"/>
+                                          </p:val>
+                                        </p:tav>
+                                      </p:tavLst>
+                                    </p:anim>
+                                    <p:anim calcmode="lin" valueType="num">
+                                      <p:cBhvr additive="base">
+                                        <p:cTn id="17" dur="500"/>
+                                        <p:tgtEl>
+                                          <p:spTgt spid="5"/>
+                                        </p:tgtEl>
+                                        <p:attrNameLst>
+                                          <p:attrName>ppt_y</p:attrName>
+                                        </p:attrNameLst>
+                                      </p:cBhvr>
+                                      <p:tavLst>
+                                        <p:tav tm="0">
+                                          <p:val>
+                                            <p:strVal val="ppt_y"/>
+                                          </p:val>
+                                        </p:tav>
+                                        <p:tav tm="100000">
+                                          <p:val>
+                                            <p:strVal val="1+ppt_h/2"/>
+                                          </p:val>
+                                        </p:tav>
+                                      </p:tavLst>
+                                    </p:anim>
+                                    <p:set>
+                                      <p:cBhvr>
+                                        <p:cTn id="18" dur="1" fill="hold">
+                                          <p:stCondLst>
+                                            <p:cond delay="499"/>
+                                          </p:stCondLst>
+                                        </p:cTn>
+                                        <p:tgtEl>
+                                          <p:spTgt spid="5"/>
+                                        </p:tgtEl>
+                                        <p:attrNameLst>
+                                          <p:attrName>style.visibility</p:attrName>
+                                        </p:attrNameLst>
+                                      </p:cBhvr>
+                                      <p:to>
+                                        <p:strVal val="hidden"/>
+                                      </p:to>
+                                    </p:set>
+                                  </p:childTnLst>
+                                </p:cTn>
+                              </p:par>
+                              <p:par>
+                                <p:cTn id="19" presetID="2" presetClass="exit" presetSubtype="4" fill="hold" nodeType="withEffect">
+                                  <p:stCondLst>
+                                    <p:cond delay="0"/>
+                                  </p:stCondLst>
+                                  <p:childTnLst>
+                                    <p:anim calcmode="lin" valueType="num">
+                                      <p:cBhvr additive="base">
+                                        <p:cTn id="20" dur="500"/>
+                                        <p:tgtEl>
+                                          <p:spTgt spid="6"/>
+                                        </p:tgtEl>
+                                        <p:attrNameLst>
+                                          <p:attrName>ppt_x</p:attrName>
+                                        </p:attrNameLst>
+                                      </p:cBhvr>
+                                      <p:tavLst>
+                                        <p:tav tm="0">
+                                          <p:val>
+                                            <p:strVal val="ppt_x"/>
+                                          </p:val>
+                                        </p:tav>
+                                        <p:tav tm="100000">
+                                          <p:val>
+                                            <p:strVal val="ppt_x"/>
+                                          </p:val>
+                                        </p:tav>
+                                      </p:tavLst>
+                                    </p:anim>
+                                    <p:anim calcmode="lin" valueType="num">
+                                      <p:cBhvr additive="base">
+                                        <p:cTn id="21" dur="500"/>
+                                        <p:tgtEl>
+                                          <p:spTgt spid="6"/>
+                                        </p:tgtEl>
+                                        <p:attrNameLst>
+                                          <p:attrName>ppt_y</p:attrName>
+                                        </p:attrNameLst>
+                                      </p:cBhvr>
+                                      <p:tavLst>
+                                        <p:tav tm="0">
+                                          <p:val>
+                                            <p:strVal val="ppt_y"/>
+                                          </p:val>
+                                        </p:tav>
+                                        <p:tav tm="100000">
+                                          <p:val>
+                                            <p:strVal val="1+ppt_h/2"/>
+                                          </p:val>
+                                        </p:tav>
+                                      </p:tavLst>
+                                    </p:anim>
+                                    <p:set>
+                                      <p:cBhvr>
+                                        <p:cTn id="22" dur="1" fill="hold">
+                                          <p:stCondLst>
+                                            <p:cond delay="499"/>
+                                          </p:stCondLst>
+                                        </p:cTn>
+                                        <p:tgtEl>
+                                          <p:spTgt spid="6"/>
+                                        </p:tgtEl>
+                                        <p:attrNameLst>
+                                          <p:attrName>style.visibility</p:attrName>
+                                        </p:attrNameLst>
+                                      </p:cBhvr>
+                                      <p:to>
+                                        <p:strVal val="hidden"/>
+                                      </p:to>
+                                    </p:set>
+                                  </p:childTnLst>
+                                </p:cTn>
+                              </p:par>
+                            </p:childTnLst>
+                          </p:cTn>
+                        </p:par>
+                      </p:childTnLst>
+                    </p:cTn>
+                  </p:par>
+                </p:childTnLst>
+              </p:cTn>
+              <p:prevCondLst>
+                <p:cond evt="onPrev" delay="0">
+                  <p:tgtEl>
+                    <p:sldTgt/>
+                  </p:tgtEl>
+                </p:cond>
+              </p:prevCondLst>
+              <p:nextCondLst>
+                <p:cond evt="onNext" delay="0">
+                  <p:tgtEl>
+                    <p:sldTgt/>
+                  </p:tgtEl>
+                </p:cond>
+              </p:nextCondLst>
+            </p:seq>
+          </p:childTnLst>
+        </p:cTn>
       </p:par>
     </p:tnLst>
   </p:timing>
@@ -5399,7 +5634,11 @@
           <a:p>
             <a:r>
               <a:rPr lang="pt-BR" dirty="0" smtClean="0"/>
-              <a:t>considerações</a:t>
+              <a:t>limita</a:t>
+            </a:r>
+            <a:r>
+              <a:rPr lang="pt-BR" dirty="0" smtClean="0"/>
+              <a:t>ções</a:t>
             </a:r>
             <a:endParaRPr lang="pt-BR" dirty="0"/>
           </a:p>
